--- a/2017_CppCon/CppCon2017-NakedCoroutines.pptx
+++ b/2017_CppCon/CppCon2017-NakedCoroutines.pptx
@@ -5,7 +5,7 @@
     <p:sldMasterId id="2147483884" r:id="rId1"/>
   </p:sldMasterIdLst>
   <p:notesMasterIdLst>
-    <p:notesMasterId r:id="rId37"/>
+    <p:notesMasterId r:id="rId31"/>
   </p:notesMasterIdLst>
   <p:sldIdLst>
     <p:sldId id="256" r:id="rId2"/>
@@ -37,12 +37,6 @@
     <p:sldId id="279" r:id="rId28"/>
     <p:sldId id="272" r:id="rId29"/>
     <p:sldId id="280" r:id="rId30"/>
-    <p:sldId id="269" r:id="rId31"/>
-    <p:sldId id="258" r:id="rId32"/>
-    <p:sldId id="257" r:id="rId33"/>
-    <p:sldId id="259" r:id="rId34"/>
-    <p:sldId id="286" r:id="rId35"/>
-    <p:sldId id="284" r:id="rId36"/>
   </p:sldIdLst>
   <p:sldSz cx="12192000" cy="6858000"/>
   <p:notesSz cx="6858000" cy="9144000"/>
@@ -235,7 +229,7 @@
           <a:p>
             <a:fld id="{E8C5C2E5-474E-407D-9EFD-F1172292BEEF}" type="datetimeFigureOut">
               <a:rPr lang="en-US" smtClean="0"/>
-              <a:t>9/28/2017</a:t>
+              <a:t>10/20/2017</a:t>
             </a:fld>
             <a:endParaRPr lang="en-US"/>
           </a:p>
@@ -589,90 +583,6 @@
 </p:notes>
 </file>
 
-<file path=ppt/notesSlides/notesSlide10.xml><?xml version="1.0" encoding="utf-8"?>
-<p:notes xmlns:a="http://schemas.openxmlformats.org/drawingml/2006/main" xmlns:r="http://schemas.openxmlformats.org/officeDocument/2006/relationships" xmlns:p="http://schemas.openxmlformats.org/presentationml/2006/main">
-  <p:cSld>
-    <p:spTree>
-      <p:nvGrpSpPr>
-        <p:cNvPr id="1" name=""/>
-        <p:cNvGrpSpPr/>
-        <p:nvPr/>
-      </p:nvGrpSpPr>
-      <p:grpSpPr>
-        <a:xfrm>
-          <a:off x="0" y="0"/>
-          <a:ext cx="0" cy="0"/>
-          <a:chOff x="0" y="0"/>
-          <a:chExt cx="0" cy="0"/>
-        </a:xfrm>
-      </p:grpSpPr>
-      <p:sp>
-        <p:nvSpPr>
-          <p:cNvPr id="2" name="Slide Image Placeholder 1"/>
-          <p:cNvSpPr>
-            <a:spLocks noGrp="1" noRot="1" noChangeAspect="1"/>
-          </p:cNvSpPr>
-          <p:nvPr>
-            <p:ph type="sldImg"/>
-          </p:nvPr>
-        </p:nvSpPr>
-        <p:spPr/>
-      </p:sp>
-      <p:sp>
-        <p:nvSpPr>
-          <p:cNvPr id="3" name="Notes Placeholder 2"/>
-          <p:cNvSpPr>
-            <a:spLocks noGrp="1"/>
-          </p:cNvSpPr>
-          <p:nvPr>
-            <p:ph type="body" idx="1"/>
-          </p:nvPr>
-        </p:nvSpPr>
-        <p:spPr/>
-        <p:txBody>
-          <a:bodyPr/>
-          <a:lstStyle/>
-          <a:p>
-            <a:endParaRPr lang="en-US"/>
-          </a:p>
-        </p:txBody>
-      </p:sp>
-      <p:sp>
-        <p:nvSpPr>
-          <p:cNvPr id="4" name="Slide Number Placeholder 3"/>
-          <p:cNvSpPr>
-            <a:spLocks noGrp="1"/>
-          </p:cNvSpPr>
-          <p:nvPr>
-            <p:ph type="sldNum" sz="quarter" idx="10"/>
-          </p:nvPr>
-        </p:nvSpPr>
-        <p:spPr/>
-        <p:txBody>
-          <a:bodyPr/>
-          <a:lstStyle/>
-          <a:p>
-            <a:fld id="{92ECD545-06B1-4177-98AF-A3DFD8E81B81}" type="slidenum">
-              <a:rPr lang="en-US" smtClean="0"/>
-              <a:t>33</a:t>
-            </a:fld>
-            <a:endParaRPr lang="en-US"/>
-          </a:p>
-        </p:txBody>
-      </p:sp>
-    </p:spTree>
-    <p:extLst>
-      <p:ext uri="{BB962C8B-B14F-4D97-AF65-F5344CB8AC3E}">
-        <p14:creationId xmlns:p14="http://schemas.microsoft.com/office/powerpoint/2010/main" val="910047952"/>
-      </p:ext>
-    </p:extLst>
-  </p:cSld>
-  <p:clrMapOvr>
-    <a:masterClrMapping/>
-  </p:clrMapOvr>
-</p:notes>
-</file>
-
 <file path=ppt/notesSlides/notesSlide2.xml><?xml version="1.0" encoding="utf-8"?>
 <p:notes xmlns:a="http://schemas.openxmlformats.org/drawingml/2006/main" xmlns:r="http://schemas.openxmlformats.org/officeDocument/2006/relationships" xmlns:p="http://schemas.openxmlformats.org/presentationml/2006/main">
   <p:cSld>
@@ -1180,174 +1090,6 @@
     <p:extLst>
       <p:ext uri="{BB962C8B-B14F-4D97-AF65-F5344CB8AC3E}">
         <p14:creationId xmlns:p14="http://schemas.microsoft.com/office/powerpoint/2010/main" val="2626682739"/>
-      </p:ext>
-    </p:extLst>
-  </p:cSld>
-  <p:clrMapOvr>
-    <a:masterClrMapping/>
-  </p:clrMapOvr>
-</p:notes>
-</file>
-
-<file path=ppt/notesSlides/notesSlide8.xml><?xml version="1.0" encoding="utf-8"?>
-<p:notes xmlns:a="http://schemas.openxmlformats.org/drawingml/2006/main" xmlns:r="http://schemas.openxmlformats.org/officeDocument/2006/relationships" xmlns:p="http://schemas.openxmlformats.org/presentationml/2006/main">
-  <p:cSld>
-    <p:spTree>
-      <p:nvGrpSpPr>
-        <p:cNvPr id="1" name=""/>
-        <p:cNvGrpSpPr/>
-        <p:nvPr/>
-      </p:nvGrpSpPr>
-      <p:grpSpPr>
-        <a:xfrm>
-          <a:off x="0" y="0"/>
-          <a:ext cx="0" cy="0"/>
-          <a:chOff x="0" y="0"/>
-          <a:chExt cx="0" cy="0"/>
-        </a:xfrm>
-      </p:grpSpPr>
-      <p:sp>
-        <p:nvSpPr>
-          <p:cNvPr id="2" name="Slide Image Placeholder 1"/>
-          <p:cNvSpPr>
-            <a:spLocks noGrp="1" noRot="1" noChangeAspect="1"/>
-          </p:cNvSpPr>
-          <p:nvPr>
-            <p:ph type="sldImg"/>
-          </p:nvPr>
-        </p:nvSpPr>
-        <p:spPr/>
-      </p:sp>
-      <p:sp>
-        <p:nvSpPr>
-          <p:cNvPr id="3" name="Notes Placeholder 2"/>
-          <p:cNvSpPr>
-            <a:spLocks noGrp="1"/>
-          </p:cNvSpPr>
-          <p:nvPr>
-            <p:ph type="body" idx="1"/>
-          </p:nvPr>
-        </p:nvSpPr>
-        <p:spPr/>
-        <p:txBody>
-          <a:bodyPr/>
-          <a:lstStyle/>
-          <a:p>
-            <a:endParaRPr lang="en-US"/>
-          </a:p>
-        </p:txBody>
-      </p:sp>
-      <p:sp>
-        <p:nvSpPr>
-          <p:cNvPr id="4" name="Slide Number Placeholder 3"/>
-          <p:cNvSpPr>
-            <a:spLocks noGrp="1"/>
-          </p:cNvSpPr>
-          <p:nvPr>
-            <p:ph type="sldNum" sz="quarter" idx="10"/>
-          </p:nvPr>
-        </p:nvSpPr>
-        <p:spPr/>
-        <p:txBody>
-          <a:bodyPr/>
-          <a:lstStyle/>
-          <a:p>
-            <a:fld id="{92ECD545-06B1-4177-98AF-A3DFD8E81B81}" type="slidenum">
-              <a:rPr lang="en-US" smtClean="0"/>
-              <a:t>31</a:t>
-            </a:fld>
-            <a:endParaRPr lang="en-US"/>
-          </a:p>
-        </p:txBody>
-      </p:sp>
-    </p:spTree>
-    <p:extLst>
-      <p:ext uri="{BB962C8B-B14F-4D97-AF65-F5344CB8AC3E}">
-        <p14:creationId xmlns:p14="http://schemas.microsoft.com/office/powerpoint/2010/main" val="2955108038"/>
-      </p:ext>
-    </p:extLst>
-  </p:cSld>
-  <p:clrMapOvr>
-    <a:masterClrMapping/>
-  </p:clrMapOvr>
-</p:notes>
-</file>
-
-<file path=ppt/notesSlides/notesSlide9.xml><?xml version="1.0" encoding="utf-8"?>
-<p:notes xmlns:a="http://schemas.openxmlformats.org/drawingml/2006/main" xmlns:r="http://schemas.openxmlformats.org/officeDocument/2006/relationships" xmlns:p="http://schemas.openxmlformats.org/presentationml/2006/main">
-  <p:cSld>
-    <p:spTree>
-      <p:nvGrpSpPr>
-        <p:cNvPr id="1" name=""/>
-        <p:cNvGrpSpPr/>
-        <p:nvPr/>
-      </p:nvGrpSpPr>
-      <p:grpSpPr>
-        <a:xfrm>
-          <a:off x="0" y="0"/>
-          <a:ext cx="0" cy="0"/>
-          <a:chOff x="0" y="0"/>
-          <a:chExt cx="0" cy="0"/>
-        </a:xfrm>
-      </p:grpSpPr>
-      <p:sp>
-        <p:nvSpPr>
-          <p:cNvPr id="2" name="Slide Image Placeholder 1"/>
-          <p:cNvSpPr>
-            <a:spLocks noGrp="1" noRot="1" noChangeAspect="1"/>
-          </p:cNvSpPr>
-          <p:nvPr>
-            <p:ph type="sldImg"/>
-          </p:nvPr>
-        </p:nvSpPr>
-        <p:spPr/>
-      </p:sp>
-      <p:sp>
-        <p:nvSpPr>
-          <p:cNvPr id="3" name="Notes Placeholder 2"/>
-          <p:cNvSpPr>
-            <a:spLocks noGrp="1"/>
-          </p:cNvSpPr>
-          <p:nvPr>
-            <p:ph type="body" idx="1"/>
-          </p:nvPr>
-        </p:nvSpPr>
-        <p:spPr/>
-        <p:txBody>
-          <a:bodyPr/>
-          <a:lstStyle/>
-          <a:p>
-            <a:endParaRPr lang="en-US"/>
-          </a:p>
-        </p:txBody>
-      </p:sp>
-      <p:sp>
-        <p:nvSpPr>
-          <p:cNvPr id="4" name="Slide Number Placeholder 3"/>
-          <p:cNvSpPr>
-            <a:spLocks noGrp="1"/>
-          </p:cNvSpPr>
-          <p:nvPr>
-            <p:ph type="sldNum" sz="quarter" idx="10"/>
-          </p:nvPr>
-        </p:nvSpPr>
-        <p:spPr/>
-        <p:txBody>
-          <a:bodyPr/>
-          <a:lstStyle/>
-          <a:p>
-            <a:fld id="{92ECD545-06B1-4177-98AF-A3DFD8E81B81}" type="slidenum">
-              <a:rPr lang="en-US" smtClean="0"/>
-              <a:t>32</a:t>
-            </a:fld>
-            <a:endParaRPr lang="en-US"/>
-          </a:p>
-        </p:txBody>
-      </p:sp>
-    </p:spTree>
-    <p:extLst>
-      <p:ext uri="{BB962C8B-B14F-4D97-AF65-F5344CB8AC3E}">
-        <p14:creationId xmlns:p14="http://schemas.microsoft.com/office/powerpoint/2010/main" val="2455957249"/>
       </p:ext>
     </p:extLst>
   </p:cSld>
@@ -1760,7 +1502,7 @@
           <a:p>
             <a:fld id="{DCD79784-BD28-4A94-9C8E-BE31FC68671A}" type="datetime1">
               <a:rPr lang="en-US" smtClean="0"/>
-              <a:t>9/28/2017</a:t>
+              <a:t>10/20/2017</a:t>
             </a:fld>
             <a:endParaRPr lang="en-US"/>
           </a:p>
@@ -1942,7 +1684,7 @@
           <a:p>
             <a:fld id="{5E87D9A4-EE7F-485F-A380-26564709672E}" type="datetime1">
               <a:rPr lang="en-US" smtClean="0"/>
-              <a:t>9/28/2017</a:t>
+              <a:t>10/20/2017</a:t>
             </a:fld>
             <a:endParaRPr lang="en-US"/>
           </a:p>
@@ -2125,7 +1867,7 @@
           <a:p>
             <a:fld id="{5B7B9765-CA31-429E-A2F4-52970F7944F6}" type="datetime1">
               <a:rPr lang="en-US" smtClean="0"/>
-              <a:t>9/28/2017</a:t>
+              <a:t>10/20/2017</a:t>
             </a:fld>
             <a:endParaRPr lang="en-US"/>
           </a:p>
@@ -2298,7 +2040,7 @@
           <a:p>
             <a:fld id="{7DD85E48-3E44-49C0-A9CA-E40D7EF2D66D}" type="datetime1">
               <a:rPr lang="en-US" smtClean="0"/>
-              <a:t>9/28/2017</a:t>
+              <a:t>10/20/2017</a:t>
             </a:fld>
             <a:endParaRPr lang="en-US"/>
           </a:p>
@@ -2614,7 +2356,7 @@
           <a:p>
             <a:fld id="{044DE0DE-C72A-4C78-9120-4B2E9F301103}" type="datetime1">
               <a:rPr lang="en-US" smtClean="0"/>
-              <a:t>9/28/2017</a:t>
+              <a:t>10/20/2017</a:t>
             </a:fld>
             <a:endParaRPr lang="en-US"/>
           </a:p>
@@ -3003,7 +2745,7 @@
           <a:p>
             <a:fld id="{067F9FA0-0FC0-4B93-BC15-840245FBD0CC}" type="datetime1">
               <a:rPr lang="en-US" smtClean="0"/>
-              <a:t>9/28/2017</a:t>
+              <a:t>10/20/2017</a:t>
             </a:fld>
             <a:endParaRPr lang="en-US"/>
           </a:p>
@@ -3440,7 +3182,7 @@
           <a:p>
             <a:fld id="{A48CE466-7948-4EB7-A644-4D9100E27893}" type="datetime1">
               <a:rPr lang="en-US" smtClean="0"/>
-              <a:t>9/28/2017</a:t>
+              <a:t>10/20/2017</a:t>
             </a:fld>
             <a:endParaRPr lang="en-US"/>
           </a:p>
@@ -3561,7 +3303,7 @@
           <a:p>
             <a:fld id="{FCB179BE-7D8F-49BA-BF23-E0023745B1F9}" type="datetime1">
               <a:rPr lang="en-US" smtClean="0"/>
-              <a:t>9/28/2017</a:t>
+              <a:t>10/20/2017</a:t>
             </a:fld>
             <a:endParaRPr lang="en-US"/>
           </a:p>
@@ -3659,7 +3401,7 @@
           <a:p>
             <a:fld id="{1C89D740-D5CE-4A35-9BBE-FB24F44E50A7}" type="datetime1">
               <a:rPr lang="en-US" smtClean="0"/>
-              <a:t>9/28/2017</a:t>
+              <a:t>10/20/2017</a:t>
             </a:fld>
             <a:endParaRPr lang="en-US"/>
           </a:p>
@@ -4012,7 +3754,7 @@
           <a:p>
             <a:fld id="{4D39794F-2311-4D58-80DF-DE3EABBF91B6}" type="datetime1">
               <a:rPr lang="en-US" smtClean="0"/>
-              <a:t>9/28/2017</a:t>
+              <a:t>10/20/2017</a:t>
             </a:fld>
             <a:endParaRPr lang="en-US"/>
           </a:p>
@@ -4440,7 +4182,7 @@
           <a:p>
             <a:fld id="{AAE6DF6C-38CD-4AAD-8969-9C3F86A5592B}" type="datetime1">
               <a:rPr lang="en-US" smtClean="0"/>
-              <a:t>9/28/2017</a:t>
+              <a:t>10/20/2017</a:t>
             </a:fld>
             <a:endParaRPr lang="en-US"/>
           </a:p>
@@ -4721,7 +4463,7 @@
           <a:p>
             <a:fld id="{0FD71160-F914-4146-BB91-F29FD0F76D2C}" type="datetime1">
               <a:rPr lang="en-US" smtClean="0"/>
-              <a:t>9/28/2017</a:t>
+              <a:t>10/20/2017</a:t>
             </a:fld>
             <a:endParaRPr lang="en-US"/>
           </a:p>
@@ -9120,7 +8862,7 @@
           <a:p>
             <a:fld id="{4A3387EC-A5E8-4F6A-8E10-295B6540D88B}" type="datetime1">
               <a:rPr lang="en-US" smtClean="0"/>
-              <a:t>9/28/2017</a:t>
+              <a:t>10/20/2017</a:t>
             </a:fld>
             <a:endParaRPr lang="en-US"/>
           </a:p>
@@ -9272,7 +9014,7 @@
           <a:p>
             <a:fld id="{C2F9FE4C-4461-4A39-BB91-1660924575A0}" type="datetime1">
               <a:rPr lang="en-US" smtClean="0"/>
-              <a:t>9/28/2017</a:t>
+              <a:t>10/20/2017</a:t>
             </a:fld>
             <a:endParaRPr lang="en-US"/>
           </a:p>
@@ -10079,7 +9821,7 @@
           <a:p>
             <a:fld id="{2163C46E-CE8F-44F4-A9FE-F1FBFF770EF4}" type="datetime1">
               <a:rPr lang="en-US" smtClean="0"/>
-              <a:t>9/28/2017</a:t>
+              <a:t>10/20/2017</a:t>
             </a:fld>
             <a:endParaRPr lang="en-US"/>
           </a:p>
@@ -10283,7 +10025,7 @@
           <a:p>
             <a:fld id="{F1795370-80EF-4C77-B377-F7441FAC7C7F}" type="datetime1">
               <a:rPr lang="en-US" smtClean="0"/>
-              <a:t>9/28/2017</a:t>
+              <a:t>10/20/2017</a:t>
             </a:fld>
             <a:endParaRPr lang="en-US"/>
           </a:p>
@@ -10430,7 +10172,7 @@
           <a:p>
             <a:fld id="{643CDE2C-0634-4F8E-9904-D7DACE9124E6}" type="datetime1">
               <a:rPr lang="en-US" smtClean="0"/>
-              <a:t>9/28/2017</a:t>
+              <a:t>10/20/2017</a:t>
             </a:fld>
             <a:endParaRPr lang="en-US"/>
           </a:p>
@@ -10638,7 +10380,7 @@
           <a:p>
             <a:fld id="{80E32DBB-9366-42EE-934B-274BA5738CCD}" type="datetime1">
               <a:rPr lang="en-US" smtClean="0"/>
-              <a:t>9/28/2017</a:t>
+              <a:t>10/20/2017</a:t>
             </a:fld>
             <a:endParaRPr lang="en-US"/>
           </a:p>
@@ -11430,7 +11172,7 @@
           <a:p>
             <a:fld id="{2008C81C-2EFF-4786-8103-FEE43FF5A527}" type="datetime1">
               <a:rPr lang="en-US" smtClean="0"/>
-              <a:t>9/28/2017</a:t>
+              <a:t>10/20/2017</a:t>
             </a:fld>
             <a:endParaRPr lang="en-US"/>
           </a:p>
@@ -12433,7 +12175,7 @@
           <a:p>
             <a:fld id="{ACDFD8D3-F7B5-4753-93BF-BF6B2D4F5F22}" type="datetime1">
               <a:rPr lang="en-US" smtClean="0"/>
-              <a:t>9/28/2017</a:t>
+              <a:t>10/20/2017</a:t>
             </a:fld>
             <a:endParaRPr lang="en-US"/>
           </a:p>
@@ -15984,7 +15726,7 @@
           <a:p>
             <a:fld id="{F12FCC69-8847-4A9A-8C8E-3AFF331651EA}" type="datetime1">
               <a:rPr lang="en-US" smtClean="0"/>
-              <a:t>9/28/2017</a:t>
+              <a:t>10/20/2017</a:t>
             </a:fld>
             <a:endParaRPr lang="en-US"/>
           </a:p>
@@ -17009,7 +16751,7 @@
           <a:p>
             <a:fld id="{78DFD453-31A7-45CA-ACC9-58BCB4E60E2D}" type="datetime1">
               <a:rPr lang="en-US" smtClean="0"/>
-              <a:t>9/28/2017</a:t>
+              <a:t>10/20/2017</a:t>
             </a:fld>
             <a:endParaRPr lang="en-US"/>
           </a:p>
@@ -17448,7 +17190,7 @@
           <a:p>
             <a:fld id="{856307BA-C42D-41D5-8372-045670E33725}" type="datetime1">
               <a:rPr lang="en-US" smtClean="0"/>
-              <a:t>9/28/2017</a:t>
+              <a:t>10/20/2017</a:t>
             </a:fld>
             <a:endParaRPr lang="en-US"/>
           </a:p>
@@ -17992,7 +17734,7 @@
           <a:p>
             <a:fld id="{915866AB-6B2F-4EEB-9106-47C03A9A75B2}" type="datetime1">
               <a:rPr lang="en-US" smtClean="0"/>
-              <a:t>9/28/2017</a:t>
+              <a:t>10/20/2017</a:t>
             </a:fld>
             <a:endParaRPr lang="en-US"/>
           </a:p>
@@ -19170,7 +18912,7 @@
           <a:p>
             <a:fld id="{ABCF9F5A-A444-4356-919B-C9246759D7BF}" type="datetime1">
               <a:rPr lang="en-US" smtClean="0"/>
-              <a:t>9/28/2017</a:t>
+              <a:t>10/20/2017</a:t>
             </a:fld>
             <a:endParaRPr lang="en-US"/>
           </a:p>
@@ -19346,7 +19088,7 @@
           <a:p>
             <a:fld id="{3F240DE8-55F3-428C-A453-49DFEF8F7E3B}" type="datetime1">
               <a:rPr lang="en-US" smtClean="0"/>
-              <a:t>9/28/2017</a:t>
+              <a:t>10/20/2017</a:t>
             </a:fld>
             <a:endParaRPr lang="en-US"/>
           </a:p>
@@ -19520,7 +19262,7 @@
           <a:p>
             <a:fld id="{867579A8-2631-438E-965C-69B48991C152}" type="datetime1">
               <a:rPr lang="en-US" smtClean="0"/>
-              <a:t>9/28/2017</a:t>
+              <a:t>10/20/2017</a:t>
             </a:fld>
             <a:endParaRPr lang="en-US"/>
           </a:p>
@@ -19720,7 +19462,7 @@
           <a:p>
             <a:fld id="{1091DDDA-60DA-4289-A8EE-EE860D17B88C}" type="datetime1">
               <a:rPr lang="en-US" smtClean="0"/>
-              <a:t>9/28/2017</a:t>
+              <a:t>10/20/2017</a:t>
             </a:fld>
             <a:endParaRPr lang="en-US"/>
           </a:p>
@@ -20238,7 +19980,7 @@
           <a:p>
             <a:fld id="{1EF95473-2B45-4860-9CAA-20755B66D03A}" type="datetime1">
               <a:rPr lang="en-US" smtClean="0"/>
-              <a:t>9/28/2017</a:t>
+              <a:t>10/20/2017</a:t>
             </a:fld>
             <a:endParaRPr lang="en-US"/>
           </a:p>
@@ -20679,7 +20421,7 @@
           <a:p>
             <a:fld id="{88C3940C-76CD-4D4F-B271-3634821A24CD}" type="datetime1">
               <a:rPr lang="en-US" smtClean="0"/>
-              <a:t>9/28/2017</a:t>
+              <a:t>10/20/2017</a:t>
             </a:fld>
             <a:endParaRPr lang="en-US"/>
           </a:p>
@@ -21232,7 +20974,7 @@
           <a:p>
             <a:fld id="{8B3EC364-5D9F-4848-B2BF-FFDF7E052F4C}" type="datetime1">
               <a:rPr lang="en-US" smtClean="0"/>
-              <a:t>9/28/2017</a:t>
+              <a:t>10/20/2017</a:t>
             </a:fld>
             <a:endParaRPr lang="en-US"/>
           </a:p>
@@ -21884,7 +21626,7 @@
           <a:p>
             <a:fld id="{477F1F9D-5E05-4A4C-AE16-9B218D65455F}" type="datetime1">
               <a:rPr lang="en-US" smtClean="0"/>
-              <a:t>9/28/2017</a:t>
+              <a:t>10/20/2017</a:t>
             </a:fld>
             <a:endParaRPr lang="en-US"/>
           </a:p>
@@ -22031,7 +21773,7 @@
           <a:p>
             <a:fld id="{0120039D-36E6-49DC-8618-55A957565A24}" type="datetime1">
               <a:rPr lang="en-US" smtClean="0"/>
-              <a:t>9/28/2017</a:t>
+              <a:t>10/20/2017</a:t>
             </a:fld>
             <a:endParaRPr lang="en-US"/>
           </a:p>
@@ -23931,7 +23673,7 @@
           <a:p>
             <a:fld id="{C3CB55F7-9921-4D89-918C-F88C00EA6452}" type="datetime1">
               <a:rPr lang="en-US" smtClean="0"/>
-              <a:t>9/28/2017</a:t>
+              <a:t>10/20/2017</a:t>
             </a:fld>
             <a:endParaRPr lang="en-US"/>
           </a:p>
@@ -24216,8269 +23958,6 @@
 </p:sld>
 </file>
 
-<file path=ppt/slides/slide30.xml><?xml version="1.0" encoding="utf-8"?>
-<p:sld xmlns:a="http://schemas.openxmlformats.org/drawingml/2006/main" xmlns:r="http://schemas.openxmlformats.org/officeDocument/2006/relationships" xmlns:p="http://schemas.openxmlformats.org/presentationml/2006/main">
-  <p:cSld>
-    <p:spTree>
-      <p:nvGrpSpPr>
-        <p:cNvPr id="1" name=""/>
-        <p:cNvGrpSpPr/>
-        <p:nvPr/>
-      </p:nvGrpSpPr>
-      <p:grpSpPr>
-        <a:xfrm>
-          <a:off x="0" y="0"/>
-          <a:ext cx="0" cy="0"/>
-          <a:chOff x="0" y="0"/>
-          <a:chExt cx="0" cy="0"/>
-        </a:xfrm>
-      </p:grpSpPr>
-      <p:sp>
-        <p:nvSpPr>
-          <p:cNvPr id="2" name="Title 1">
-            <a:extLst>
-              <a:ext uri="{FF2B5EF4-FFF2-40B4-BE49-F238E27FC236}">
-                <a16:creationId xmlns:a16="http://schemas.microsoft.com/office/drawing/2014/main" id="{D43227B5-6D9C-41F9-B7A5-EA18F2891BE8}"/>
-              </a:ext>
-            </a:extLst>
-          </p:cNvPr>
-          <p:cNvSpPr>
-            <a:spLocks noGrp="1"/>
-          </p:cNvSpPr>
-          <p:nvPr>
-            <p:ph type="title"/>
-          </p:nvPr>
-        </p:nvSpPr>
-        <p:spPr/>
-        <p:txBody>
-          <a:bodyPr anchor="ctr">
-            <a:normAutofit/>
-          </a:bodyPr>
-          <a:lstStyle/>
-          <a:p>
-            <a:pPr algn="ctr"/>
-            <a:r>
-              <a:rPr lang="en-US" sz="9600" dirty="0"/>
-              <a:t>BACKUP</a:t>
-            </a:r>
-          </a:p>
-        </p:txBody>
-      </p:sp>
-      <p:sp>
-        <p:nvSpPr>
-          <p:cNvPr id="4" name="Text Placeholder 3">
-            <a:extLst>
-              <a:ext uri="{FF2B5EF4-FFF2-40B4-BE49-F238E27FC236}">
-                <a16:creationId xmlns:a16="http://schemas.microsoft.com/office/drawing/2014/main" id="{4B2BCA16-09CD-4392-8431-DBDE4217D95D}"/>
-              </a:ext>
-            </a:extLst>
-          </p:cNvPr>
-          <p:cNvSpPr>
-            <a:spLocks noGrp="1"/>
-          </p:cNvSpPr>
-          <p:nvPr>
-            <p:ph type="body" idx="1"/>
-          </p:nvPr>
-        </p:nvSpPr>
-        <p:spPr/>
-        <p:txBody>
-          <a:bodyPr/>
-          <a:lstStyle/>
-          <a:p>
-            <a:endParaRPr lang="en-US"/>
-          </a:p>
-        </p:txBody>
-      </p:sp>
-      <p:sp>
-        <p:nvSpPr>
-          <p:cNvPr id="3" name="Date Placeholder 2">
-            <a:extLst>
-              <a:ext uri="{FF2B5EF4-FFF2-40B4-BE49-F238E27FC236}">
-                <a16:creationId xmlns:a16="http://schemas.microsoft.com/office/drawing/2014/main" id="{03F344AF-B7FC-496A-A69B-976C025C18FD}"/>
-              </a:ext>
-            </a:extLst>
-          </p:cNvPr>
-          <p:cNvSpPr>
-            <a:spLocks noGrp="1"/>
-          </p:cNvSpPr>
-          <p:nvPr>
-            <p:ph type="dt" sz="half" idx="10"/>
-          </p:nvPr>
-        </p:nvSpPr>
-        <p:spPr/>
-        <p:txBody>
-          <a:bodyPr/>
-          <a:lstStyle/>
-          <a:p>
-            <a:fld id="{C99C3E42-5A40-44B5-BABD-4362232ADCCE}" type="datetime1">
-              <a:rPr lang="en-US" smtClean="0"/>
-              <a:t>9/28/2017</a:t>
-            </a:fld>
-            <a:endParaRPr lang="en-US"/>
-          </a:p>
-        </p:txBody>
-      </p:sp>
-      <p:sp>
-        <p:nvSpPr>
-          <p:cNvPr id="5" name="Footer Placeholder 4">
-            <a:extLst>
-              <a:ext uri="{FF2B5EF4-FFF2-40B4-BE49-F238E27FC236}">
-                <a16:creationId xmlns:a16="http://schemas.microsoft.com/office/drawing/2014/main" id="{FDC24159-BCE0-4214-AD5E-CF938EF232D5}"/>
-              </a:ext>
-            </a:extLst>
-          </p:cNvPr>
-          <p:cNvSpPr>
-            <a:spLocks noGrp="1"/>
-          </p:cNvSpPr>
-          <p:nvPr>
-            <p:ph type="ftr" sz="quarter" idx="11"/>
-          </p:nvPr>
-        </p:nvSpPr>
-        <p:spPr/>
-        <p:txBody>
-          <a:bodyPr/>
-          <a:lstStyle/>
-          <a:p>
-            <a:r>
-              <a:rPr lang="en-US"/>
-              <a:t>CppCon 2017 • Naked Coroutines Live with Networking</a:t>
-            </a:r>
-          </a:p>
-        </p:txBody>
-      </p:sp>
-      <p:sp>
-        <p:nvSpPr>
-          <p:cNvPr id="6" name="Slide Number Placeholder 5">
-            <a:extLst>
-              <a:ext uri="{FF2B5EF4-FFF2-40B4-BE49-F238E27FC236}">
-                <a16:creationId xmlns:a16="http://schemas.microsoft.com/office/drawing/2014/main" id="{3E1F5ED5-7C87-4452-BA17-77447ACED052}"/>
-              </a:ext>
-            </a:extLst>
-          </p:cNvPr>
-          <p:cNvSpPr>
-            <a:spLocks noGrp="1"/>
-          </p:cNvSpPr>
-          <p:nvPr>
-            <p:ph type="sldNum" sz="quarter" idx="12"/>
-          </p:nvPr>
-        </p:nvSpPr>
-        <p:spPr/>
-        <p:txBody>
-          <a:bodyPr>
-            <a:normAutofit/>
-          </a:bodyPr>
-          <a:lstStyle/>
-          <a:p>
-            <a:fld id="{45F851AC-A5FA-498F-BA1A-FB50941B218C}" type="slidenum">
-              <a:rPr lang="en-US" smtClean="0"/>
-              <a:t>30</a:t>
-            </a:fld>
-            <a:endParaRPr lang="en-US"/>
-          </a:p>
-        </p:txBody>
-      </p:sp>
-    </p:spTree>
-    <p:extLst>
-      <p:ext uri="{BB962C8B-B14F-4D97-AF65-F5344CB8AC3E}">
-        <p14:creationId xmlns:p14="http://schemas.microsoft.com/office/powerpoint/2010/main" val="2779143098"/>
-      </p:ext>
-    </p:extLst>
-  </p:cSld>
-  <p:clrMapOvr>
-    <a:masterClrMapping/>
-  </p:clrMapOvr>
-</p:sld>
-</file>
-
-<file path=ppt/slides/slide31.xml><?xml version="1.0" encoding="utf-8"?>
-<p:sld xmlns:a="http://schemas.openxmlformats.org/drawingml/2006/main" xmlns:r="http://schemas.openxmlformats.org/officeDocument/2006/relationships" xmlns:p="http://schemas.openxmlformats.org/presentationml/2006/main">
-  <p:cSld>
-    <p:spTree>
-      <p:nvGrpSpPr>
-        <p:cNvPr id="1" name=""/>
-        <p:cNvGrpSpPr/>
-        <p:nvPr/>
-      </p:nvGrpSpPr>
-      <p:grpSpPr>
-        <a:xfrm>
-          <a:off x="0" y="0"/>
-          <a:ext cx="0" cy="0"/>
-          <a:chOff x="0" y="0"/>
-          <a:chExt cx="0" cy="0"/>
-        </a:xfrm>
-      </p:grpSpPr>
-      <p:grpSp>
-        <p:nvGrpSpPr>
-          <p:cNvPr id="2" name="Group 1"/>
-          <p:cNvGrpSpPr/>
-          <p:nvPr/>
-        </p:nvGrpSpPr>
-        <p:grpSpPr>
-          <a:xfrm>
-            <a:off x="1805676" y="1068511"/>
-            <a:ext cx="7694217" cy="2506866"/>
-            <a:chOff x="281675" y="1068511"/>
-            <a:chExt cx="7694217" cy="2506866"/>
-          </a:xfrm>
-        </p:grpSpPr>
-        <p:sp>
-          <p:nvSpPr>
-            <p:cNvPr id="4" name="Rectangle 3"/>
-            <p:cNvSpPr/>
-            <p:nvPr/>
-          </p:nvSpPr>
-          <p:spPr>
-            <a:xfrm>
-              <a:off x="986356" y="1113164"/>
-              <a:ext cx="6989536" cy="2462213"/>
-            </a:xfrm>
-            <a:prstGeom prst="rect">
-              <a:avLst/>
-            </a:prstGeom>
-            <a:effectLst>
-              <a:glow rad="63500">
-                <a:schemeClr val="accent1">
-                  <a:satMod val="175000"/>
-                  <a:alpha val="40000"/>
-                </a:schemeClr>
-              </a:glow>
-              <a:outerShdw blurRad="50800" dist="38100" dir="2700000" algn="tl" rotWithShape="0">
-                <a:prstClr val="black">
-                  <a:alpha val="40000"/>
-                </a:prstClr>
-              </a:outerShdw>
-            </a:effectLst>
-          </p:spPr>
-          <p:style>
-            <a:lnRef idx="2">
-              <a:schemeClr val="accent1"/>
-            </a:lnRef>
-            <a:fillRef idx="1">
-              <a:schemeClr val="lt1"/>
-            </a:fillRef>
-            <a:effectRef idx="0">
-              <a:schemeClr val="accent1"/>
-            </a:effectRef>
-            <a:fontRef idx="minor">
-              <a:schemeClr val="dk1"/>
-            </a:fontRef>
-          </p:style>
-          <p:txBody>
-            <a:bodyPr wrap="square">
-              <a:spAutoFit/>
-            </a:bodyPr>
-            <a:lstStyle/>
-            <a:p>
-              <a:r>
-                <a:rPr lang="en-US" sz="1400" dirty="0">
-                  <a:solidFill>
-                    <a:srgbClr val="000000"/>
-                  </a:solidFill>
-                  <a:highlight>
-                    <a:srgbClr val="FFFFFF"/>
-                  </a:highlight>
-                  <a:latin typeface="Consolas" panose="020B0609020204030204" pitchFamily="49" charset="0"/>
-                </a:rPr>
-                <a:t>future&lt;</a:t>
-              </a:r>
-              <a:r>
-                <a:rPr lang="en-US" sz="1400" dirty="0">
-                  <a:solidFill>
-                    <a:srgbClr val="0000FF"/>
-                  </a:solidFill>
-                  <a:highlight>
-                    <a:srgbClr val="FFFFFF"/>
-                  </a:highlight>
-                  <a:latin typeface="Consolas" panose="020B0609020204030204" pitchFamily="49" charset="0"/>
-                </a:rPr>
-                <a:t>int</a:t>
-              </a:r>
-              <a:r>
-                <a:rPr lang="en-US" sz="1400" dirty="0">
-                  <a:solidFill>
-                    <a:srgbClr val="000000"/>
-                  </a:solidFill>
-                  <a:highlight>
-                    <a:srgbClr val="FFFFFF"/>
-                  </a:highlight>
-                  <a:latin typeface="Consolas" panose="020B0609020204030204" pitchFamily="49" charset="0"/>
-                </a:rPr>
-                <a:t>&gt; tcp_reader(</a:t>
-              </a:r>
-              <a:r>
-                <a:rPr lang="en-US" sz="1400" dirty="0">
-                  <a:solidFill>
-                    <a:srgbClr val="0000FF"/>
-                  </a:solidFill>
-                  <a:highlight>
-                    <a:srgbClr val="FFFFFF"/>
-                  </a:highlight>
-                  <a:latin typeface="Consolas" panose="020B0609020204030204" pitchFamily="49" charset="0"/>
-                </a:rPr>
-                <a:t>int</a:t>
-              </a:r>
-              <a:r>
-                <a:rPr lang="en-US" sz="1400" dirty="0">
-                  <a:solidFill>
-                    <a:srgbClr val="000000"/>
-                  </a:solidFill>
-                  <a:highlight>
-                    <a:srgbClr val="FFFFFF"/>
-                  </a:highlight>
-                  <a:latin typeface="Consolas" panose="020B0609020204030204" pitchFamily="49" charset="0"/>
-                </a:rPr>
-                <a:t> total)</a:t>
-              </a:r>
-            </a:p>
-            <a:p>
-              <a:r>
-                <a:rPr lang="en-US" sz="1400" dirty="0">
-                  <a:solidFill>
-                    <a:srgbClr val="000000"/>
-                  </a:solidFill>
-                  <a:highlight>
-                    <a:srgbClr val="FFFFFF"/>
-                  </a:highlight>
-                  <a:latin typeface="Consolas" panose="020B0609020204030204" pitchFamily="49" charset="0"/>
-                </a:rPr>
-                <a:t>{</a:t>
-              </a:r>
-            </a:p>
-            <a:p>
-              <a:r>
-                <a:rPr lang="en-US" sz="1400" dirty="0">
-                  <a:solidFill>
-                    <a:srgbClr val="000000"/>
-                  </a:solidFill>
-                  <a:highlight>
-                    <a:srgbClr val="FFFFFF"/>
-                  </a:highlight>
-                  <a:latin typeface="Consolas" panose="020B0609020204030204" pitchFamily="49" charset="0"/>
-                </a:rPr>
-                <a:t>    </a:t>
-              </a:r>
-              <a:r>
-                <a:rPr lang="en-US" sz="1400" dirty="0">
-                  <a:solidFill>
-                    <a:srgbClr val="0000FF"/>
-                  </a:solidFill>
-                  <a:highlight>
-                    <a:srgbClr val="FFFFFF"/>
-                  </a:highlight>
-                  <a:latin typeface="Consolas" panose="020B0609020204030204" pitchFamily="49" charset="0"/>
-                </a:rPr>
-                <a:t>char</a:t>
-              </a:r>
-              <a:r>
-                <a:rPr lang="en-US" sz="1400" dirty="0">
-                  <a:solidFill>
-                    <a:srgbClr val="000000"/>
-                  </a:solidFill>
-                  <a:highlight>
-                    <a:srgbClr val="FFFFFF"/>
-                  </a:highlight>
-                  <a:latin typeface="Consolas" panose="020B0609020204030204" pitchFamily="49" charset="0"/>
-                </a:rPr>
-                <a:t> </a:t>
-              </a:r>
-              <a:r>
-                <a:rPr lang="en-US" sz="1400" dirty="0" err="1">
-                  <a:solidFill>
-                    <a:srgbClr val="000000"/>
-                  </a:solidFill>
-                  <a:highlight>
-                    <a:srgbClr val="FFFFFF"/>
-                  </a:highlight>
-                  <a:latin typeface="Consolas" panose="020B0609020204030204" pitchFamily="49" charset="0"/>
-                </a:rPr>
-                <a:t>buf</a:t>
-              </a:r>
-              <a:r>
-                <a:rPr lang="en-US" sz="1400" dirty="0">
-                  <a:solidFill>
-                    <a:srgbClr val="000000"/>
-                  </a:solidFill>
-                  <a:highlight>
-                    <a:srgbClr val="FFFFFF"/>
-                  </a:highlight>
-                  <a:latin typeface="Consolas" panose="020B0609020204030204" pitchFamily="49" charset="0"/>
-                </a:rPr>
-                <a:t>[64 * 1024];</a:t>
-              </a:r>
-            </a:p>
-            <a:p>
-              <a:r>
-                <a:rPr lang="en-US" sz="1400" dirty="0">
-                  <a:solidFill>
-                    <a:srgbClr val="000000"/>
-                  </a:solidFill>
-                  <a:highlight>
-                    <a:srgbClr val="FFFFFF"/>
-                  </a:highlight>
-                  <a:latin typeface="Consolas" panose="020B0609020204030204" pitchFamily="49" charset="0"/>
-                </a:rPr>
-                <a:t>    </a:t>
-              </a:r>
-              <a:r>
-                <a:rPr lang="en-US" sz="1400" dirty="0">
-                  <a:solidFill>
-                    <a:srgbClr val="0000FF"/>
-                  </a:solidFill>
-                  <a:highlight>
-                    <a:srgbClr val="FFFFFF"/>
-                  </a:highlight>
-                  <a:latin typeface="Consolas" panose="020B0609020204030204" pitchFamily="49" charset="0"/>
-                </a:rPr>
-                <a:t>auto</a:t>
-              </a:r>
-              <a:r>
-                <a:rPr lang="en-US" sz="1400" dirty="0">
-                  <a:solidFill>
-                    <a:srgbClr val="000000"/>
-                  </a:solidFill>
-                  <a:highlight>
-                    <a:srgbClr val="FFFFFF"/>
-                  </a:highlight>
-                  <a:latin typeface="Consolas" panose="020B0609020204030204" pitchFamily="49" charset="0"/>
-                </a:rPr>
-                <a:t> conn = </a:t>
-              </a:r>
-              <a:r>
-                <a:rPr lang="en-US" sz="1400" dirty="0" err="1">
-                  <a:solidFill>
-                    <a:srgbClr val="0000FF"/>
-                  </a:solidFill>
-                  <a:highlight>
-                    <a:srgbClr val="FFFFFF"/>
-                  </a:highlight>
-                  <a:latin typeface="Consolas" panose="020B0609020204030204" pitchFamily="49" charset="0"/>
-                </a:rPr>
-                <a:t>co_await</a:t>
-              </a:r>
-              <a:r>
-                <a:rPr lang="en-US" sz="1400" dirty="0">
-                  <a:solidFill>
-                    <a:srgbClr val="000000"/>
-                  </a:solidFill>
-                  <a:highlight>
-                    <a:srgbClr val="FFFFFF"/>
-                  </a:highlight>
-                  <a:latin typeface="Consolas" panose="020B0609020204030204" pitchFamily="49" charset="0"/>
-                </a:rPr>
-                <a:t> Tcp::Connect(</a:t>
-              </a:r>
-              <a:r>
-                <a:rPr lang="en-US" sz="1400" dirty="0">
-                  <a:solidFill>
-                    <a:srgbClr val="A31515"/>
-                  </a:solidFill>
-                  <a:highlight>
-                    <a:srgbClr val="FFFFFF"/>
-                  </a:highlight>
-                  <a:latin typeface="Consolas" panose="020B0609020204030204" pitchFamily="49" charset="0"/>
-                </a:rPr>
-                <a:t>"127.0.0.1"</a:t>
-              </a:r>
-              <a:r>
-                <a:rPr lang="en-US" sz="1400" dirty="0">
-                  <a:solidFill>
-                    <a:srgbClr val="000000"/>
-                  </a:solidFill>
-                  <a:highlight>
-                    <a:srgbClr val="FFFFFF"/>
-                  </a:highlight>
-                  <a:latin typeface="Consolas" panose="020B0609020204030204" pitchFamily="49" charset="0"/>
-                </a:rPr>
-                <a:t>, 1337);</a:t>
-              </a:r>
-            </a:p>
-            <a:p>
-              <a:r>
-                <a:rPr lang="en-US" sz="1400" dirty="0">
-                  <a:solidFill>
-                    <a:srgbClr val="0000FF"/>
-                  </a:solidFill>
-                  <a:highlight>
-                    <a:srgbClr val="FFFFFF"/>
-                  </a:highlight>
-                  <a:latin typeface="Consolas" panose="020B0609020204030204" pitchFamily="49" charset="0"/>
-                </a:rPr>
-                <a:t>    for</a:t>
-              </a:r>
-              <a:r>
-                <a:rPr lang="en-US" sz="1400" dirty="0">
-                  <a:solidFill>
-                    <a:srgbClr val="000000"/>
-                  </a:solidFill>
-                  <a:highlight>
-                    <a:srgbClr val="FFFFFF"/>
-                  </a:highlight>
-                  <a:latin typeface="Consolas" panose="020B0609020204030204" pitchFamily="49" charset="0"/>
-                </a:rPr>
-                <a:t> (;;)</a:t>
-              </a:r>
-            </a:p>
-            <a:p>
-              <a:r>
-                <a:rPr lang="en-US" sz="1400" dirty="0">
-                  <a:solidFill>
-                    <a:srgbClr val="000000"/>
-                  </a:solidFill>
-                  <a:highlight>
-                    <a:srgbClr val="FFFFFF"/>
-                  </a:highlight>
-                  <a:latin typeface="Consolas" panose="020B0609020204030204" pitchFamily="49" charset="0"/>
-                </a:rPr>
-                <a:t>    {</a:t>
-              </a:r>
-            </a:p>
-            <a:p>
-              <a:r>
-                <a:rPr lang="en-US" sz="1400" dirty="0">
-                  <a:solidFill>
-                    <a:srgbClr val="000000"/>
-                  </a:solidFill>
-                  <a:highlight>
-                    <a:srgbClr val="FFFFFF"/>
-                  </a:highlight>
-                  <a:latin typeface="Consolas" panose="020B0609020204030204" pitchFamily="49" charset="0"/>
-                </a:rPr>
-                <a:t>        </a:t>
-              </a:r>
-              <a:r>
-                <a:rPr lang="en-US" sz="1400" dirty="0">
-                  <a:solidFill>
-                    <a:srgbClr val="0000FF"/>
-                  </a:solidFill>
-                  <a:highlight>
-                    <a:srgbClr val="FFFFFF"/>
-                  </a:highlight>
-                  <a:latin typeface="Consolas" panose="020B0609020204030204" pitchFamily="49" charset="0"/>
-                </a:rPr>
-                <a:t>auto</a:t>
-              </a:r>
-              <a:r>
-                <a:rPr lang="en-US" sz="1400" dirty="0">
-                  <a:solidFill>
-                    <a:srgbClr val="000000"/>
-                  </a:solidFill>
-                  <a:highlight>
-                    <a:srgbClr val="FFFFFF"/>
-                  </a:highlight>
-                  <a:latin typeface="Consolas" panose="020B0609020204030204" pitchFamily="49" charset="0"/>
-                </a:rPr>
-                <a:t> bytesRead = </a:t>
-              </a:r>
-              <a:r>
-                <a:rPr lang="en-US" sz="1400" dirty="0" err="1">
-                  <a:solidFill>
-                    <a:srgbClr val="0000FF"/>
-                  </a:solidFill>
-                  <a:highlight>
-                    <a:srgbClr val="FFFFFF"/>
-                  </a:highlight>
-                  <a:latin typeface="Consolas" panose="020B0609020204030204" pitchFamily="49" charset="0"/>
-                </a:rPr>
-                <a:t>co_await</a:t>
-              </a:r>
-              <a:r>
-                <a:rPr lang="en-US" sz="1400" dirty="0">
-                  <a:solidFill>
-                    <a:srgbClr val="000000"/>
-                  </a:solidFill>
-                  <a:highlight>
-                    <a:srgbClr val="FFFFFF"/>
-                  </a:highlight>
-                  <a:latin typeface="Consolas" panose="020B0609020204030204" pitchFamily="49" charset="0"/>
-                </a:rPr>
-                <a:t> conn.read(buf, </a:t>
-              </a:r>
-              <a:r>
-                <a:rPr lang="en-US" sz="1400" dirty="0">
-                  <a:solidFill>
-                    <a:srgbClr val="0000FF"/>
-                  </a:solidFill>
-                  <a:highlight>
-                    <a:srgbClr val="FFFFFF"/>
-                  </a:highlight>
-                  <a:latin typeface="Consolas" panose="020B0609020204030204" pitchFamily="49" charset="0"/>
-                </a:rPr>
-                <a:t>sizeof</a:t>
-              </a:r>
-              <a:r>
-                <a:rPr lang="en-US" sz="1400" dirty="0">
-                  <a:solidFill>
-                    <a:srgbClr val="000000"/>
-                  </a:solidFill>
-                  <a:highlight>
-                    <a:srgbClr val="FFFFFF"/>
-                  </a:highlight>
-                  <a:latin typeface="Consolas" panose="020B0609020204030204" pitchFamily="49" charset="0"/>
-                </a:rPr>
-                <a:t>(buf));</a:t>
-              </a:r>
-            </a:p>
-            <a:p>
-              <a:r>
-                <a:rPr lang="en-US" sz="1400" dirty="0">
-                  <a:solidFill>
-                    <a:srgbClr val="000000"/>
-                  </a:solidFill>
-                  <a:highlight>
-                    <a:srgbClr val="FFFFFF"/>
-                  </a:highlight>
-                  <a:latin typeface="Consolas" panose="020B0609020204030204" pitchFamily="49" charset="0"/>
-                </a:rPr>
-                <a:t>        total -= bytesRead;</a:t>
-              </a:r>
-            </a:p>
-            <a:p>
-              <a:r>
-                <a:rPr lang="en-US" sz="1400" dirty="0">
-                  <a:solidFill>
-                    <a:srgbClr val="000000"/>
-                  </a:solidFill>
-                  <a:highlight>
-                    <a:srgbClr val="FFFFFF"/>
-                  </a:highlight>
-                  <a:latin typeface="Consolas" panose="020B0609020204030204" pitchFamily="49" charset="0"/>
-                </a:rPr>
-                <a:t>        </a:t>
-              </a:r>
-              <a:r>
-                <a:rPr lang="en-US" sz="1400" dirty="0">
-                  <a:solidFill>
-                    <a:srgbClr val="0000FF"/>
-                  </a:solidFill>
-                  <a:highlight>
-                    <a:srgbClr val="FFFFFF"/>
-                  </a:highlight>
-                  <a:latin typeface="Consolas" panose="020B0609020204030204" pitchFamily="49" charset="0"/>
-                </a:rPr>
-                <a:t>if</a:t>
-              </a:r>
-              <a:r>
-                <a:rPr lang="en-US" sz="1400" dirty="0">
-                  <a:solidFill>
-                    <a:srgbClr val="000000"/>
-                  </a:solidFill>
-                  <a:highlight>
-                    <a:srgbClr val="FFFFFF"/>
-                  </a:highlight>
-                  <a:latin typeface="Consolas" panose="020B0609020204030204" pitchFamily="49" charset="0"/>
-                </a:rPr>
-                <a:t> (total &lt;= 0 || bytesRead == 0) </a:t>
-              </a:r>
-              <a:r>
-                <a:rPr lang="en-US" sz="1400" dirty="0" err="1">
-                  <a:solidFill>
-                    <a:srgbClr val="0000FF"/>
-                  </a:solidFill>
-                  <a:highlight>
-                    <a:srgbClr val="FFFFFF"/>
-                  </a:highlight>
-                  <a:latin typeface="Consolas" panose="020B0609020204030204" pitchFamily="49" charset="0"/>
-                </a:rPr>
-                <a:t>co_return</a:t>
-              </a:r>
-              <a:r>
-                <a:rPr lang="en-US" sz="1400" dirty="0">
-                  <a:solidFill>
-                    <a:srgbClr val="000000"/>
-                  </a:solidFill>
-                  <a:highlight>
-                    <a:srgbClr val="FFFFFF"/>
-                  </a:highlight>
-                  <a:latin typeface="Consolas" panose="020B0609020204030204" pitchFamily="49" charset="0"/>
-                </a:rPr>
-                <a:t> total;</a:t>
-              </a:r>
-            </a:p>
-            <a:p>
-              <a:r>
-                <a:rPr lang="en-US" sz="1400" dirty="0">
-                  <a:solidFill>
-                    <a:srgbClr val="000000"/>
-                  </a:solidFill>
-                  <a:highlight>
-                    <a:srgbClr val="FFFFFF"/>
-                  </a:highlight>
-                  <a:latin typeface="Consolas" panose="020B0609020204030204" pitchFamily="49" charset="0"/>
-                </a:rPr>
-                <a:t>    }</a:t>
-              </a:r>
-            </a:p>
-            <a:p>
-              <a:r>
-                <a:rPr lang="en-US" sz="1400" dirty="0">
-                  <a:solidFill>
-                    <a:srgbClr val="000000"/>
-                  </a:solidFill>
-                  <a:highlight>
-                    <a:srgbClr val="FFFFFF"/>
-                  </a:highlight>
-                  <a:latin typeface="Consolas" panose="020B0609020204030204" pitchFamily="49" charset="0"/>
-                </a:rPr>
-                <a:t>}</a:t>
-              </a:r>
-            </a:p>
-          </p:txBody>
-        </p:sp>
-        <p:sp>
-          <p:nvSpPr>
-            <p:cNvPr id="27" name="Rectangle 26"/>
-            <p:cNvSpPr/>
-            <p:nvPr/>
-          </p:nvSpPr>
-          <p:spPr>
-            <a:xfrm>
-              <a:off x="281675" y="1068511"/>
-              <a:ext cx="704680" cy="369332"/>
-            </a:xfrm>
-            <a:prstGeom prst="rect">
-              <a:avLst/>
-            </a:prstGeom>
-          </p:spPr>
-          <p:txBody>
-            <a:bodyPr wrap="none">
-              <a:spAutoFit/>
-            </a:bodyPr>
-            <a:lstStyle/>
-            <a:p>
-              <a:r>
-                <a:rPr lang="it-IT" dirty="0">
-                  <a:solidFill>
-                    <a:schemeClr val="tx2"/>
-                  </a:solidFill>
-                  <a:effectLst>
-                    <a:outerShdw blurRad="38100" dist="38100" dir="2700000" algn="tl">
-                      <a:srgbClr val="000000">
-                        <a:alpha val="43137"/>
-                      </a:srgbClr>
-                    </a:outerShdw>
-                  </a:effectLst>
-                </a:rPr>
-                <a:t>async</a:t>
-              </a:r>
-              <a:endParaRPr lang="en-US" dirty="0"/>
-            </a:p>
-          </p:txBody>
-        </p:sp>
-      </p:grpSp>
-      <p:sp>
-        <p:nvSpPr>
-          <p:cNvPr id="6" name="Subtitle 3"/>
-          <p:cNvSpPr txBox="1">
-            <a:spLocks/>
-          </p:cNvSpPr>
-          <p:nvPr/>
-        </p:nvSpPr>
-        <p:spPr>
-          <a:xfrm>
-            <a:off x="1783080" y="176197"/>
-            <a:ext cx="8722590" cy="392668"/>
-          </a:xfrm>
-          <a:prstGeom prst="rect">
-            <a:avLst/>
-          </a:prstGeom>
-        </p:spPr>
-        <p:txBody>
-          <a:bodyPr vert="horz" lIns="91440" tIns="45720" rIns="91440" bIns="45720" rtlCol="0">
-            <a:noAutofit/>
-          </a:bodyPr>
-          <a:lstStyle>
-            <a:lvl1pPr marL="0" indent="0" algn="l" defTabSz="685983" rtl="0" eaLnBrk="1" latinLnBrk="0" hangingPunct="1">
-              <a:lnSpc>
-                <a:spcPct val="90000"/>
-              </a:lnSpc>
-              <a:spcBef>
-                <a:spcPts val="0"/>
-              </a:spcBef>
-              <a:buClr>
-                <a:schemeClr val="accent1"/>
-              </a:buClr>
-              <a:buSzPct val="100000"/>
-              <a:buFont typeface="Arial" pitchFamily="34" charset="0"/>
-              <a:buNone/>
-              <a:defRPr sz="1500" kern="1200" cap="all" spc="150" baseline="0">
-                <a:solidFill>
-                  <a:schemeClr val="accent1"/>
-                </a:solidFill>
-                <a:latin typeface="+mn-lt"/>
-                <a:ea typeface="+mn-ea"/>
-                <a:cs typeface="+mn-cs"/>
-              </a:defRPr>
-            </a:lvl1pPr>
-            <a:lvl2pPr marL="342991" indent="0" algn="ctr" defTabSz="685983" rtl="0" eaLnBrk="1" latinLnBrk="0" hangingPunct="1">
-              <a:lnSpc>
-                <a:spcPct val="90000"/>
-              </a:lnSpc>
-              <a:spcBef>
-                <a:spcPts val="900"/>
-              </a:spcBef>
-              <a:buClr>
-                <a:schemeClr val="accent1"/>
-              </a:buClr>
-              <a:buSzPct val="100000"/>
-              <a:buFont typeface="Arial" pitchFamily="34" charset="0"/>
-              <a:buNone/>
-              <a:defRPr sz="1500" kern="1200">
-                <a:solidFill>
-                  <a:schemeClr val="tx1">
-                    <a:tint val="75000"/>
-                  </a:schemeClr>
-                </a:solidFill>
-                <a:latin typeface="+mn-lt"/>
-                <a:ea typeface="+mn-ea"/>
-                <a:cs typeface="+mn-cs"/>
-              </a:defRPr>
-            </a:lvl2pPr>
-            <a:lvl3pPr marL="685983" indent="0" algn="ctr" defTabSz="685983" rtl="0" eaLnBrk="1" latinLnBrk="0" hangingPunct="1">
-              <a:lnSpc>
-                <a:spcPct val="90000"/>
-              </a:lnSpc>
-              <a:spcBef>
-                <a:spcPts val="450"/>
-              </a:spcBef>
-              <a:buClr>
-                <a:schemeClr val="accent1"/>
-              </a:buClr>
-              <a:buSzPct val="100000"/>
-              <a:buFont typeface="Arial" pitchFamily="34" charset="0"/>
-              <a:buNone/>
-              <a:defRPr sz="1350" kern="1200">
-                <a:solidFill>
-                  <a:schemeClr val="tx1">
-                    <a:tint val="75000"/>
-                  </a:schemeClr>
-                </a:solidFill>
-                <a:latin typeface="+mn-lt"/>
-                <a:ea typeface="+mn-ea"/>
-                <a:cs typeface="+mn-cs"/>
-              </a:defRPr>
-            </a:lvl3pPr>
-            <a:lvl4pPr marL="1028974" indent="0" algn="ctr" defTabSz="685983" rtl="0" eaLnBrk="1" latinLnBrk="0" hangingPunct="1">
-              <a:lnSpc>
-                <a:spcPct val="90000"/>
-              </a:lnSpc>
-              <a:spcBef>
-                <a:spcPts val="450"/>
-              </a:spcBef>
-              <a:buClr>
-                <a:schemeClr val="accent1"/>
-              </a:buClr>
-              <a:buSzPct val="100000"/>
-              <a:buFont typeface="Arial" pitchFamily="34" charset="0"/>
-              <a:buNone/>
-              <a:defRPr sz="1200" kern="1200">
-                <a:solidFill>
-                  <a:schemeClr val="tx1">
-                    <a:tint val="75000"/>
-                  </a:schemeClr>
-                </a:solidFill>
-                <a:latin typeface="+mn-lt"/>
-                <a:ea typeface="+mn-ea"/>
-                <a:cs typeface="+mn-cs"/>
-              </a:defRPr>
-            </a:lvl4pPr>
-            <a:lvl5pPr marL="1371966" indent="0" algn="ctr" defTabSz="685983" rtl="0" eaLnBrk="1" latinLnBrk="0" hangingPunct="1">
-              <a:lnSpc>
-                <a:spcPct val="90000"/>
-              </a:lnSpc>
-              <a:spcBef>
-                <a:spcPts val="450"/>
-              </a:spcBef>
-              <a:buClr>
-                <a:schemeClr val="accent1"/>
-              </a:buClr>
-              <a:buSzPct val="100000"/>
-              <a:buFont typeface="Arial" pitchFamily="34" charset="0"/>
-              <a:buNone/>
-              <a:defRPr sz="1200" kern="1200">
-                <a:solidFill>
-                  <a:schemeClr val="tx1">
-                    <a:tint val="75000"/>
-                  </a:schemeClr>
-                </a:solidFill>
-                <a:latin typeface="+mn-lt"/>
-                <a:ea typeface="+mn-ea"/>
-                <a:cs typeface="+mn-cs"/>
-              </a:defRPr>
-            </a:lvl5pPr>
-            <a:lvl6pPr marL="1714957" indent="0" algn="ctr" defTabSz="685983" rtl="0" eaLnBrk="1" latinLnBrk="0" hangingPunct="1">
-              <a:spcBef>
-                <a:spcPts val="450"/>
-              </a:spcBef>
-              <a:buClr>
-                <a:schemeClr val="accent1"/>
-              </a:buClr>
-              <a:buFont typeface="Arial" pitchFamily="34" charset="0"/>
-              <a:buNone/>
-              <a:defRPr sz="1200" kern="1200">
-                <a:solidFill>
-                  <a:schemeClr val="tx1">
-                    <a:tint val="75000"/>
-                  </a:schemeClr>
-                </a:solidFill>
-                <a:latin typeface="+mn-lt"/>
-                <a:ea typeface="+mn-ea"/>
-                <a:cs typeface="+mn-cs"/>
-              </a:defRPr>
-            </a:lvl6pPr>
-            <a:lvl7pPr marL="2057949" indent="0" algn="ctr" defTabSz="685983" rtl="0" eaLnBrk="1" latinLnBrk="0" hangingPunct="1">
-              <a:spcBef>
-                <a:spcPts val="450"/>
-              </a:spcBef>
-              <a:buClr>
-                <a:schemeClr val="accent1"/>
-              </a:buClr>
-              <a:buFont typeface="Arial" pitchFamily="34" charset="0"/>
-              <a:buNone/>
-              <a:defRPr sz="1200" kern="1200">
-                <a:solidFill>
-                  <a:schemeClr val="tx1">
-                    <a:tint val="75000"/>
-                  </a:schemeClr>
-                </a:solidFill>
-                <a:latin typeface="+mn-lt"/>
-                <a:ea typeface="+mn-ea"/>
-                <a:cs typeface="+mn-cs"/>
-              </a:defRPr>
-            </a:lvl7pPr>
-            <a:lvl8pPr marL="2400940" indent="0" algn="ctr" defTabSz="685983" rtl="0" eaLnBrk="1" latinLnBrk="0" hangingPunct="1">
-              <a:spcBef>
-                <a:spcPts val="450"/>
-              </a:spcBef>
-              <a:buClr>
-                <a:schemeClr val="accent1"/>
-              </a:buClr>
-              <a:buFont typeface="Arial" pitchFamily="34" charset="0"/>
-              <a:buNone/>
-              <a:defRPr sz="1200" kern="1200">
-                <a:solidFill>
-                  <a:schemeClr val="tx1">
-                    <a:tint val="75000"/>
-                  </a:schemeClr>
-                </a:solidFill>
-                <a:latin typeface="+mn-lt"/>
-                <a:ea typeface="+mn-ea"/>
-                <a:cs typeface="+mn-cs"/>
-              </a:defRPr>
-            </a:lvl8pPr>
-            <a:lvl9pPr marL="2743932" indent="0" algn="ctr" defTabSz="685983" rtl="0" eaLnBrk="1" latinLnBrk="0" hangingPunct="1">
-              <a:spcBef>
-                <a:spcPts val="450"/>
-              </a:spcBef>
-              <a:buClr>
-                <a:schemeClr val="accent1"/>
-              </a:buClr>
-              <a:buFont typeface="Arial" pitchFamily="34" charset="0"/>
-              <a:buNone/>
-              <a:defRPr sz="1200" kern="1200">
-                <a:solidFill>
-                  <a:schemeClr val="tx1">
-                    <a:tint val="75000"/>
-                  </a:schemeClr>
-                </a:solidFill>
-                <a:latin typeface="+mn-lt"/>
-                <a:ea typeface="+mn-ea"/>
-                <a:cs typeface="+mn-cs"/>
-              </a:defRPr>
-            </a:lvl9pPr>
-          </a:lstStyle>
-          <a:p>
-            <a:r>
-              <a:rPr lang="it-IT" sz="3600" dirty="0">
-                <a:solidFill>
-                  <a:schemeClr val="tx2"/>
-                </a:solidFill>
-                <a:effectLst>
-                  <a:outerShdw blurRad="38100" dist="38100" dir="2700000" algn="tl">
-                    <a:srgbClr val="000000">
-                      <a:alpha val="43137"/>
-                    </a:srgbClr>
-                  </a:outerShdw>
-                </a:effectLst>
-                <a:latin typeface="+mj-lt"/>
-              </a:rPr>
-              <a:t>C++ Coroutines</a:t>
-            </a:r>
-          </a:p>
-        </p:txBody>
-      </p:sp>
-      <p:sp>
-        <p:nvSpPr>
-          <p:cNvPr id="15" name="Rectangle 14"/>
-          <p:cNvSpPr/>
-          <p:nvPr/>
-        </p:nvSpPr>
-        <p:spPr>
-          <a:xfrm>
-            <a:off x="3778652" y="9167625"/>
-            <a:ext cx="6248400" cy="253916"/>
-          </a:xfrm>
-          <a:prstGeom prst="rect">
-            <a:avLst/>
-          </a:prstGeom>
-        </p:spPr>
-        <p:txBody>
-          <a:bodyPr wrap="square">
-            <a:spAutoFit/>
-          </a:bodyPr>
-          <a:lstStyle/>
-          <a:p>
-            <a:pPr algn="ctr"/>
-            <a:r>
-              <a:rPr lang="en-US" sz="1050" dirty="0">
-                <a:solidFill>
-                  <a:schemeClr val="bg2">
-                    <a:lumMod val="25000"/>
-                    <a:lumOff val="75000"/>
-                  </a:schemeClr>
-                </a:solidFill>
-                <a:effectLst>
-                  <a:outerShdw blurRad="38100" dist="38100" dir="2700000" algn="tl">
-                    <a:srgbClr val="000000">
-                      <a:alpha val="43137"/>
-                    </a:srgbClr>
-                  </a:outerShdw>
-                </a:effectLst>
-              </a:rPr>
-              <a:t>e-mail: </a:t>
-            </a:r>
-            <a:r>
-              <a:rPr lang="en-US" sz="1050" dirty="0" err="1">
-                <a:solidFill>
-                  <a:schemeClr val="bg2">
-                    <a:lumMod val="25000"/>
-                    <a:lumOff val="75000"/>
-                  </a:schemeClr>
-                </a:solidFill>
-                <a:effectLst>
-                  <a:outerShdw blurRad="38100" dist="38100" dir="2700000" algn="tl">
-                    <a:srgbClr val="000000">
-                      <a:alpha val="43137"/>
-                    </a:srgbClr>
-                  </a:outerShdw>
-                </a:effectLst>
-              </a:rPr>
-              <a:t>gorn</a:t>
-            </a:r>
-            <a:r>
-              <a:rPr lang="en-US" sz="1050" dirty="0">
-                <a:solidFill>
-                  <a:schemeClr val="bg2">
-                    <a:lumMod val="25000"/>
-                    <a:lumOff val="75000"/>
-                  </a:schemeClr>
-                </a:solidFill>
-                <a:effectLst>
-                  <a:outerShdw blurRad="38100" dist="38100" dir="2700000" algn="tl">
-                    <a:srgbClr val="000000">
-                      <a:alpha val="43137"/>
-                    </a:srgbClr>
-                  </a:outerShdw>
-                </a:effectLst>
-              </a:rPr>
-              <a:t> with answers, complaints, corrections, suggestions and new material</a:t>
-            </a:r>
-          </a:p>
-        </p:txBody>
-      </p:sp>
-      <p:sp>
-        <p:nvSpPr>
-          <p:cNvPr id="17" name="Subtitle 3"/>
-          <p:cNvSpPr txBox="1">
-            <a:spLocks/>
-          </p:cNvSpPr>
-          <p:nvPr/>
-        </p:nvSpPr>
-        <p:spPr>
-          <a:xfrm>
-            <a:off x="1812664" y="675843"/>
-            <a:ext cx="7924800" cy="392668"/>
-          </a:xfrm>
-          <a:prstGeom prst="rect">
-            <a:avLst/>
-          </a:prstGeom>
-        </p:spPr>
-        <p:txBody>
-          <a:bodyPr vert="horz" lIns="91440" tIns="45720" rIns="91440" bIns="45720" rtlCol="0">
-            <a:noAutofit/>
-          </a:bodyPr>
-          <a:lstStyle>
-            <a:lvl1pPr marL="0" indent="0" algn="l" defTabSz="685983" rtl="0" eaLnBrk="1" latinLnBrk="0" hangingPunct="1">
-              <a:lnSpc>
-                <a:spcPct val="90000"/>
-              </a:lnSpc>
-              <a:spcBef>
-                <a:spcPts val="0"/>
-              </a:spcBef>
-              <a:buClr>
-                <a:schemeClr val="accent1"/>
-              </a:buClr>
-              <a:buSzPct val="100000"/>
-              <a:buFont typeface="Arial" pitchFamily="34" charset="0"/>
-              <a:buNone/>
-              <a:defRPr sz="1500" kern="1200" cap="all" spc="150" baseline="0">
-                <a:solidFill>
-                  <a:schemeClr val="accent1"/>
-                </a:solidFill>
-                <a:latin typeface="+mn-lt"/>
-                <a:ea typeface="+mn-ea"/>
-                <a:cs typeface="+mn-cs"/>
-              </a:defRPr>
-            </a:lvl1pPr>
-            <a:lvl2pPr marL="342991" indent="0" algn="ctr" defTabSz="685983" rtl="0" eaLnBrk="1" latinLnBrk="0" hangingPunct="1">
-              <a:lnSpc>
-                <a:spcPct val="90000"/>
-              </a:lnSpc>
-              <a:spcBef>
-                <a:spcPts val="900"/>
-              </a:spcBef>
-              <a:buClr>
-                <a:schemeClr val="accent1"/>
-              </a:buClr>
-              <a:buSzPct val="100000"/>
-              <a:buFont typeface="Arial" pitchFamily="34" charset="0"/>
-              <a:buNone/>
-              <a:defRPr sz="1500" kern="1200">
-                <a:solidFill>
-                  <a:schemeClr val="tx1">
-                    <a:tint val="75000"/>
-                  </a:schemeClr>
-                </a:solidFill>
-                <a:latin typeface="+mn-lt"/>
-                <a:ea typeface="+mn-ea"/>
-                <a:cs typeface="+mn-cs"/>
-              </a:defRPr>
-            </a:lvl2pPr>
-            <a:lvl3pPr marL="685983" indent="0" algn="ctr" defTabSz="685983" rtl="0" eaLnBrk="1" latinLnBrk="0" hangingPunct="1">
-              <a:lnSpc>
-                <a:spcPct val="90000"/>
-              </a:lnSpc>
-              <a:spcBef>
-                <a:spcPts val="450"/>
-              </a:spcBef>
-              <a:buClr>
-                <a:schemeClr val="accent1"/>
-              </a:buClr>
-              <a:buSzPct val="100000"/>
-              <a:buFont typeface="Arial" pitchFamily="34" charset="0"/>
-              <a:buNone/>
-              <a:defRPr sz="1350" kern="1200">
-                <a:solidFill>
-                  <a:schemeClr val="tx1">
-                    <a:tint val="75000"/>
-                  </a:schemeClr>
-                </a:solidFill>
-                <a:latin typeface="+mn-lt"/>
-                <a:ea typeface="+mn-ea"/>
-                <a:cs typeface="+mn-cs"/>
-              </a:defRPr>
-            </a:lvl3pPr>
-            <a:lvl4pPr marL="1028974" indent="0" algn="ctr" defTabSz="685983" rtl="0" eaLnBrk="1" latinLnBrk="0" hangingPunct="1">
-              <a:lnSpc>
-                <a:spcPct val="90000"/>
-              </a:lnSpc>
-              <a:spcBef>
-                <a:spcPts val="450"/>
-              </a:spcBef>
-              <a:buClr>
-                <a:schemeClr val="accent1"/>
-              </a:buClr>
-              <a:buSzPct val="100000"/>
-              <a:buFont typeface="Arial" pitchFamily="34" charset="0"/>
-              <a:buNone/>
-              <a:defRPr sz="1200" kern="1200">
-                <a:solidFill>
-                  <a:schemeClr val="tx1">
-                    <a:tint val="75000"/>
-                  </a:schemeClr>
-                </a:solidFill>
-                <a:latin typeface="+mn-lt"/>
-                <a:ea typeface="+mn-ea"/>
-                <a:cs typeface="+mn-cs"/>
-              </a:defRPr>
-            </a:lvl4pPr>
-            <a:lvl5pPr marL="1371966" indent="0" algn="ctr" defTabSz="685983" rtl="0" eaLnBrk="1" latinLnBrk="0" hangingPunct="1">
-              <a:lnSpc>
-                <a:spcPct val="90000"/>
-              </a:lnSpc>
-              <a:spcBef>
-                <a:spcPts val="450"/>
-              </a:spcBef>
-              <a:buClr>
-                <a:schemeClr val="accent1"/>
-              </a:buClr>
-              <a:buSzPct val="100000"/>
-              <a:buFont typeface="Arial" pitchFamily="34" charset="0"/>
-              <a:buNone/>
-              <a:defRPr sz="1200" kern="1200">
-                <a:solidFill>
-                  <a:schemeClr val="tx1">
-                    <a:tint val="75000"/>
-                  </a:schemeClr>
-                </a:solidFill>
-                <a:latin typeface="+mn-lt"/>
-                <a:ea typeface="+mn-ea"/>
-                <a:cs typeface="+mn-cs"/>
-              </a:defRPr>
-            </a:lvl5pPr>
-            <a:lvl6pPr marL="1714957" indent="0" algn="ctr" defTabSz="685983" rtl="0" eaLnBrk="1" latinLnBrk="0" hangingPunct="1">
-              <a:spcBef>
-                <a:spcPts val="450"/>
-              </a:spcBef>
-              <a:buClr>
-                <a:schemeClr val="accent1"/>
-              </a:buClr>
-              <a:buFont typeface="Arial" pitchFamily="34" charset="0"/>
-              <a:buNone/>
-              <a:defRPr sz="1200" kern="1200">
-                <a:solidFill>
-                  <a:schemeClr val="tx1">
-                    <a:tint val="75000"/>
-                  </a:schemeClr>
-                </a:solidFill>
-                <a:latin typeface="+mn-lt"/>
-                <a:ea typeface="+mn-ea"/>
-                <a:cs typeface="+mn-cs"/>
-              </a:defRPr>
-            </a:lvl6pPr>
-            <a:lvl7pPr marL="2057949" indent="0" algn="ctr" defTabSz="685983" rtl="0" eaLnBrk="1" latinLnBrk="0" hangingPunct="1">
-              <a:spcBef>
-                <a:spcPts val="450"/>
-              </a:spcBef>
-              <a:buClr>
-                <a:schemeClr val="accent1"/>
-              </a:buClr>
-              <a:buFont typeface="Arial" pitchFamily="34" charset="0"/>
-              <a:buNone/>
-              <a:defRPr sz="1200" kern="1200">
-                <a:solidFill>
-                  <a:schemeClr val="tx1">
-                    <a:tint val="75000"/>
-                  </a:schemeClr>
-                </a:solidFill>
-                <a:latin typeface="+mn-lt"/>
-                <a:ea typeface="+mn-ea"/>
-                <a:cs typeface="+mn-cs"/>
-              </a:defRPr>
-            </a:lvl7pPr>
-            <a:lvl8pPr marL="2400940" indent="0" algn="ctr" defTabSz="685983" rtl="0" eaLnBrk="1" latinLnBrk="0" hangingPunct="1">
-              <a:spcBef>
-                <a:spcPts val="450"/>
-              </a:spcBef>
-              <a:buClr>
-                <a:schemeClr val="accent1"/>
-              </a:buClr>
-              <a:buFont typeface="Arial" pitchFamily="34" charset="0"/>
-              <a:buNone/>
-              <a:defRPr sz="1200" kern="1200">
-                <a:solidFill>
-                  <a:schemeClr val="tx1">
-                    <a:tint val="75000"/>
-                  </a:schemeClr>
-                </a:solidFill>
-                <a:latin typeface="+mn-lt"/>
-                <a:ea typeface="+mn-ea"/>
-                <a:cs typeface="+mn-cs"/>
-              </a:defRPr>
-            </a:lvl8pPr>
-            <a:lvl9pPr marL="2743932" indent="0" algn="ctr" defTabSz="685983" rtl="0" eaLnBrk="1" latinLnBrk="0" hangingPunct="1">
-              <a:spcBef>
-                <a:spcPts val="450"/>
-              </a:spcBef>
-              <a:buClr>
-                <a:schemeClr val="accent1"/>
-              </a:buClr>
-              <a:buFont typeface="Arial" pitchFamily="34" charset="0"/>
-              <a:buNone/>
-              <a:defRPr sz="1200" kern="1200">
-                <a:solidFill>
-                  <a:schemeClr val="tx1">
-                    <a:tint val="75000"/>
-                  </a:schemeClr>
-                </a:solidFill>
-                <a:latin typeface="+mn-lt"/>
-                <a:ea typeface="+mn-ea"/>
-                <a:cs typeface="+mn-cs"/>
-              </a:defRPr>
-            </a:lvl9pPr>
-          </a:lstStyle>
-          <a:p>
-            <a:r>
-              <a:rPr lang="it-IT" sz="1400" dirty="0">
-                <a:solidFill>
-                  <a:schemeClr val="tx2"/>
-                </a:solidFill>
-                <a:effectLst>
-                  <a:outerShdw blurRad="38100" dist="38100" dir="2700000" algn="tl">
-                    <a:srgbClr val="000000">
-                      <a:alpha val="43137"/>
-                    </a:srgbClr>
-                  </a:outerShdw>
-                </a:effectLst>
-                <a:latin typeface="+mj-lt"/>
-              </a:rPr>
-              <a:t>Common pattern for Async and sync i/o</a:t>
-            </a:r>
-          </a:p>
-        </p:txBody>
-      </p:sp>
-      <p:sp>
-        <p:nvSpPr>
-          <p:cNvPr id="25" name="TextBox 24"/>
-          <p:cNvSpPr txBox="1"/>
-          <p:nvPr/>
-        </p:nvSpPr>
-        <p:spPr>
-          <a:xfrm rot="891792">
-            <a:off x="9262475" y="468347"/>
-            <a:ext cx="2774624" cy="1569660"/>
-          </a:xfrm>
-          <a:prstGeom prst="rect">
-            <a:avLst/>
-          </a:prstGeom>
-          <a:solidFill>
-            <a:srgbClr val="FF0000"/>
-          </a:solidFill>
-        </p:spPr>
-        <p:txBody>
-          <a:bodyPr wrap="square" rtlCol="0">
-            <a:spAutoFit/>
-          </a:bodyPr>
-          <a:lstStyle/>
-          <a:p>
-            <a:pPr algn="ctr"/>
-            <a:r>
-              <a:rPr lang="en-US" sz="3200" dirty="0">
-                <a:ln w="0"/>
-                <a:solidFill>
-                  <a:srgbClr val="FFFF00"/>
-                </a:solidFill>
-                <a:effectLst>
-                  <a:outerShdw blurRad="38100" dist="19050" dir="2700000" algn="tl" rotWithShape="0">
-                    <a:schemeClr val="dk1">
-                      <a:alpha val="40000"/>
-                    </a:schemeClr>
-                  </a:outerShdw>
-                </a:effectLst>
-                <a:latin typeface="+mj-lt"/>
-              </a:rPr>
-              <a:t>SNEAK PEEK</a:t>
-            </a:r>
-          </a:p>
-          <a:p>
-            <a:pPr algn="ctr"/>
-            <a:r>
-              <a:rPr lang="en-US" sz="3200" dirty="0">
-                <a:ln w="0"/>
-                <a:solidFill>
-                  <a:srgbClr val="FFFF00"/>
-                </a:solidFill>
-                <a:effectLst>
-                  <a:outerShdw blurRad="38100" dist="19050" dir="2700000" algn="tl" rotWithShape="0">
-                    <a:schemeClr val="dk1">
-                      <a:alpha val="40000"/>
-                    </a:schemeClr>
-                  </a:outerShdw>
-                </a:effectLst>
-                <a:latin typeface="+mj-lt"/>
-              </a:rPr>
-              <a:t>at the bright future</a:t>
-            </a:r>
-          </a:p>
-        </p:txBody>
-      </p:sp>
-      <p:grpSp>
-        <p:nvGrpSpPr>
-          <p:cNvPr id="3" name="Group 2"/>
-          <p:cNvGrpSpPr/>
-          <p:nvPr/>
-        </p:nvGrpSpPr>
-        <p:grpSpPr>
-          <a:xfrm>
-            <a:off x="1900816" y="3819949"/>
-            <a:ext cx="7599076" cy="2546788"/>
-            <a:chOff x="376816" y="3819949"/>
-            <a:chExt cx="7599076" cy="2546788"/>
-          </a:xfrm>
-        </p:grpSpPr>
-        <p:sp>
-          <p:nvSpPr>
-            <p:cNvPr id="26" name="Rectangle 25"/>
-            <p:cNvSpPr/>
-            <p:nvPr/>
-          </p:nvSpPr>
-          <p:spPr>
-            <a:xfrm>
-              <a:off x="986355" y="3904524"/>
-              <a:ext cx="6989537" cy="2462213"/>
-            </a:xfrm>
-            <a:prstGeom prst="rect">
-              <a:avLst/>
-            </a:prstGeom>
-            <a:effectLst>
-              <a:glow rad="63500">
-                <a:schemeClr val="accent1">
-                  <a:satMod val="175000"/>
-                  <a:alpha val="40000"/>
-                </a:schemeClr>
-              </a:glow>
-              <a:outerShdw blurRad="50800" dist="38100" dir="2700000" algn="tl" rotWithShape="0">
-                <a:prstClr val="black">
-                  <a:alpha val="40000"/>
-                </a:prstClr>
-              </a:outerShdw>
-            </a:effectLst>
-          </p:spPr>
-          <p:style>
-            <a:lnRef idx="2">
-              <a:schemeClr val="accent1"/>
-            </a:lnRef>
-            <a:fillRef idx="1">
-              <a:schemeClr val="lt1"/>
-            </a:fillRef>
-            <a:effectRef idx="0">
-              <a:schemeClr val="accent1"/>
-            </a:effectRef>
-            <a:fontRef idx="minor">
-              <a:schemeClr val="dk1"/>
-            </a:fontRef>
-          </p:style>
-          <p:txBody>
-            <a:bodyPr wrap="square">
-              <a:spAutoFit/>
-            </a:bodyPr>
-            <a:lstStyle/>
-            <a:p>
-              <a:r>
-                <a:rPr lang="en-US" sz="1400" dirty="0">
-                  <a:solidFill>
-                    <a:srgbClr val="000000"/>
-                  </a:solidFill>
-                  <a:highlight>
-                    <a:srgbClr val="FFFFFF"/>
-                  </a:highlight>
-                  <a:latin typeface="Consolas" panose="020B0609020204030204" pitchFamily="49" charset="0"/>
-                </a:rPr>
-                <a:t>expected&lt;</a:t>
-              </a:r>
-              <a:r>
-                <a:rPr lang="en-US" sz="1400" dirty="0">
-                  <a:solidFill>
-                    <a:srgbClr val="0000FF"/>
-                  </a:solidFill>
-                  <a:highlight>
-                    <a:srgbClr val="FFFFFF"/>
-                  </a:highlight>
-                  <a:latin typeface="Consolas" panose="020B0609020204030204" pitchFamily="49" charset="0"/>
-                </a:rPr>
-                <a:t>int</a:t>
-              </a:r>
-              <a:r>
-                <a:rPr lang="en-US" sz="1400" dirty="0">
-                  <a:solidFill>
-                    <a:srgbClr val="000000"/>
-                  </a:solidFill>
-                  <a:highlight>
-                    <a:srgbClr val="FFFFFF"/>
-                  </a:highlight>
-                  <a:latin typeface="Consolas" panose="020B0609020204030204" pitchFamily="49" charset="0"/>
-                </a:rPr>
-                <a:t>&gt; tcp_reader(</a:t>
-              </a:r>
-              <a:r>
-                <a:rPr lang="en-US" sz="1400" dirty="0">
-                  <a:solidFill>
-                    <a:srgbClr val="0000FF"/>
-                  </a:solidFill>
-                  <a:highlight>
-                    <a:srgbClr val="FFFFFF"/>
-                  </a:highlight>
-                  <a:latin typeface="Consolas" panose="020B0609020204030204" pitchFamily="49" charset="0"/>
-                </a:rPr>
-                <a:t>int</a:t>
-              </a:r>
-              <a:r>
-                <a:rPr lang="en-US" sz="1400" dirty="0">
-                  <a:solidFill>
-                    <a:srgbClr val="000000"/>
-                  </a:solidFill>
-                  <a:highlight>
-                    <a:srgbClr val="FFFFFF"/>
-                  </a:highlight>
-                  <a:latin typeface="Consolas" panose="020B0609020204030204" pitchFamily="49" charset="0"/>
-                </a:rPr>
-                <a:t> total)</a:t>
-              </a:r>
-            </a:p>
-            <a:p>
-              <a:r>
-                <a:rPr lang="en-US" sz="1400" dirty="0">
-                  <a:solidFill>
-                    <a:srgbClr val="000000"/>
-                  </a:solidFill>
-                  <a:highlight>
-                    <a:srgbClr val="FFFFFF"/>
-                  </a:highlight>
-                  <a:latin typeface="Consolas" panose="020B0609020204030204" pitchFamily="49" charset="0"/>
-                </a:rPr>
-                <a:t>{</a:t>
-              </a:r>
-            </a:p>
-            <a:p>
-              <a:r>
-                <a:rPr lang="en-US" sz="1400" dirty="0">
-                  <a:solidFill>
-                    <a:srgbClr val="000000"/>
-                  </a:solidFill>
-                  <a:highlight>
-                    <a:srgbClr val="FFFFFF"/>
-                  </a:highlight>
-                  <a:latin typeface="Consolas" panose="020B0609020204030204" pitchFamily="49" charset="0"/>
-                </a:rPr>
-                <a:t>    </a:t>
-              </a:r>
-              <a:r>
-                <a:rPr lang="en-US" sz="1400" dirty="0">
-                  <a:solidFill>
-                    <a:srgbClr val="0000FF"/>
-                  </a:solidFill>
-                  <a:highlight>
-                    <a:srgbClr val="FFFFFF"/>
-                  </a:highlight>
-                  <a:latin typeface="Consolas" panose="020B0609020204030204" pitchFamily="49" charset="0"/>
-                </a:rPr>
-                <a:t>char</a:t>
-              </a:r>
-              <a:r>
-                <a:rPr lang="en-US" sz="1400" dirty="0">
-                  <a:solidFill>
-                    <a:srgbClr val="000000"/>
-                  </a:solidFill>
-                  <a:highlight>
-                    <a:srgbClr val="FFFFFF"/>
-                  </a:highlight>
-                  <a:latin typeface="Consolas" panose="020B0609020204030204" pitchFamily="49" charset="0"/>
-                </a:rPr>
-                <a:t> </a:t>
-              </a:r>
-              <a:r>
-                <a:rPr lang="en-US" sz="1400" dirty="0" err="1">
-                  <a:solidFill>
-                    <a:srgbClr val="000000"/>
-                  </a:solidFill>
-                  <a:highlight>
-                    <a:srgbClr val="FFFFFF"/>
-                  </a:highlight>
-                  <a:latin typeface="Consolas" panose="020B0609020204030204" pitchFamily="49" charset="0"/>
-                </a:rPr>
-                <a:t>buf</a:t>
-              </a:r>
-              <a:r>
-                <a:rPr lang="en-US" sz="1400" dirty="0">
-                  <a:solidFill>
-                    <a:srgbClr val="000000"/>
-                  </a:solidFill>
-                  <a:highlight>
-                    <a:srgbClr val="FFFFFF"/>
-                  </a:highlight>
-                  <a:latin typeface="Consolas" panose="020B0609020204030204" pitchFamily="49" charset="0"/>
-                </a:rPr>
-                <a:t>[64 * 1024];</a:t>
-              </a:r>
-            </a:p>
-            <a:p>
-              <a:r>
-                <a:rPr lang="en-US" sz="1400" dirty="0">
-                  <a:solidFill>
-                    <a:srgbClr val="000000"/>
-                  </a:solidFill>
-                  <a:highlight>
-                    <a:srgbClr val="FFFFFF"/>
-                  </a:highlight>
-                  <a:latin typeface="Consolas" panose="020B0609020204030204" pitchFamily="49" charset="0"/>
-                </a:rPr>
-                <a:t>    </a:t>
-              </a:r>
-              <a:r>
-                <a:rPr lang="en-US" sz="1400" dirty="0">
-                  <a:solidFill>
-                    <a:srgbClr val="0000FF"/>
-                  </a:solidFill>
-                  <a:highlight>
-                    <a:srgbClr val="FFFFFF"/>
-                  </a:highlight>
-                  <a:latin typeface="Consolas" panose="020B0609020204030204" pitchFamily="49" charset="0"/>
-                </a:rPr>
-                <a:t>auto</a:t>
-              </a:r>
-              <a:r>
-                <a:rPr lang="en-US" sz="1400" dirty="0">
-                  <a:solidFill>
-                    <a:srgbClr val="000000"/>
-                  </a:solidFill>
-                  <a:highlight>
-                    <a:srgbClr val="FFFFFF"/>
-                  </a:highlight>
-                  <a:latin typeface="Consolas" panose="020B0609020204030204" pitchFamily="49" charset="0"/>
-                </a:rPr>
-                <a:t> conn = </a:t>
-              </a:r>
-              <a:r>
-                <a:rPr lang="en-US" sz="1400" dirty="0" err="1">
-                  <a:solidFill>
-                    <a:srgbClr val="0000FF"/>
-                  </a:solidFill>
-                  <a:highlight>
-                    <a:srgbClr val="FFFFFF"/>
-                  </a:highlight>
-                  <a:latin typeface="Consolas" panose="020B0609020204030204" pitchFamily="49" charset="0"/>
-                </a:rPr>
-                <a:t>co_await</a:t>
-              </a:r>
-              <a:r>
-                <a:rPr lang="en-US" sz="1400" dirty="0">
-                  <a:solidFill>
-                    <a:srgbClr val="000000"/>
-                  </a:solidFill>
-                  <a:highlight>
-                    <a:srgbClr val="FFFFFF"/>
-                  </a:highlight>
-                  <a:latin typeface="Consolas" panose="020B0609020204030204" pitchFamily="49" charset="0"/>
-                </a:rPr>
-                <a:t> Tcp::Connect(</a:t>
-              </a:r>
-              <a:r>
-                <a:rPr lang="en-US" sz="1400" dirty="0">
-                  <a:solidFill>
-                    <a:srgbClr val="A31515"/>
-                  </a:solidFill>
-                  <a:highlight>
-                    <a:srgbClr val="FFFFFF"/>
-                  </a:highlight>
-                  <a:latin typeface="Consolas" panose="020B0609020204030204" pitchFamily="49" charset="0"/>
-                </a:rPr>
-                <a:t>"127.0.0.1"</a:t>
-              </a:r>
-              <a:r>
-                <a:rPr lang="en-US" sz="1400" dirty="0">
-                  <a:solidFill>
-                    <a:srgbClr val="000000"/>
-                  </a:solidFill>
-                  <a:highlight>
-                    <a:srgbClr val="FFFFFF"/>
-                  </a:highlight>
-                  <a:latin typeface="Consolas" panose="020B0609020204030204" pitchFamily="49" charset="0"/>
-                </a:rPr>
-                <a:t>, 1337, </a:t>
-              </a:r>
-              <a:r>
-                <a:rPr lang="en-US" sz="1400" b="1" dirty="0">
-                  <a:solidFill>
-                    <a:srgbClr val="000000"/>
-                  </a:solidFill>
-                  <a:highlight>
-                    <a:srgbClr val="FFFFFF"/>
-                  </a:highlight>
-                  <a:latin typeface="Consolas" panose="020B0609020204030204" pitchFamily="49" charset="0"/>
-                </a:rPr>
-                <a:t>block</a:t>
-              </a:r>
-              <a:r>
-                <a:rPr lang="en-US" sz="1400" dirty="0">
-                  <a:solidFill>
-                    <a:srgbClr val="000000"/>
-                  </a:solidFill>
-                  <a:highlight>
-                    <a:srgbClr val="FFFFFF"/>
-                  </a:highlight>
-                  <a:latin typeface="Consolas" panose="020B0609020204030204" pitchFamily="49" charset="0"/>
-                </a:rPr>
-                <a:t>);</a:t>
-              </a:r>
-            </a:p>
-            <a:p>
-              <a:r>
-                <a:rPr lang="en-US" sz="1400" dirty="0">
-                  <a:solidFill>
-                    <a:srgbClr val="0000FF"/>
-                  </a:solidFill>
-                  <a:highlight>
-                    <a:srgbClr val="FFFFFF"/>
-                  </a:highlight>
-                  <a:latin typeface="Consolas" panose="020B0609020204030204" pitchFamily="49" charset="0"/>
-                </a:rPr>
-                <a:t>    for</a:t>
-              </a:r>
-              <a:r>
-                <a:rPr lang="en-US" sz="1400" dirty="0">
-                  <a:solidFill>
-                    <a:srgbClr val="000000"/>
-                  </a:solidFill>
-                  <a:highlight>
-                    <a:srgbClr val="FFFFFF"/>
-                  </a:highlight>
-                  <a:latin typeface="Consolas" panose="020B0609020204030204" pitchFamily="49" charset="0"/>
-                </a:rPr>
-                <a:t> (;;)</a:t>
-              </a:r>
-            </a:p>
-            <a:p>
-              <a:r>
-                <a:rPr lang="en-US" sz="1400" dirty="0">
-                  <a:solidFill>
-                    <a:srgbClr val="000000"/>
-                  </a:solidFill>
-                  <a:highlight>
-                    <a:srgbClr val="FFFFFF"/>
-                  </a:highlight>
-                  <a:latin typeface="Consolas" panose="020B0609020204030204" pitchFamily="49" charset="0"/>
-                </a:rPr>
-                <a:t>    {</a:t>
-              </a:r>
-            </a:p>
-            <a:p>
-              <a:r>
-                <a:rPr lang="en-US" sz="1400" dirty="0">
-                  <a:solidFill>
-                    <a:srgbClr val="000000"/>
-                  </a:solidFill>
-                  <a:highlight>
-                    <a:srgbClr val="FFFFFF"/>
-                  </a:highlight>
-                  <a:latin typeface="Consolas" panose="020B0609020204030204" pitchFamily="49" charset="0"/>
-                </a:rPr>
-                <a:t>        </a:t>
-              </a:r>
-              <a:r>
-                <a:rPr lang="en-US" sz="1400" dirty="0">
-                  <a:solidFill>
-                    <a:srgbClr val="0000FF"/>
-                  </a:solidFill>
-                  <a:highlight>
-                    <a:srgbClr val="FFFFFF"/>
-                  </a:highlight>
-                  <a:latin typeface="Consolas" panose="020B0609020204030204" pitchFamily="49" charset="0"/>
-                </a:rPr>
-                <a:t>auto</a:t>
-              </a:r>
-              <a:r>
-                <a:rPr lang="en-US" sz="1400" dirty="0">
-                  <a:solidFill>
-                    <a:srgbClr val="000000"/>
-                  </a:solidFill>
-                  <a:highlight>
-                    <a:srgbClr val="FFFFFF"/>
-                  </a:highlight>
-                  <a:latin typeface="Consolas" panose="020B0609020204030204" pitchFamily="49" charset="0"/>
-                </a:rPr>
-                <a:t> bytesRead = </a:t>
-              </a:r>
-              <a:r>
-                <a:rPr lang="en-US" sz="1400" dirty="0" err="1">
-                  <a:solidFill>
-                    <a:srgbClr val="0000FF"/>
-                  </a:solidFill>
-                  <a:highlight>
-                    <a:srgbClr val="FFFFFF"/>
-                  </a:highlight>
-                  <a:latin typeface="Consolas" panose="020B0609020204030204" pitchFamily="49" charset="0"/>
-                </a:rPr>
-                <a:t>co_await</a:t>
-              </a:r>
-              <a:r>
-                <a:rPr lang="en-US" sz="1400" dirty="0">
-                  <a:solidFill>
-                    <a:srgbClr val="000000"/>
-                  </a:solidFill>
-                  <a:highlight>
-                    <a:srgbClr val="FFFFFF"/>
-                  </a:highlight>
-                  <a:latin typeface="Consolas" panose="020B0609020204030204" pitchFamily="49" charset="0"/>
-                </a:rPr>
-                <a:t> conn.read(buf, </a:t>
-              </a:r>
-              <a:r>
-                <a:rPr lang="en-US" sz="1400" dirty="0">
-                  <a:solidFill>
-                    <a:srgbClr val="0000FF"/>
-                  </a:solidFill>
-                  <a:highlight>
-                    <a:srgbClr val="FFFFFF"/>
-                  </a:highlight>
-                  <a:latin typeface="Consolas" panose="020B0609020204030204" pitchFamily="49" charset="0"/>
-                </a:rPr>
-                <a:t>sizeof</a:t>
-              </a:r>
-              <a:r>
-                <a:rPr lang="en-US" sz="1400" dirty="0">
-                  <a:solidFill>
-                    <a:srgbClr val="000000"/>
-                  </a:solidFill>
-                  <a:highlight>
-                    <a:srgbClr val="FFFFFF"/>
-                  </a:highlight>
-                  <a:latin typeface="Consolas" panose="020B0609020204030204" pitchFamily="49" charset="0"/>
-                </a:rPr>
-                <a:t>(buf), </a:t>
-              </a:r>
-              <a:r>
-                <a:rPr lang="en-US" sz="1400" b="1" dirty="0">
-                  <a:solidFill>
-                    <a:srgbClr val="000000"/>
-                  </a:solidFill>
-                  <a:highlight>
-                    <a:srgbClr val="FFFFFF"/>
-                  </a:highlight>
-                  <a:latin typeface="Consolas" panose="020B0609020204030204" pitchFamily="49" charset="0"/>
-                </a:rPr>
-                <a:t>block</a:t>
-              </a:r>
-              <a:r>
-                <a:rPr lang="en-US" sz="1400" dirty="0">
-                  <a:solidFill>
-                    <a:srgbClr val="000000"/>
-                  </a:solidFill>
-                  <a:highlight>
-                    <a:srgbClr val="FFFFFF"/>
-                  </a:highlight>
-                  <a:latin typeface="Consolas" panose="020B0609020204030204" pitchFamily="49" charset="0"/>
-                </a:rPr>
-                <a:t>);</a:t>
-              </a:r>
-            </a:p>
-            <a:p>
-              <a:r>
-                <a:rPr lang="en-US" sz="1400" dirty="0">
-                  <a:solidFill>
-                    <a:srgbClr val="000000"/>
-                  </a:solidFill>
-                  <a:highlight>
-                    <a:srgbClr val="FFFFFF"/>
-                  </a:highlight>
-                  <a:latin typeface="Consolas" panose="020B0609020204030204" pitchFamily="49" charset="0"/>
-                </a:rPr>
-                <a:t>        total -= bytesRead;</a:t>
-              </a:r>
-            </a:p>
-            <a:p>
-              <a:r>
-                <a:rPr lang="en-US" sz="1400" dirty="0">
-                  <a:solidFill>
-                    <a:srgbClr val="000000"/>
-                  </a:solidFill>
-                  <a:highlight>
-                    <a:srgbClr val="FFFFFF"/>
-                  </a:highlight>
-                  <a:latin typeface="Consolas" panose="020B0609020204030204" pitchFamily="49" charset="0"/>
-                </a:rPr>
-                <a:t>        </a:t>
-              </a:r>
-              <a:r>
-                <a:rPr lang="en-US" sz="1400" dirty="0">
-                  <a:solidFill>
-                    <a:srgbClr val="0000FF"/>
-                  </a:solidFill>
-                  <a:highlight>
-                    <a:srgbClr val="FFFFFF"/>
-                  </a:highlight>
-                  <a:latin typeface="Consolas" panose="020B0609020204030204" pitchFamily="49" charset="0"/>
-                </a:rPr>
-                <a:t>if</a:t>
-              </a:r>
-              <a:r>
-                <a:rPr lang="en-US" sz="1400" dirty="0">
-                  <a:solidFill>
-                    <a:srgbClr val="000000"/>
-                  </a:solidFill>
-                  <a:highlight>
-                    <a:srgbClr val="FFFFFF"/>
-                  </a:highlight>
-                  <a:latin typeface="Consolas" panose="020B0609020204030204" pitchFamily="49" charset="0"/>
-                </a:rPr>
-                <a:t> (total &lt;= 0 || bytesRead == 0) </a:t>
-              </a:r>
-              <a:r>
-                <a:rPr lang="en-US" sz="1400" dirty="0" err="1">
-                  <a:solidFill>
-                    <a:srgbClr val="0000FF"/>
-                  </a:solidFill>
-                  <a:highlight>
-                    <a:srgbClr val="FFFFFF"/>
-                  </a:highlight>
-                  <a:latin typeface="Consolas" panose="020B0609020204030204" pitchFamily="49" charset="0"/>
-                </a:rPr>
-                <a:t>co_return</a:t>
-              </a:r>
-              <a:r>
-                <a:rPr lang="en-US" sz="1400" dirty="0">
-                  <a:solidFill>
-                    <a:srgbClr val="000000"/>
-                  </a:solidFill>
-                  <a:highlight>
-                    <a:srgbClr val="FFFFFF"/>
-                  </a:highlight>
-                  <a:latin typeface="Consolas" panose="020B0609020204030204" pitchFamily="49" charset="0"/>
-                </a:rPr>
-                <a:t> total;</a:t>
-              </a:r>
-            </a:p>
-            <a:p>
-              <a:r>
-                <a:rPr lang="en-US" sz="1400" dirty="0">
-                  <a:solidFill>
-                    <a:srgbClr val="000000"/>
-                  </a:solidFill>
-                  <a:highlight>
-                    <a:srgbClr val="FFFFFF"/>
-                  </a:highlight>
-                  <a:latin typeface="Consolas" panose="020B0609020204030204" pitchFamily="49" charset="0"/>
-                </a:rPr>
-                <a:t>    }</a:t>
-              </a:r>
-            </a:p>
-            <a:p>
-              <a:r>
-                <a:rPr lang="en-US" sz="1400" dirty="0">
-                  <a:solidFill>
-                    <a:srgbClr val="000000"/>
-                  </a:solidFill>
-                  <a:highlight>
-                    <a:srgbClr val="FFFFFF"/>
-                  </a:highlight>
-                  <a:latin typeface="Consolas" panose="020B0609020204030204" pitchFamily="49" charset="0"/>
-                </a:rPr>
-                <a:t>}</a:t>
-              </a:r>
-            </a:p>
-          </p:txBody>
-        </p:sp>
-        <p:sp>
-          <p:nvSpPr>
-            <p:cNvPr id="28" name="Rectangle 27"/>
-            <p:cNvSpPr/>
-            <p:nvPr/>
-          </p:nvSpPr>
-          <p:spPr>
-            <a:xfrm>
-              <a:off x="376816" y="3819949"/>
-              <a:ext cx="594073" cy="369332"/>
-            </a:xfrm>
-            <a:prstGeom prst="rect">
-              <a:avLst/>
-            </a:prstGeom>
-          </p:spPr>
-          <p:txBody>
-            <a:bodyPr wrap="none">
-              <a:spAutoFit/>
-            </a:bodyPr>
-            <a:lstStyle/>
-            <a:p>
-              <a:r>
-                <a:rPr lang="it-IT" dirty="0">
-                  <a:solidFill>
-                    <a:schemeClr val="tx2"/>
-                  </a:solidFill>
-                  <a:effectLst>
-                    <a:outerShdw blurRad="38100" dist="38100" dir="2700000" algn="tl">
-                      <a:srgbClr val="000000">
-                        <a:alpha val="43137"/>
-                      </a:srgbClr>
-                    </a:outerShdw>
-                  </a:effectLst>
-                </a:rPr>
-                <a:t>sync</a:t>
-              </a:r>
-              <a:endParaRPr lang="en-US" dirty="0"/>
-            </a:p>
-          </p:txBody>
-        </p:sp>
-      </p:grpSp>
-    </p:spTree>
-    <p:extLst>
-      <p:ext uri="{BB962C8B-B14F-4D97-AF65-F5344CB8AC3E}">
-        <p14:creationId xmlns:p14="http://schemas.microsoft.com/office/powerpoint/2010/main" val="2309499752"/>
-      </p:ext>
-    </p:extLst>
-  </p:cSld>
-  <p:clrMapOvr>
-    <a:masterClrMapping/>
-  </p:clrMapOvr>
-  <p:timing>
-    <p:tnLst>
-      <p:par>
-        <p:cTn id="1" dur="indefinite" restart="never" nodeType="tmRoot">
-          <p:childTnLst>
-            <p:seq concurrent="1" nextAc="seek">
-              <p:cTn id="2" dur="indefinite" nodeType="mainSeq">
-                <p:childTnLst>
-                  <p:par>
-                    <p:cTn id="3" fill="hold">
-                      <p:stCondLst>
-                        <p:cond delay="indefinite"/>
-                      </p:stCondLst>
-                      <p:childTnLst>
-                        <p:par>
-                          <p:cTn id="4" fill="hold">
-                            <p:stCondLst>
-                              <p:cond delay="0"/>
-                            </p:stCondLst>
-                            <p:childTnLst>
-                              <p:par>
-                                <p:cTn id="5" presetID="1" presetClass="entr" presetSubtype="0" fill="hold" nodeType="clickEffect">
-                                  <p:stCondLst>
-                                    <p:cond delay="0"/>
-                                  </p:stCondLst>
-                                  <p:childTnLst>
-                                    <p:set>
-                                      <p:cBhvr>
-                                        <p:cTn id="6" dur="1" fill="hold">
-                                          <p:stCondLst>
-                                            <p:cond delay="0"/>
-                                          </p:stCondLst>
-                                        </p:cTn>
-                                        <p:tgtEl>
-                                          <p:spTgt spid="3"/>
-                                        </p:tgtEl>
-                                        <p:attrNameLst>
-                                          <p:attrName>style.visibility</p:attrName>
-                                        </p:attrNameLst>
-                                      </p:cBhvr>
-                                      <p:to>
-                                        <p:strVal val="visible"/>
-                                      </p:to>
-                                    </p:set>
-                                  </p:childTnLst>
-                                </p:cTn>
-                              </p:par>
-                            </p:childTnLst>
-                          </p:cTn>
-                        </p:par>
-                      </p:childTnLst>
-                    </p:cTn>
-                  </p:par>
-                </p:childTnLst>
-              </p:cTn>
-              <p:prevCondLst>
-                <p:cond evt="onPrev" delay="0">
-                  <p:tgtEl>
-                    <p:sldTgt/>
-                  </p:tgtEl>
-                </p:cond>
-              </p:prevCondLst>
-              <p:nextCondLst>
-                <p:cond evt="onNext" delay="0">
-                  <p:tgtEl>
-                    <p:sldTgt/>
-                  </p:tgtEl>
-                </p:cond>
-              </p:nextCondLst>
-            </p:seq>
-          </p:childTnLst>
-        </p:cTn>
-      </p:par>
-    </p:tnLst>
-  </p:timing>
-</p:sld>
-</file>
-
-<file path=ppt/slides/slide32.xml><?xml version="1.0" encoding="utf-8"?>
-<p:sld xmlns:a="http://schemas.openxmlformats.org/drawingml/2006/main" xmlns:r="http://schemas.openxmlformats.org/officeDocument/2006/relationships" xmlns:p="http://schemas.openxmlformats.org/presentationml/2006/main">
-  <p:cSld>
-    <p:spTree>
-      <p:nvGrpSpPr>
-        <p:cNvPr id="1" name=""/>
-        <p:cNvGrpSpPr/>
-        <p:nvPr/>
-      </p:nvGrpSpPr>
-      <p:grpSpPr>
-        <a:xfrm>
-          <a:off x="0" y="0"/>
-          <a:ext cx="0" cy="0"/>
-          <a:chOff x="0" y="0"/>
-          <a:chExt cx="0" cy="0"/>
-        </a:xfrm>
-      </p:grpSpPr>
-      <p:sp>
-        <p:nvSpPr>
-          <p:cNvPr id="6" name="Subtitle 3"/>
-          <p:cNvSpPr txBox="1">
-            <a:spLocks/>
-          </p:cNvSpPr>
-          <p:nvPr/>
-        </p:nvSpPr>
-        <p:spPr>
-          <a:xfrm>
-            <a:off x="1783080" y="176197"/>
-            <a:ext cx="8722590" cy="392668"/>
-          </a:xfrm>
-          <a:prstGeom prst="rect">
-            <a:avLst/>
-          </a:prstGeom>
-        </p:spPr>
-        <p:txBody>
-          <a:bodyPr vert="horz" lIns="91440" tIns="45720" rIns="91440" bIns="45720" rtlCol="0">
-            <a:noAutofit/>
-          </a:bodyPr>
-          <a:lstStyle>
-            <a:lvl1pPr marL="0" indent="0" algn="l" defTabSz="685983" rtl="0" eaLnBrk="1" latinLnBrk="0" hangingPunct="1">
-              <a:lnSpc>
-                <a:spcPct val="90000"/>
-              </a:lnSpc>
-              <a:spcBef>
-                <a:spcPts val="0"/>
-              </a:spcBef>
-              <a:buClr>
-                <a:schemeClr val="accent1"/>
-              </a:buClr>
-              <a:buSzPct val="100000"/>
-              <a:buFont typeface="Arial" pitchFamily="34" charset="0"/>
-              <a:buNone/>
-              <a:defRPr sz="1500" kern="1200" cap="all" spc="150" baseline="0">
-                <a:solidFill>
-                  <a:schemeClr val="accent1"/>
-                </a:solidFill>
-                <a:latin typeface="+mn-lt"/>
-                <a:ea typeface="+mn-ea"/>
-                <a:cs typeface="+mn-cs"/>
-              </a:defRPr>
-            </a:lvl1pPr>
-            <a:lvl2pPr marL="342991" indent="0" algn="ctr" defTabSz="685983" rtl="0" eaLnBrk="1" latinLnBrk="0" hangingPunct="1">
-              <a:lnSpc>
-                <a:spcPct val="90000"/>
-              </a:lnSpc>
-              <a:spcBef>
-                <a:spcPts val="900"/>
-              </a:spcBef>
-              <a:buClr>
-                <a:schemeClr val="accent1"/>
-              </a:buClr>
-              <a:buSzPct val="100000"/>
-              <a:buFont typeface="Arial" pitchFamily="34" charset="0"/>
-              <a:buNone/>
-              <a:defRPr sz="1500" kern="1200">
-                <a:solidFill>
-                  <a:schemeClr val="tx1">
-                    <a:tint val="75000"/>
-                  </a:schemeClr>
-                </a:solidFill>
-                <a:latin typeface="+mn-lt"/>
-                <a:ea typeface="+mn-ea"/>
-                <a:cs typeface="+mn-cs"/>
-              </a:defRPr>
-            </a:lvl2pPr>
-            <a:lvl3pPr marL="685983" indent="0" algn="ctr" defTabSz="685983" rtl="0" eaLnBrk="1" latinLnBrk="0" hangingPunct="1">
-              <a:lnSpc>
-                <a:spcPct val="90000"/>
-              </a:lnSpc>
-              <a:spcBef>
-                <a:spcPts val="450"/>
-              </a:spcBef>
-              <a:buClr>
-                <a:schemeClr val="accent1"/>
-              </a:buClr>
-              <a:buSzPct val="100000"/>
-              <a:buFont typeface="Arial" pitchFamily="34" charset="0"/>
-              <a:buNone/>
-              <a:defRPr sz="1350" kern="1200">
-                <a:solidFill>
-                  <a:schemeClr val="tx1">
-                    <a:tint val="75000"/>
-                  </a:schemeClr>
-                </a:solidFill>
-                <a:latin typeface="+mn-lt"/>
-                <a:ea typeface="+mn-ea"/>
-                <a:cs typeface="+mn-cs"/>
-              </a:defRPr>
-            </a:lvl3pPr>
-            <a:lvl4pPr marL="1028974" indent="0" algn="ctr" defTabSz="685983" rtl="0" eaLnBrk="1" latinLnBrk="0" hangingPunct="1">
-              <a:lnSpc>
-                <a:spcPct val="90000"/>
-              </a:lnSpc>
-              <a:spcBef>
-                <a:spcPts val="450"/>
-              </a:spcBef>
-              <a:buClr>
-                <a:schemeClr val="accent1"/>
-              </a:buClr>
-              <a:buSzPct val="100000"/>
-              <a:buFont typeface="Arial" pitchFamily="34" charset="0"/>
-              <a:buNone/>
-              <a:defRPr sz="1200" kern="1200">
-                <a:solidFill>
-                  <a:schemeClr val="tx1">
-                    <a:tint val="75000"/>
-                  </a:schemeClr>
-                </a:solidFill>
-                <a:latin typeface="+mn-lt"/>
-                <a:ea typeface="+mn-ea"/>
-                <a:cs typeface="+mn-cs"/>
-              </a:defRPr>
-            </a:lvl4pPr>
-            <a:lvl5pPr marL="1371966" indent="0" algn="ctr" defTabSz="685983" rtl="0" eaLnBrk="1" latinLnBrk="0" hangingPunct="1">
-              <a:lnSpc>
-                <a:spcPct val="90000"/>
-              </a:lnSpc>
-              <a:spcBef>
-                <a:spcPts val="450"/>
-              </a:spcBef>
-              <a:buClr>
-                <a:schemeClr val="accent1"/>
-              </a:buClr>
-              <a:buSzPct val="100000"/>
-              <a:buFont typeface="Arial" pitchFamily="34" charset="0"/>
-              <a:buNone/>
-              <a:defRPr sz="1200" kern="1200">
-                <a:solidFill>
-                  <a:schemeClr val="tx1">
-                    <a:tint val="75000"/>
-                  </a:schemeClr>
-                </a:solidFill>
-                <a:latin typeface="+mn-lt"/>
-                <a:ea typeface="+mn-ea"/>
-                <a:cs typeface="+mn-cs"/>
-              </a:defRPr>
-            </a:lvl5pPr>
-            <a:lvl6pPr marL="1714957" indent="0" algn="ctr" defTabSz="685983" rtl="0" eaLnBrk="1" latinLnBrk="0" hangingPunct="1">
-              <a:spcBef>
-                <a:spcPts val="450"/>
-              </a:spcBef>
-              <a:buClr>
-                <a:schemeClr val="accent1"/>
-              </a:buClr>
-              <a:buFont typeface="Arial" pitchFamily="34" charset="0"/>
-              <a:buNone/>
-              <a:defRPr sz="1200" kern="1200">
-                <a:solidFill>
-                  <a:schemeClr val="tx1">
-                    <a:tint val="75000"/>
-                  </a:schemeClr>
-                </a:solidFill>
-                <a:latin typeface="+mn-lt"/>
-                <a:ea typeface="+mn-ea"/>
-                <a:cs typeface="+mn-cs"/>
-              </a:defRPr>
-            </a:lvl6pPr>
-            <a:lvl7pPr marL="2057949" indent="0" algn="ctr" defTabSz="685983" rtl="0" eaLnBrk="1" latinLnBrk="0" hangingPunct="1">
-              <a:spcBef>
-                <a:spcPts val="450"/>
-              </a:spcBef>
-              <a:buClr>
-                <a:schemeClr val="accent1"/>
-              </a:buClr>
-              <a:buFont typeface="Arial" pitchFamily="34" charset="0"/>
-              <a:buNone/>
-              <a:defRPr sz="1200" kern="1200">
-                <a:solidFill>
-                  <a:schemeClr val="tx1">
-                    <a:tint val="75000"/>
-                  </a:schemeClr>
-                </a:solidFill>
-                <a:latin typeface="+mn-lt"/>
-                <a:ea typeface="+mn-ea"/>
-                <a:cs typeface="+mn-cs"/>
-              </a:defRPr>
-            </a:lvl7pPr>
-            <a:lvl8pPr marL="2400940" indent="0" algn="ctr" defTabSz="685983" rtl="0" eaLnBrk="1" latinLnBrk="0" hangingPunct="1">
-              <a:spcBef>
-                <a:spcPts val="450"/>
-              </a:spcBef>
-              <a:buClr>
-                <a:schemeClr val="accent1"/>
-              </a:buClr>
-              <a:buFont typeface="Arial" pitchFamily="34" charset="0"/>
-              <a:buNone/>
-              <a:defRPr sz="1200" kern="1200">
-                <a:solidFill>
-                  <a:schemeClr val="tx1">
-                    <a:tint val="75000"/>
-                  </a:schemeClr>
-                </a:solidFill>
-                <a:latin typeface="+mn-lt"/>
-                <a:ea typeface="+mn-ea"/>
-                <a:cs typeface="+mn-cs"/>
-              </a:defRPr>
-            </a:lvl8pPr>
-            <a:lvl9pPr marL="2743932" indent="0" algn="ctr" defTabSz="685983" rtl="0" eaLnBrk="1" latinLnBrk="0" hangingPunct="1">
-              <a:spcBef>
-                <a:spcPts val="450"/>
-              </a:spcBef>
-              <a:buClr>
-                <a:schemeClr val="accent1"/>
-              </a:buClr>
-              <a:buFont typeface="Arial" pitchFamily="34" charset="0"/>
-              <a:buNone/>
-              <a:defRPr sz="1200" kern="1200">
-                <a:solidFill>
-                  <a:schemeClr val="tx1">
-                    <a:tint val="75000"/>
-                  </a:schemeClr>
-                </a:solidFill>
-                <a:latin typeface="+mn-lt"/>
-                <a:ea typeface="+mn-ea"/>
-                <a:cs typeface="+mn-cs"/>
-              </a:defRPr>
-            </a:lvl9pPr>
-          </a:lstStyle>
-          <a:p>
-            <a:r>
-              <a:rPr lang="it-IT" sz="3600" dirty="0">
-                <a:solidFill>
-                  <a:schemeClr val="tx2"/>
-                </a:solidFill>
-                <a:effectLst>
-                  <a:outerShdw blurRad="38100" dist="38100" dir="2700000" algn="tl">
-                    <a:srgbClr val="000000">
-                      <a:alpha val="43137"/>
-                    </a:srgbClr>
-                  </a:outerShdw>
-                </a:effectLst>
-                <a:latin typeface="+mj-lt"/>
-              </a:rPr>
-              <a:t>C++ Coroutines</a:t>
-            </a:r>
-          </a:p>
-        </p:txBody>
-      </p:sp>
-      <p:sp>
-        <p:nvSpPr>
-          <p:cNvPr id="15" name="Rectangle 14"/>
-          <p:cNvSpPr/>
-          <p:nvPr/>
-        </p:nvSpPr>
-        <p:spPr>
-          <a:xfrm>
-            <a:off x="3778652" y="9167625"/>
-            <a:ext cx="6248400" cy="253916"/>
-          </a:xfrm>
-          <a:prstGeom prst="rect">
-            <a:avLst/>
-          </a:prstGeom>
-        </p:spPr>
-        <p:txBody>
-          <a:bodyPr wrap="square">
-            <a:spAutoFit/>
-          </a:bodyPr>
-          <a:lstStyle/>
-          <a:p>
-            <a:pPr algn="ctr"/>
-            <a:r>
-              <a:rPr lang="en-US" sz="1050" dirty="0">
-                <a:solidFill>
-                  <a:schemeClr val="bg2">
-                    <a:lumMod val="25000"/>
-                    <a:lumOff val="75000"/>
-                  </a:schemeClr>
-                </a:solidFill>
-                <a:effectLst>
-                  <a:outerShdw blurRad="38100" dist="38100" dir="2700000" algn="tl">
-                    <a:srgbClr val="000000">
-                      <a:alpha val="43137"/>
-                    </a:srgbClr>
-                  </a:outerShdw>
-                </a:effectLst>
-              </a:rPr>
-              <a:t>e-mail: </a:t>
-            </a:r>
-            <a:r>
-              <a:rPr lang="en-US" sz="1050" dirty="0" err="1">
-                <a:solidFill>
-                  <a:schemeClr val="bg2">
-                    <a:lumMod val="25000"/>
-                    <a:lumOff val="75000"/>
-                  </a:schemeClr>
-                </a:solidFill>
-                <a:effectLst>
-                  <a:outerShdw blurRad="38100" dist="38100" dir="2700000" algn="tl">
-                    <a:srgbClr val="000000">
-                      <a:alpha val="43137"/>
-                    </a:srgbClr>
-                  </a:outerShdw>
-                </a:effectLst>
-              </a:rPr>
-              <a:t>gorn</a:t>
-            </a:r>
-            <a:r>
-              <a:rPr lang="en-US" sz="1050" dirty="0">
-                <a:solidFill>
-                  <a:schemeClr val="bg2">
-                    <a:lumMod val="25000"/>
-                    <a:lumOff val="75000"/>
-                  </a:schemeClr>
-                </a:solidFill>
-                <a:effectLst>
-                  <a:outerShdw blurRad="38100" dist="38100" dir="2700000" algn="tl">
-                    <a:srgbClr val="000000">
-                      <a:alpha val="43137"/>
-                    </a:srgbClr>
-                  </a:outerShdw>
-                </a:effectLst>
-              </a:rPr>
-              <a:t> with answers, complaints, corrections, suggestions and new material</a:t>
-            </a:r>
-          </a:p>
-        </p:txBody>
-      </p:sp>
-      <p:sp>
-        <p:nvSpPr>
-          <p:cNvPr id="17" name="Subtitle 3"/>
-          <p:cNvSpPr txBox="1">
-            <a:spLocks/>
-          </p:cNvSpPr>
-          <p:nvPr/>
-        </p:nvSpPr>
-        <p:spPr>
-          <a:xfrm>
-            <a:off x="1812664" y="675843"/>
-            <a:ext cx="7924800" cy="392668"/>
-          </a:xfrm>
-          <a:prstGeom prst="rect">
-            <a:avLst/>
-          </a:prstGeom>
-        </p:spPr>
-        <p:txBody>
-          <a:bodyPr vert="horz" lIns="91440" tIns="45720" rIns="91440" bIns="45720" rtlCol="0">
-            <a:noAutofit/>
-          </a:bodyPr>
-          <a:lstStyle>
-            <a:lvl1pPr marL="0" indent="0" algn="l" defTabSz="685983" rtl="0" eaLnBrk="1" latinLnBrk="0" hangingPunct="1">
-              <a:lnSpc>
-                <a:spcPct val="90000"/>
-              </a:lnSpc>
-              <a:spcBef>
-                <a:spcPts val="0"/>
-              </a:spcBef>
-              <a:buClr>
-                <a:schemeClr val="accent1"/>
-              </a:buClr>
-              <a:buSzPct val="100000"/>
-              <a:buFont typeface="Arial" pitchFamily="34" charset="0"/>
-              <a:buNone/>
-              <a:defRPr sz="1500" kern="1200" cap="all" spc="150" baseline="0">
-                <a:solidFill>
-                  <a:schemeClr val="accent1"/>
-                </a:solidFill>
-                <a:latin typeface="+mn-lt"/>
-                <a:ea typeface="+mn-ea"/>
-                <a:cs typeface="+mn-cs"/>
-              </a:defRPr>
-            </a:lvl1pPr>
-            <a:lvl2pPr marL="342991" indent="0" algn="ctr" defTabSz="685983" rtl="0" eaLnBrk="1" latinLnBrk="0" hangingPunct="1">
-              <a:lnSpc>
-                <a:spcPct val="90000"/>
-              </a:lnSpc>
-              <a:spcBef>
-                <a:spcPts val="900"/>
-              </a:spcBef>
-              <a:buClr>
-                <a:schemeClr val="accent1"/>
-              </a:buClr>
-              <a:buSzPct val="100000"/>
-              <a:buFont typeface="Arial" pitchFamily="34" charset="0"/>
-              <a:buNone/>
-              <a:defRPr sz="1500" kern="1200">
-                <a:solidFill>
-                  <a:schemeClr val="tx1">
-                    <a:tint val="75000"/>
-                  </a:schemeClr>
-                </a:solidFill>
-                <a:latin typeface="+mn-lt"/>
-                <a:ea typeface="+mn-ea"/>
-                <a:cs typeface="+mn-cs"/>
-              </a:defRPr>
-            </a:lvl2pPr>
-            <a:lvl3pPr marL="685983" indent="0" algn="ctr" defTabSz="685983" rtl="0" eaLnBrk="1" latinLnBrk="0" hangingPunct="1">
-              <a:lnSpc>
-                <a:spcPct val="90000"/>
-              </a:lnSpc>
-              <a:spcBef>
-                <a:spcPts val="450"/>
-              </a:spcBef>
-              <a:buClr>
-                <a:schemeClr val="accent1"/>
-              </a:buClr>
-              <a:buSzPct val="100000"/>
-              <a:buFont typeface="Arial" pitchFamily="34" charset="0"/>
-              <a:buNone/>
-              <a:defRPr sz="1350" kern="1200">
-                <a:solidFill>
-                  <a:schemeClr val="tx1">
-                    <a:tint val="75000"/>
-                  </a:schemeClr>
-                </a:solidFill>
-                <a:latin typeface="+mn-lt"/>
-                <a:ea typeface="+mn-ea"/>
-                <a:cs typeface="+mn-cs"/>
-              </a:defRPr>
-            </a:lvl3pPr>
-            <a:lvl4pPr marL="1028974" indent="0" algn="ctr" defTabSz="685983" rtl="0" eaLnBrk="1" latinLnBrk="0" hangingPunct="1">
-              <a:lnSpc>
-                <a:spcPct val="90000"/>
-              </a:lnSpc>
-              <a:spcBef>
-                <a:spcPts val="450"/>
-              </a:spcBef>
-              <a:buClr>
-                <a:schemeClr val="accent1"/>
-              </a:buClr>
-              <a:buSzPct val="100000"/>
-              <a:buFont typeface="Arial" pitchFamily="34" charset="0"/>
-              <a:buNone/>
-              <a:defRPr sz="1200" kern="1200">
-                <a:solidFill>
-                  <a:schemeClr val="tx1">
-                    <a:tint val="75000"/>
-                  </a:schemeClr>
-                </a:solidFill>
-                <a:latin typeface="+mn-lt"/>
-                <a:ea typeface="+mn-ea"/>
-                <a:cs typeface="+mn-cs"/>
-              </a:defRPr>
-            </a:lvl4pPr>
-            <a:lvl5pPr marL="1371966" indent="0" algn="ctr" defTabSz="685983" rtl="0" eaLnBrk="1" latinLnBrk="0" hangingPunct="1">
-              <a:lnSpc>
-                <a:spcPct val="90000"/>
-              </a:lnSpc>
-              <a:spcBef>
-                <a:spcPts val="450"/>
-              </a:spcBef>
-              <a:buClr>
-                <a:schemeClr val="accent1"/>
-              </a:buClr>
-              <a:buSzPct val="100000"/>
-              <a:buFont typeface="Arial" pitchFamily="34" charset="0"/>
-              <a:buNone/>
-              <a:defRPr sz="1200" kern="1200">
-                <a:solidFill>
-                  <a:schemeClr val="tx1">
-                    <a:tint val="75000"/>
-                  </a:schemeClr>
-                </a:solidFill>
-                <a:latin typeface="+mn-lt"/>
-                <a:ea typeface="+mn-ea"/>
-                <a:cs typeface="+mn-cs"/>
-              </a:defRPr>
-            </a:lvl5pPr>
-            <a:lvl6pPr marL="1714957" indent="0" algn="ctr" defTabSz="685983" rtl="0" eaLnBrk="1" latinLnBrk="0" hangingPunct="1">
-              <a:spcBef>
-                <a:spcPts val="450"/>
-              </a:spcBef>
-              <a:buClr>
-                <a:schemeClr val="accent1"/>
-              </a:buClr>
-              <a:buFont typeface="Arial" pitchFamily="34" charset="0"/>
-              <a:buNone/>
-              <a:defRPr sz="1200" kern="1200">
-                <a:solidFill>
-                  <a:schemeClr val="tx1">
-                    <a:tint val="75000"/>
-                  </a:schemeClr>
-                </a:solidFill>
-                <a:latin typeface="+mn-lt"/>
-                <a:ea typeface="+mn-ea"/>
-                <a:cs typeface="+mn-cs"/>
-              </a:defRPr>
-            </a:lvl6pPr>
-            <a:lvl7pPr marL="2057949" indent="0" algn="ctr" defTabSz="685983" rtl="0" eaLnBrk="1" latinLnBrk="0" hangingPunct="1">
-              <a:spcBef>
-                <a:spcPts val="450"/>
-              </a:spcBef>
-              <a:buClr>
-                <a:schemeClr val="accent1"/>
-              </a:buClr>
-              <a:buFont typeface="Arial" pitchFamily="34" charset="0"/>
-              <a:buNone/>
-              <a:defRPr sz="1200" kern="1200">
-                <a:solidFill>
-                  <a:schemeClr val="tx1">
-                    <a:tint val="75000"/>
-                  </a:schemeClr>
-                </a:solidFill>
-                <a:latin typeface="+mn-lt"/>
-                <a:ea typeface="+mn-ea"/>
-                <a:cs typeface="+mn-cs"/>
-              </a:defRPr>
-            </a:lvl7pPr>
-            <a:lvl8pPr marL="2400940" indent="0" algn="ctr" defTabSz="685983" rtl="0" eaLnBrk="1" latinLnBrk="0" hangingPunct="1">
-              <a:spcBef>
-                <a:spcPts val="450"/>
-              </a:spcBef>
-              <a:buClr>
-                <a:schemeClr val="accent1"/>
-              </a:buClr>
-              <a:buFont typeface="Arial" pitchFamily="34" charset="0"/>
-              <a:buNone/>
-              <a:defRPr sz="1200" kern="1200">
-                <a:solidFill>
-                  <a:schemeClr val="tx1">
-                    <a:tint val="75000"/>
-                  </a:schemeClr>
-                </a:solidFill>
-                <a:latin typeface="+mn-lt"/>
-                <a:ea typeface="+mn-ea"/>
-                <a:cs typeface="+mn-cs"/>
-              </a:defRPr>
-            </a:lvl8pPr>
-            <a:lvl9pPr marL="2743932" indent="0" algn="ctr" defTabSz="685983" rtl="0" eaLnBrk="1" latinLnBrk="0" hangingPunct="1">
-              <a:spcBef>
-                <a:spcPts val="450"/>
-              </a:spcBef>
-              <a:buClr>
-                <a:schemeClr val="accent1"/>
-              </a:buClr>
-              <a:buFont typeface="Arial" pitchFamily="34" charset="0"/>
-              <a:buNone/>
-              <a:defRPr sz="1200" kern="1200">
-                <a:solidFill>
-                  <a:schemeClr val="tx1">
-                    <a:tint val="75000"/>
-                  </a:schemeClr>
-                </a:solidFill>
-                <a:latin typeface="+mn-lt"/>
-                <a:ea typeface="+mn-ea"/>
-                <a:cs typeface="+mn-cs"/>
-              </a:defRPr>
-            </a:lvl9pPr>
-          </a:lstStyle>
-          <a:p>
-            <a:r>
-              <a:rPr lang="it-IT" sz="1400" dirty="0">
-                <a:solidFill>
-                  <a:schemeClr val="tx2"/>
-                </a:solidFill>
-                <a:effectLst>
-                  <a:outerShdw blurRad="38100" dist="38100" dir="2700000" algn="tl">
-                    <a:srgbClr val="000000">
-                      <a:alpha val="43137"/>
-                    </a:srgbClr>
-                  </a:outerShdw>
-                </a:effectLst>
-                <a:latin typeface="+mj-lt"/>
-              </a:rPr>
-              <a:t>Reactive streams meEt coroutines</a:t>
-            </a:r>
-          </a:p>
-        </p:txBody>
-      </p:sp>
-      <p:grpSp>
-        <p:nvGrpSpPr>
-          <p:cNvPr id="10" name="Group 9"/>
-          <p:cNvGrpSpPr/>
-          <p:nvPr/>
-        </p:nvGrpSpPr>
-        <p:grpSpPr>
-          <a:xfrm>
-            <a:off x="2514600" y="1053996"/>
-            <a:ext cx="5205164" cy="1860761"/>
-            <a:chOff x="990600" y="1148209"/>
-            <a:chExt cx="5205164" cy="1860761"/>
-          </a:xfrm>
-        </p:grpSpPr>
-        <p:sp>
-          <p:nvSpPr>
-            <p:cNvPr id="4" name="Rectangle 3"/>
-            <p:cNvSpPr/>
-            <p:nvPr/>
-          </p:nvSpPr>
-          <p:spPr>
-            <a:xfrm>
-              <a:off x="2743200" y="1193088"/>
-              <a:ext cx="3452564" cy="1815882"/>
-            </a:xfrm>
-            <a:prstGeom prst="rect">
-              <a:avLst/>
-            </a:prstGeom>
-            <a:effectLst>
-              <a:glow rad="63500">
-                <a:schemeClr val="accent1">
-                  <a:satMod val="175000"/>
-                  <a:alpha val="40000"/>
-                </a:schemeClr>
-              </a:glow>
-              <a:outerShdw blurRad="50800" dist="38100" dir="2700000" algn="tl" rotWithShape="0">
-                <a:prstClr val="black">
-                  <a:alpha val="40000"/>
-                </a:prstClr>
-              </a:outerShdw>
-            </a:effectLst>
-          </p:spPr>
-          <p:style>
-            <a:lnRef idx="2">
-              <a:schemeClr val="accent1"/>
-            </a:lnRef>
-            <a:fillRef idx="1">
-              <a:schemeClr val="lt1"/>
-            </a:fillRef>
-            <a:effectRef idx="0">
-              <a:schemeClr val="accent1"/>
-            </a:effectRef>
-            <a:fontRef idx="minor">
-              <a:schemeClr val="dk1"/>
-            </a:fontRef>
-          </p:style>
-          <p:txBody>
-            <a:bodyPr wrap="square">
-              <a:spAutoFit/>
-            </a:bodyPr>
-            <a:lstStyle/>
-            <a:p>
-              <a:r>
-                <a:rPr lang="en-US" sz="1400" dirty="0" err="1">
-                  <a:solidFill>
-                    <a:srgbClr val="216F85"/>
-                  </a:solidFill>
-                  <a:highlight>
-                    <a:srgbClr val="FFFFFF"/>
-                  </a:highlight>
-                  <a:latin typeface="Consolas" panose="020B0609020204030204" pitchFamily="49" charset="0"/>
-                  <a:ea typeface="Calibri" panose="020F0502020204030204" pitchFamily="34" charset="0"/>
-                </a:rPr>
-                <a:t>async_stream</a:t>
-              </a:r>
-              <a:r>
-                <a:rPr lang="en-US" sz="1400" dirty="0">
-                  <a:solidFill>
-                    <a:srgbClr val="000000"/>
-                  </a:solidFill>
-                  <a:highlight>
-                    <a:srgbClr val="FFFFFF"/>
-                  </a:highlight>
-                  <a:latin typeface="Consolas" panose="020B0609020204030204" pitchFamily="49" charset="0"/>
-                </a:rPr>
-                <a:t>&lt;</a:t>
-              </a:r>
-              <a:r>
-                <a:rPr lang="en-US" sz="1400" dirty="0">
-                  <a:solidFill>
-                    <a:srgbClr val="0000FF"/>
-                  </a:solidFill>
-                  <a:highlight>
-                    <a:srgbClr val="FFFFFF"/>
-                  </a:highlight>
-                  <a:latin typeface="Consolas" panose="020B0609020204030204" pitchFamily="49" charset="0"/>
-                </a:rPr>
-                <a:t>int</a:t>
-              </a:r>
-              <a:r>
-                <a:rPr lang="en-US" sz="1400" dirty="0">
-                  <a:solidFill>
-                    <a:srgbClr val="000000"/>
-                  </a:solidFill>
-                  <a:highlight>
-                    <a:srgbClr val="FFFFFF"/>
-                  </a:highlight>
-                  <a:latin typeface="Consolas" panose="020B0609020204030204" pitchFamily="49" charset="0"/>
-                </a:rPr>
-                <a:t>&gt; </a:t>
-              </a:r>
-              <a:r>
-                <a:rPr lang="en-US" sz="1400" dirty="0">
-                  <a:solidFill>
-                    <a:srgbClr val="880000"/>
-                  </a:solidFill>
-                  <a:highlight>
-                    <a:srgbClr val="FFFFFF"/>
-                  </a:highlight>
-                  <a:latin typeface="Consolas" panose="020B0609020204030204" pitchFamily="49" charset="0"/>
-                </a:rPr>
-                <a:t>Ticks</a:t>
-              </a:r>
-              <a:r>
-                <a:rPr lang="en-US" sz="1400" dirty="0">
-                  <a:solidFill>
-                    <a:srgbClr val="000000"/>
-                  </a:solidFill>
-                  <a:highlight>
-                    <a:srgbClr val="FFFFFF"/>
-                  </a:highlight>
-                  <a:latin typeface="Consolas" panose="020B0609020204030204" pitchFamily="49" charset="0"/>
-                </a:rPr>
-                <a:t>() </a:t>
-              </a:r>
-            </a:p>
-            <a:p>
-              <a:r>
-                <a:rPr lang="en-US" sz="1400" dirty="0">
-                  <a:solidFill>
-                    <a:srgbClr val="000000"/>
-                  </a:solidFill>
-                  <a:highlight>
-                    <a:srgbClr val="FFFFFF"/>
-                  </a:highlight>
-                  <a:latin typeface="Consolas" panose="020B0609020204030204" pitchFamily="49" charset="0"/>
-                </a:rPr>
-                <a:t>{</a:t>
-              </a:r>
-            </a:p>
-            <a:p>
-              <a:r>
-                <a:rPr lang="en-US" sz="1400" dirty="0">
-                  <a:solidFill>
-                    <a:srgbClr val="000000"/>
-                  </a:solidFill>
-                  <a:highlight>
-                    <a:srgbClr val="FFFFFF"/>
-                  </a:highlight>
-                  <a:latin typeface="Consolas" panose="020B0609020204030204" pitchFamily="49" charset="0"/>
-                </a:rPr>
-                <a:t>    </a:t>
-              </a:r>
-              <a:r>
-                <a:rPr lang="en-US" sz="1400" dirty="0">
-                  <a:solidFill>
-                    <a:srgbClr val="0000FF"/>
-                  </a:solidFill>
-                  <a:highlight>
-                    <a:srgbClr val="FFFFFF"/>
-                  </a:highlight>
-                  <a:latin typeface="Consolas" panose="020B0609020204030204" pitchFamily="49" charset="0"/>
-                </a:rPr>
-                <a:t>for</a:t>
-              </a:r>
-              <a:r>
-                <a:rPr lang="en-US" sz="1400" dirty="0">
-                  <a:solidFill>
-                    <a:srgbClr val="000000"/>
-                  </a:solidFill>
-                  <a:highlight>
-                    <a:srgbClr val="FFFFFF"/>
-                  </a:highlight>
-                  <a:latin typeface="Consolas" panose="020B0609020204030204" pitchFamily="49" charset="0"/>
-                </a:rPr>
-                <a:t> (</a:t>
-              </a:r>
-              <a:r>
-                <a:rPr lang="en-US" sz="1400" dirty="0">
-                  <a:solidFill>
-                    <a:srgbClr val="0000FF"/>
-                  </a:solidFill>
-                  <a:highlight>
-                    <a:srgbClr val="FFFFFF"/>
-                  </a:highlight>
-                  <a:latin typeface="Consolas" panose="020B0609020204030204" pitchFamily="49" charset="0"/>
-                </a:rPr>
-                <a:t>int</a:t>
-              </a:r>
-              <a:r>
-                <a:rPr lang="en-US" sz="1400" dirty="0">
-                  <a:solidFill>
-                    <a:srgbClr val="000000"/>
-                  </a:solidFill>
-                  <a:highlight>
-                    <a:srgbClr val="FFFFFF"/>
-                  </a:highlight>
-                  <a:latin typeface="Consolas" panose="020B0609020204030204" pitchFamily="49" charset="0"/>
-                </a:rPr>
-                <a:t> </a:t>
-              </a:r>
-              <a:r>
-                <a:rPr lang="en-US" sz="1400" dirty="0">
-                  <a:solidFill>
-                    <a:srgbClr val="000080"/>
-                  </a:solidFill>
-                  <a:highlight>
-                    <a:srgbClr val="FFFFFF"/>
-                  </a:highlight>
-                  <a:latin typeface="Consolas" panose="020B0609020204030204" pitchFamily="49" charset="0"/>
-                </a:rPr>
-                <a:t>tick</a:t>
-              </a:r>
-              <a:r>
-                <a:rPr lang="en-US" sz="1400" dirty="0">
-                  <a:solidFill>
-                    <a:srgbClr val="000000"/>
-                  </a:solidFill>
-                  <a:highlight>
-                    <a:srgbClr val="FFFFFF"/>
-                  </a:highlight>
-                  <a:latin typeface="Consolas" panose="020B0609020204030204" pitchFamily="49" charset="0"/>
-                </a:rPr>
-                <a:t> = 0;; ++</a:t>
-              </a:r>
-              <a:r>
-                <a:rPr lang="en-US" sz="1400" dirty="0">
-                  <a:solidFill>
-                    <a:srgbClr val="000080"/>
-                  </a:solidFill>
-                  <a:highlight>
-                    <a:srgbClr val="FFFFFF"/>
-                  </a:highlight>
-                  <a:latin typeface="Consolas" panose="020B0609020204030204" pitchFamily="49" charset="0"/>
-                </a:rPr>
-                <a:t>tick</a:t>
-              </a:r>
-              <a:r>
-                <a:rPr lang="en-US" sz="1400" dirty="0">
-                  <a:solidFill>
-                    <a:srgbClr val="000000"/>
-                  </a:solidFill>
-                  <a:highlight>
-                    <a:srgbClr val="FFFFFF"/>
-                  </a:highlight>
-                  <a:latin typeface="Consolas" panose="020B0609020204030204" pitchFamily="49" charset="0"/>
-                </a:rPr>
-                <a:t>)</a:t>
-              </a:r>
-            </a:p>
-            <a:p>
-              <a:r>
-                <a:rPr lang="en-US" sz="1400" dirty="0">
-                  <a:solidFill>
-                    <a:srgbClr val="000000"/>
-                  </a:solidFill>
-                  <a:highlight>
-                    <a:srgbClr val="FFFFFF"/>
-                  </a:highlight>
-                  <a:latin typeface="Consolas" panose="020B0609020204030204" pitchFamily="49" charset="0"/>
-                </a:rPr>
-                <a:t>    {</a:t>
-              </a:r>
-            </a:p>
-            <a:p>
-              <a:r>
-                <a:rPr lang="en-US" sz="1400" dirty="0">
-                  <a:solidFill>
-                    <a:srgbClr val="0000FF"/>
-                  </a:solidFill>
-                  <a:highlight>
-                    <a:srgbClr val="FFFFFF"/>
-                  </a:highlight>
-                  <a:latin typeface="Consolas" panose="020B0609020204030204" pitchFamily="49" charset="0"/>
-                </a:rPr>
-                <a:t>        </a:t>
-              </a:r>
-              <a:r>
-                <a:rPr lang="en-US" sz="1400" dirty="0" err="1">
-                  <a:solidFill>
-                    <a:srgbClr val="0000FF"/>
-                  </a:solidFill>
-                  <a:highlight>
-                    <a:srgbClr val="FFFFFF"/>
-                  </a:highlight>
-                  <a:latin typeface="Consolas" panose="020B0609020204030204" pitchFamily="49" charset="0"/>
-                </a:rPr>
-                <a:t>co_yield</a:t>
-              </a:r>
-              <a:r>
-                <a:rPr lang="en-US" sz="1400" dirty="0">
-                  <a:solidFill>
-                    <a:srgbClr val="000000"/>
-                  </a:solidFill>
-                  <a:highlight>
-                    <a:srgbClr val="FFFFFF"/>
-                  </a:highlight>
-                  <a:latin typeface="Consolas" panose="020B0609020204030204" pitchFamily="49" charset="0"/>
-                </a:rPr>
-                <a:t> </a:t>
-              </a:r>
-              <a:r>
-                <a:rPr lang="en-US" sz="1400" dirty="0">
-                  <a:solidFill>
-                    <a:srgbClr val="000080"/>
-                  </a:solidFill>
-                  <a:highlight>
-                    <a:srgbClr val="FFFFFF"/>
-                  </a:highlight>
-                  <a:latin typeface="Consolas" panose="020B0609020204030204" pitchFamily="49" charset="0"/>
-                </a:rPr>
-                <a:t>tick</a:t>
-              </a:r>
-              <a:r>
-                <a:rPr lang="en-US" sz="1400" dirty="0">
-                  <a:solidFill>
-                    <a:srgbClr val="000000"/>
-                  </a:solidFill>
-                  <a:highlight>
-                    <a:srgbClr val="FFFFFF"/>
-                  </a:highlight>
-                  <a:latin typeface="Consolas" panose="020B0609020204030204" pitchFamily="49" charset="0"/>
-                </a:rPr>
-                <a:t>;</a:t>
-              </a:r>
-            </a:p>
-            <a:p>
-              <a:r>
-                <a:rPr lang="en-US" sz="1400" dirty="0">
-                  <a:solidFill>
-                    <a:srgbClr val="0000FF"/>
-                  </a:solidFill>
-                  <a:highlight>
-                    <a:srgbClr val="FFFFFF"/>
-                  </a:highlight>
-                  <a:latin typeface="Consolas" panose="020B0609020204030204" pitchFamily="49" charset="0"/>
-                </a:rPr>
-                <a:t>        </a:t>
-              </a:r>
-              <a:r>
-                <a:rPr lang="en-US" sz="1400" dirty="0" err="1">
-                  <a:solidFill>
-                    <a:srgbClr val="0000FF"/>
-                  </a:solidFill>
-                  <a:highlight>
-                    <a:srgbClr val="FFFFFF"/>
-                  </a:highlight>
-                  <a:latin typeface="Consolas" panose="020B0609020204030204" pitchFamily="49" charset="0"/>
-                </a:rPr>
-                <a:t>co_await</a:t>
-              </a:r>
-              <a:r>
-                <a:rPr lang="en-US" sz="1400" dirty="0">
-                  <a:solidFill>
-                    <a:srgbClr val="000000"/>
-                  </a:solidFill>
-                  <a:highlight>
-                    <a:srgbClr val="FFFFFF"/>
-                  </a:highlight>
-                  <a:latin typeface="Consolas" panose="020B0609020204030204" pitchFamily="49" charset="0"/>
-                </a:rPr>
-                <a:t> </a:t>
-              </a:r>
-              <a:r>
-                <a:rPr lang="en-US" sz="1400" dirty="0">
-                  <a:solidFill>
-                    <a:srgbClr val="000080"/>
-                  </a:solidFill>
-                  <a:highlight>
-                    <a:srgbClr val="FFFFFF"/>
-                  </a:highlight>
-                  <a:latin typeface="Consolas" panose="020B0609020204030204" pitchFamily="49" charset="0"/>
-                </a:rPr>
-                <a:t>sleep_for</a:t>
-              </a:r>
-              <a:r>
-                <a:rPr lang="en-US" sz="1400" dirty="0">
-                  <a:solidFill>
-                    <a:srgbClr val="000000"/>
-                  </a:solidFill>
-                  <a:highlight>
-                    <a:srgbClr val="FFFFFF"/>
-                  </a:highlight>
-                  <a:latin typeface="Consolas" panose="020B0609020204030204" pitchFamily="49" charset="0"/>
-                </a:rPr>
-                <a:t>(1ms);</a:t>
-              </a:r>
-            </a:p>
-            <a:p>
-              <a:r>
-                <a:rPr lang="en-US" sz="1400" dirty="0">
-                  <a:solidFill>
-                    <a:srgbClr val="000000"/>
-                  </a:solidFill>
-                  <a:highlight>
-                    <a:srgbClr val="FFFFFF"/>
-                  </a:highlight>
-                  <a:latin typeface="Consolas" panose="020B0609020204030204" pitchFamily="49" charset="0"/>
-                </a:rPr>
-                <a:t>    }</a:t>
-              </a:r>
-            </a:p>
-            <a:p>
-              <a:r>
-                <a:rPr lang="en-US" sz="1400" dirty="0">
-                  <a:solidFill>
-                    <a:srgbClr val="000000"/>
-                  </a:solidFill>
-                  <a:highlight>
-                    <a:srgbClr val="FFFFFF"/>
-                  </a:highlight>
-                  <a:latin typeface="Consolas" panose="020B0609020204030204" pitchFamily="49" charset="0"/>
-                </a:rPr>
-                <a:t>}</a:t>
-              </a:r>
-            </a:p>
-          </p:txBody>
-        </p:sp>
-        <p:sp>
-          <p:nvSpPr>
-            <p:cNvPr id="19" name="TextBox 18"/>
-            <p:cNvSpPr txBox="1"/>
-            <p:nvPr/>
-          </p:nvSpPr>
-          <p:spPr>
-            <a:xfrm>
-              <a:off x="990600" y="1491204"/>
-              <a:ext cx="1601993" cy="646331"/>
-            </a:xfrm>
-            <a:prstGeom prst="rect">
-              <a:avLst/>
-            </a:prstGeom>
-            <a:noFill/>
-          </p:spPr>
-          <p:txBody>
-            <a:bodyPr wrap="square" rtlCol="0">
-              <a:spAutoFit/>
-            </a:bodyPr>
-            <a:lstStyle/>
-            <a:p>
-              <a:pPr algn="r"/>
-              <a:r>
-                <a:rPr lang="en-US" dirty="0">
-                  <a:latin typeface="Agency FB" panose="020B0503020202020204" pitchFamily="34" charset="0"/>
-                </a:rPr>
-                <a:t>Produces 0.1.2.3…</a:t>
-              </a:r>
-            </a:p>
-            <a:p>
-              <a:pPr algn="r"/>
-              <a:r>
-                <a:rPr lang="en-US" dirty="0">
-                  <a:latin typeface="Agency FB" panose="020B0503020202020204" pitchFamily="34" charset="0"/>
-                </a:rPr>
-                <a:t>each 1ms</a:t>
-              </a:r>
-            </a:p>
-          </p:txBody>
-        </p:sp>
-        <p:sp>
-          <p:nvSpPr>
-            <p:cNvPr id="22" name="Rectangle 21"/>
-            <p:cNvSpPr/>
-            <p:nvPr/>
-          </p:nvSpPr>
-          <p:spPr>
-            <a:xfrm>
-              <a:off x="1755042" y="1148209"/>
-              <a:ext cx="848309" cy="369332"/>
-            </a:xfrm>
-            <a:prstGeom prst="rect">
-              <a:avLst/>
-            </a:prstGeom>
-          </p:spPr>
-          <p:txBody>
-            <a:bodyPr wrap="none">
-              <a:spAutoFit/>
-            </a:bodyPr>
-            <a:lstStyle/>
-            <a:p>
-              <a:r>
-                <a:rPr lang="it-IT" dirty="0">
-                  <a:solidFill>
-                    <a:schemeClr val="tx2"/>
-                  </a:solidFill>
-                  <a:effectLst>
-                    <a:outerShdw blurRad="38100" dist="38100" dir="2700000" algn="tl">
-                      <a:srgbClr val="000000">
-                        <a:alpha val="43137"/>
-                      </a:srgbClr>
-                    </a:outerShdw>
-                  </a:effectLst>
-                </a:rPr>
-                <a:t>Source</a:t>
-              </a:r>
-              <a:endParaRPr lang="en-US" dirty="0"/>
-            </a:p>
-          </p:txBody>
-        </p:sp>
-      </p:grpSp>
-      <p:grpSp>
-        <p:nvGrpSpPr>
-          <p:cNvPr id="12" name="Group 11"/>
-          <p:cNvGrpSpPr/>
-          <p:nvPr/>
-        </p:nvGrpSpPr>
-        <p:grpSpPr>
-          <a:xfrm>
-            <a:off x="1783080" y="2990834"/>
-            <a:ext cx="9064730" cy="1643630"/>
-            <a:chOff x="259080" y="3118300"/>
-            <a:chExt cx="9064730" cy="1643630"/>
-          </a:xfrm>
-        </p:grpSpPr>
-        <p:sp>
-          <p:nvSpPr>
-            <p:cNvPr id="11" name="Rectangle 10"/>
-            <p:cNvSpPr/>
-            <p:nvPr/>
-          </p:nvSpPr>
-          <p:spPr>
-            <a:xfrm>
-              <a:off x="2743200" y="3292165"/>
-              <a:ext cx="6580610" cy="1384995"/>
-            </a:xfrm>
-            <a:prstGeom prst="rect">
-              <a:avLst/>
-            </a:prstGeom>
-            <a:effectLst>
-              <a:glow rad="63500">
-                <a:schemeClr val="accent1">
-                  <a:satMod val="175000"/>
-                  <a:alpha val="40000"/>
-                </a:schemeClr>
-              </a:glow>
-              <a:outerShdw blurRad="50800" dist="38100" dir="2700000" algn="tl" rotWithShape="0">
-                <a:prstClr val="black">
-                  <a:alpha val="40000"/>
-                </a:prstClr>
-              </a:outerShdw>
-            </a:effectLst>
-          </p:spPr>
-          <p:style>
-            <a:lnRef idx="2">
-              <a:schemeClr val="accent1"/>
-            </a:lnRef>
-            <a:fillRef idx="1">
-              <a:schemeClr val="lt1"/>
-            </a:fillRef>
-            <a:effectRef idx="0">
-              <a:schemeClr val="accent1"/>
-            </a:effectRef>
-            <a:fontRef idx="minor">
-              <a:schemeClr val="dk1"/>
-            </a:fontRef>
-          </p:style>
-          <p:txBody>
-            <a:bodyPr wrap="square">
-              <a:spAutoFit/>
-            </a:bodyPr>
-            <a:lstStyle/>
-            <a:p>
-              <a:r>
-                <a:rPr lang="en-US" sz="1400" dirty="0">
-                  <a:solidFill>
-                    <a:srgbClr val="0000FF"/>
-                  </a:solidFill>
-                  <a:highlight>
-                    <a:srgbClr val="FFFFFF"/>
-                  </a:highlight>
-                  <a:latin typeface="Consolas" panose="020B0609020204030204" pitchFamily="49" charset="0"/>
-                </a:rPr>
-                <a:t>template</a:t>
-              </a:r>
-              <a:r>
-                <a:rPr lang="en-US" sz="1400" dirty="0">
-                  <a:solidFill>
-                    <a:srgbClr val="000000"/>
-                  </a:solidFill>
-                  <a:highlight>
-                    <a:srgbClr val="FFFFFF"/>
-                  </a:highlight>
-                  <a:latin typeface="Consolas" panose="020B0609020204030204" pitchFamily="49" charset="0"/>
-                </a:rPr>
-                <a:t>&lt;</a:t>
-              </a:r>
-              <a:r>
-                <a:rPr lang="en-US" sz="1400" dirty="0">
-                  <a:solidFill>
-                    <a:srgbClr val="0000FF"/>
-                  </a:solidFill>
-                  <a:highlight>
-                    <a:srgbClr val="FFFFFF"/>
-                  </a:highlight>
-                  <a:latin typeface="Consolas" panose="020B0609020204030204" pitchFamily="49" charset="0"/>
-                </a:rPr>
-                <a:t>class</a:t>
-              </a:r>
-              <a:r>
-                <a:rPr lang="en-US" sz="1400" dirty="0">
-                  <a:solidFill>
-                    <a:srgbClr val="000000"/>
-                  </a:solidFill>
-                  <a:highlight>
-                    <a:srgbClr val="FFFFFF"/>
-                  </a:highlight>
-                  <a:latin typeface="Consolas" panose="020B0609020204030204" pitchFamily="49" charset="0"/>
-                </a:rPr>
-                <a:t> </a:t>
-              </a:r>
-              <a:r>
-                <a:rPr lang="en-US" sz="1400" dirty="0">
-                  <a:solidFill>
-                    <a:srgbClr val="216F85"/>
-                  </a:solidFill>
-                  <a:highlight>
-                    <a:srgbClr val="FFFFFF"/>
-                  </a:highlight>
-                  <a:latin typeface="Consolas" panose="020B0609020204030204" pitchFamily="49" charset="0"/>
-                </a:rPr>
-                <a:t>T</a:t>
-              </a:r>
-              <a:r>
-                <a:rPr lang="en-US" sz="1400" dirty="0">
-                  <a:solidFill>
-                    <a:srgbClr val="000000"/>
-                  </a:solidFill>
-                  <a:highlight>
-                    <a:srgbClr val="FFFFFF"/>
-                  </a:highlight>
-                  <a:latin typeface="Consolas" panose="020B0609020204030204" pitchFamily="49" charset="0"/>
-                </a:rPr>
-                <a:t>&gt;</a:t>
-              </a:r>
-            </a:p>
-            <a:p>
-              <a:r>
-                <a:rPr lang="en-US" sz="1400" dirty="0">
-                  <a:solidFill>
-                    <a:srgbClr val="0000FF"/>
-                  </a:solidFill>
-                  <a:highlight>
-                    <a:srgbClr val="FFFFFF"/>
-                  </a:highlight>
-                  <a:latin typeface="Consolas" panose="020B0609020204030204" pitchFamily="49" charset="0"/>
-                </a:rPr>
-                <a:t>auto </a:t>
-              </a:r>
-              <a:r>
-                <a:rPr lang="en-US" sz="1400" dirty="0" err="1">
-                  <a:solidFill>
-                    <a:srgbClr val="880000"/>
-                  </a:solidFill>
-                  <a:highlight>
-                    <a:srgbClr val="FFFFFF"/>
-                  </a:highlight>
-                  <a:latin typeface="Consolas" panose="020B0609020204030204" pitchFamily="49" charset="0"/>
-                </a:rPr>
-                <a:t>AddTimestamp</a:t>
-              </a:r>
-              <a:r>
-                <a:rPr lang="en-US" sz="1400" dirty="0">
-                  <a:solidFill>
-                    <a:srgbClr val="000000"/>
-                  </a:solidFill>
-                  <a:highlight>
-                    <a:srgbClr val="FFFFFF"/>
-                  </a:highlight>
-                  <a:latin typeface="Consolas" panose="020B0609020204030204" pitchFamily="49" charset="0"/>
-                </a:rPr>
-                <a:t>(</a:t>
-              </a:r>
-              <a:r>
-                <a:rPr lang="en-US" sz="1400" dirty="0" err="1">
-                  <a:solidFill>
-                    <a:srgbClr val="216F85"/>
-                  </a:solidFill>
-                  <a:highlight>
-                    <a:srgbClr val="FFFFFF"/>
-                  </a:highlight>
-                  <a:latin typeface="Consolas" panose="020B0609020204030204" pitchFamily="49" charset="0"/>
-                  <a:ea typeface="Calibri" panose="020F0502020204030204" pitchFamily="34" charset="0"/>
-                </a:rPr>
-                <a:t>AsyncStream</a:t>
-              </a:r>
-              <a:r>
-                <a:rPr lang="en-US" sz="1400" dirty="0">
-                  <a:solidFill>
-                    <a:srgbClr val="000000"/>
-                  </a:solidFill>
-                  <a:highlight>
-                    <a:srgbClr val="FFFFFF"/>
-                  </a:highlight>
-                  <a:latin typeface="Consolas" panose="020B0609020204030204" pitchFamily="49" charset="0"/>
-                </a:rPr>
-                <a:t>&lt;</a:t>
-              </a:r>
-              <a:r>
-                <a:rPr lang="en-US" sz="1400" dirty="0">
-                  <a:solidFill>
-                    <a:srgbClr val="216F85"/>
-                  </a:solidFill>
-                  <a:highlight>
-                    <a:srgbClr val="FFFFFF"/>
-                  </a:highlight>
-                  <a:latin typeface="Consolas" panose="020B0609020204030204" pitchFamily="49" charset="0"/>
-                </a:rPr>
-                <a:t>T</a:t>
-              </a:r>
-              <a:r>
-                <a:rPr lang="en-US" sz="1400" dirty="0">
-                  <a:solidFill>
-                    <a:srgbClr val="000000"/>
-                  </a:solidFill>
-                  <a:highlight>
-                    <a:srgbClr val="FFFFFF"/>
-                  </a:highlight>
-                  <a:latin typeface="Consolas" panose="020B0609020204030204" pitchFamily="49" charset="0"/>
-                </a:rPr>
-                <a:t>&gt;&amp; </a:t>
-              </a:r>
-              <a:r>
-                <a:rPr lang="en-US" sz="1400" dirty="0">
-                  <a:solidFill>
-                    <a:srgbClr val="000080"/>
-                  </a:solidFill>
-                  <a:highlight>
-                    <a:srgbClr val="FFFFFF"/>
-                  </a:highlight>
-                  <a:latin typeface="Consolas" panose="020B0609020204030204" pitchFamily="49" charset="0"/>
-                </a:rPr>
-                <a:t>S</a:t>
-              </a:r>
-              <a:r>
-                <a:rPr lang="en-US" sz="1400" dirty="0">
-                  <a:solidFill>
-                    <a:srgbClr val="000000"/>
-                  </a:solidFill>
-                  <a:highlight>
-                    <a:srgbClr val="FFFFFF"/>
-                  </a:highlight>
-                  <a:latin typeface="Consolas" panose="020B0609020204030204" pitchFamily="49" charset="0"/>
-                </a:rPr>
-                <a:t>) </a:t>
-              </a:r>
-            </a:p>
-            <a:p>
-              <a:r>
-                <a:rPr lang="en-US" sz="1400" dirty="0">
-                  <a:solidFill>
-                    <a:srgbClr val="000000"/>
-                  </a:solidFill>
-                  <a:highlight>
-                    <a:srgbClr val="FFFFFF"/>
-                  </a:highlight>
-                  <a:latin typeface="Consolas" panose="020B0609020204030204" pitchFamily="49" charset="0"/>
-                </a:rPr>
-                <a:t>{</a:t>
-              </a:r>
-            </a:p>
-            <a:p>
-              <a:r>
-                <a:rPr lang="en-US" sz="1400" dirty="0">
-                  <a:solidFill>
-                    <a:srgbClr val="000000"/>
-                  </a:solidFill>
-                  <a:highlight>
-                    <a:srgbClr val="FFFFFF"/>
-                  </a:highlight>
-                  <a:latin typeface="Consolas" panose="020B0609020204030204" pitchFamily="49" charset="0"/>
-                </a:rPr>
-                <a:t>    </a:t>
-              </a:r>
-              <a:r>
-                <a:rPr lang="en-US" sz="1400" dirty="0">
-                  <a:solidFill>
-                    <a:srgbClr val="0000FF"/>
-                  </a:solidFill>
-                  <a:highlight>
-                    <a:srgbClr val="FFFFFF"/>
-                  </a:highlight>
-                  <a:latin typeface="Consolas" panose="020B0609020204030204" pitchFamily="49" charset="0"/>
-                </a:rPr>
-                <a:t>for</a:t>
-              </a:r>
-              <a:r>
-                <a:rPr lang="en-US" sz="1400" dirty="0">
-                  <a:solidFill>
-                    <a:srgbClr val="000000"/>
-                  </a:solidFill>
-                  <a:highlight>
-                    <a:srgbClr val="FFFFFF"/>
-                  </a:highlight>
-                  <a:latin typeface="Consolas" panose="020B0609020204030204" pitchFamily="49" charset="0"/>
-                </a:rPr>
-                <a:t> </a:t>
-              </a:r>
-              <a:r>
-                <a:rPr lang="en-US" sz="1400" dirty="0">
-                  <a:solidFill>
-                    <a:srgbClr val="0000FF"/>
-                  </a:solidFill>
-                  <a:highlight>
-                    <a:srgbClr val="FFFFFF"/>
-                  </a:highlight>
-                  <a:latin typeface="Consolas" panose="020B0609020204030204" pitchFamily="49" charset="0"/>
-                </a:rPr>
-                <a:t>await</a:t>
-              </a:r>
-              <a:r>
-                <a:rPr lang="en-US" sz="1400" dirty="0">
-                  <a:solidFill>
-                    <a:srgbClr val="000000"/>
-                  </a:solidFill>
-                  <a:highlight>
-                    <a:srgbClr val="FFFFFF"/>
-                  </a:highlight>
-                  <a:latin typeface="Consolas" panose="020B0609020204030204" pitchFamily="49" charset="0"/>
-                </a:rPr>
-                <a:t>(</a:t>
-              </a:r>
-              <a:r>
-                <a:rPr lang="en-US" sz="1400" dirty="0">
-                  <a:solidFill>
-                    <a:srgbClr val="0000FF"/>
-                  </a:solidFill>
-                  <a:highlight>
-                    <a:srgbClr val="FFFFFF"/>
-                  </a:highlight>
-                  <a:latin typeface="Consolas" panose="020B0609020204030204" pitchFamily="49" charset="0"/>
-                </a:rPr>
-                <a:t>auto</a:t>
-              </a:r>
-              <a:r>
-                <a:rPr lang="en-US" sz="1400" dirty="0">
-                  <a:solidFill>
-                    <a:srgbClr val="000080"/>
-                  </a:solidFill>
-                  <a:highlight>
-                    <a:srgbClr val="FFFFFF"/>
-                  </a:highlight>
-                  <a:latin typeface="Consolas" panose="020B0609020204030204" pitchFamily="49" charset="0"/>
-                </a:rPr>
-                <a:t>&amp;&amp; v</a:t>
-              </a:r>
-              <a:r>
-                <a:rPr lang="en-US" sz="1400" dirty="0">
-                  <a:solidFill>
-                    <a:srgbClr val="000000"/>
-                  </a:solidFill>
-                  <a:highlight>
-                    <a:srgbClr val="FFFFFF"/>
-                  </a:highlight>
-                  <a:latin typeface="Consolas" panose="020B0609020204030204" pitchFamily="49" charset="0"/>
-                </a:rPr>
-                <a:t>: </a:t>
-              </a:r>
-              <a:r>
-                <a:rPr lang="en-US" sz="1400" dirty="0">
-                  <a:solidFill>
-                    <a:srgbClr val="000080"/>
-                  </a:solidFill>
-                  <a:highlight>
-                    <a:srgbClr val="FFFFFF"/>
-                  </a:highlight>
-                  <a:latin typeface="Consolas" panose="020B0609020204030204" pitchFamily="49" charset="0"/>
-                </a:rPr>
-                <a:t>S</a:t>
-              </a:r>
-              <a:r>
-                <a:rPr lang="en-US" sz="1400" dirty="0">
-                  <a:solidFill>
-                    <a:srgbClr val="000000"/>
-                  </a:solidFill>
-                  <a:highlight>
-                    <a:srgbClr val="FFFFFF"/>
-                  </a:highlight>
-                  <a:latin typeface="Consolas" panose="020B0609020204030204" pitchFamily="49" charset="0"/>
-                </a:rPr>
-                <a:t>)</a:t>
-              </a:r>
-              <a:br>
-                <a:rPr lang="en-US" sz="1400" dirty="0">
-                  <a:solidFill>
-                    <a:srgbClr val="000000"/>
-                  </a:solidFill>
-                  <a:highlight>
-                    <a:srgbClr val="FFFFFF"/>
-                  </a:highlight>
-                  <a:latin typeface="Consolas" panose="020B0609020204030204" pitchFamily="49" charset="0"/>
-                </a:rPr>
-              </a:br>
-              <a:r>
-                <a:rPr lang="en-US" sz="1400" dirty="0">
-                  <a:solidFill>
-                    <a:srgbClr val="000000"/>
-                  </a:solidFill>
-                  <a:highlight>
-                    <a:srgbClr val="FFFFFF"/>
-                  </a:highlight>
-                  <a:latin typeface="Consolas" panose="020B0609020204030204" pitchFamily="49" charset="0"/>
-                </a:rPr>
-                <a:t>        </a:t>
-              </a:r>
-              <a:r>
-                <a:rPr lang="en-US" sz="1400" dirty="0" err="1">
-                  <a:solidFill>
-                    <a:srgbClr val="0000FF"/>
-                  </a:solidFill>
-                  <a:highlight>
-                    <a:srgbClr val="FFFFFF"/>
-                  </a:highlight>
-                  <a:latin typeface="Consolas" panose="020B0609020204030204" pitchFamily="49" charset="0"/>
-                </a:rPr>
-                <a:t>co_yield</a:t>
-              </a:r>
-              <a:r>
-                <a:rPr lang="en-US" sz="1400" dirty="0">
-                  <a:solidFill>
-                    <a:srgbClr val="0000FF"/>
-                  </a:solidFill>
-                  <a:highlight>
-                    <a:srgbClr val="FFFFFF"/>
-                  </a:highlight>
-                  <a:latin typeface="Consolas" panose="020B0609020204030204" pitchFamily="49" charset="0"/>
-                </a:rPr>
-                <a:t> </a:t>
-              </a:r>
-              <a:r>
-                <a:rPr lang="en-US" sz="1400" dirty="0" err="1">
-                  <a:solidFill>
-                    <a:srgbClr val="000000"/>
-                  </a:solidFill>
-                  <a:highlight>
-                    <a:srgbClr val="FFFFFF"/>
-                  </a:highlight>
-                  <a:latin typeface="Consolas" panose="020B0609020204030204" pitchFamily="49" charset="0"/>
-                </a:rPr>
-                <a:t>make_pair</a:t>
-              </a:r>
-              <a:r>
-                <a:rPr lang="en-US" sz="1400" dirty="0">
-                  <a:solidFill>
-                    <a:srgbClr val="000000"/>
-                  </a:solidFill>
-                  <a:highlight>
-                    <a:srgbClr val="FFFFFF"/>
-                  </a:highlight>
-                  <a:latin typeface="Consolas" panose="020B0609020204030204" pitchFamily="49" charset="0"/>
-                </a:rPr>
-                <a:t>(</a:t>
-              </a:r>
-              <a:r>
-                <a:rPr lang="en-US" sz="1400" dirty="0" err="1">
-                  <a:solidFill>
-                    <a:srgbClr val="000080"/>
-                  </a:solidFill>
-                  <a:highlight>
-                    <a:srgbClr val="FFFFFF"/>
-                  </a:highlight>
-                  <a:latin typeface="Consolas" panose="020B0609020204030204" pitchFamily="49" charset="0"/>
-                </a:rPr>
-                <a:t>v</a:t>
-              </a:r>
-              <a:r>
-                <a:rPr lang="en-US" sz="1400" dirty="0" err="1">
-                  <a:solidFill>
-                    <a:srgbClr val="000000"/>
-                  </a:solidFill>
-                  <a:highlight>
-                    <a:srgbClr val="FFFFFF"/>
-                  </a:highlight>
-                  <a:latin typeface="Consolas" panose="020B0609020204030204" pitchFamily="49" charset="0"/>
-                </a:rPr>
-                <a:t>,</a:t>
-              </a:r>
-              <a:r>
-                <a:rPr lang="en-US" sz="1400" dirty="0" err="1">
-                  <a:solidFill>
-                    <a:srgbClr val="216F85"/>
-                  </a:solidFill>
-                  <a:highlight>
-                    <a:srgbClr val="FFFFFF"/>
-                  </a:highlight>
-                  <a:latin typeface="Consolas" panose="020B0609020204030204" pitchFamily="49" charset="0"/>
-                </a:rPr>
-                <a:t>system_clock</a:t>
-              </a:r>
-              <a:r>
-                <a:rPr lang="en-US" sz="1400" dirty="0">
-                  <a:solidFill>
-                    <a:srgbClr val="000000"/>
-                  </a:solidFill>
-                  <a:highlight>
-                    <a:srgbClr val="FFFFFF"/>
-                  </a:highlight>
-                  <a:latin typeface="Consolas" panose="020B0609020204030204" pitchFamily="49" charset="0"/>
-                </a:rPr>
-                <a:t>::</a:t>
-              </a:r>
-              <a:r>
-                <a:rPr lang="en-US" sz="1400" dirty="0">
-                  <a:solidFill>
-                    <a:srgbClr val="880000"/>
-                  </a:solidFill>
-                  <a:highlight>
-                    <a:srgbClr val="FFFFFF"/>
-                  </a:highlight>
-                  <a:latin typeface="Consolas" panose="020B0609020204030204" pitchFamily="49" charset="0"/>
-                </a:rPr>
-                <a:t>now</a:t>
-              </a:r>
-              <a:r>
-                <a:rPr lang="en-US" sz="1400" dirty="0">
-                  <a:solidFill>
-                    <a:srgbClr val="000000"/>
-                  </a:solidFill>
-                  <a:highlight>
-                    <a:srgbClr val="FFFFFF"/>
-                  </a:highlight>
-                  <a:latin typeface="Consolas" panose="020B0609020204030204" pitchFamily="49" charset="0"/>
-                </a:rPr>
-                <a:t>());</a:t>
-              </a:r>
-            </a:p>
-            <a:p>
-              <a:r>
-                <a:rPr lang="en-US" sz="1400" dirty="0">
-                  <a:solidFill>
-                    <a:srgbClr val="000000"/>
-                  </a:solidFill>
-                  <a:highlight>
-                    <a:srgbClr val="FFFFFF"/>
-                  </a:highlight>
-                  <a:latin typeface="Consolas" panose="020B0609020204030204" pitchFamily="49" charset="0"/>
-                </a:rPr>
-                <a:t>}</a:t>
-              </a:r>
-            </a:p>
-          </p:txBody>
-        </p:sp>
-        <p:sp>
-          <p:nvSpPr>
-            <p:cNvPr id="20" name="TextBox 19"/>
-            <p:cNvSpPr txBox="1"/>
-            <p:nvPr/>
-          </p:nvSpPr>
-          <p:spPr>
-            <a:xfrm>
-              <a:off x="259080" y="3438491"/>
-              <a:ext cx="2362200" cy="1323439"/>
-            </a:xfrm>
-            <a:prstGeom prst="rect">
-              <a:avLst/>
-            </a:prstGeom>
-            <a:noFill/>
-          </p:spPr>
-          <p:txBody>
-            <a:bodyPr wrap="square" rtlCol="0">
-              <a:spAutoFit/>
-            </a:bodyPr>
-            <a:lstStyle/>
-            <a:p>
-              <a:pPr algn="r"/>
-              <a:r>
-                <a:rPr lang="en-US" sz="1600" dirty="0">
-                  <a:latin typeface="Agency FB" panose="020B0503020202020204" pitchFamily="34" charset="0"/>
-                </a:rPr>
-                <a:t>Transforms stream of v</a:t>
-              </a:r>
-              <a:r>
-                <a:rPr lang="en-US" sz="1600" baseline="-25000" dirty="0">
-                  <a:latin typeface="Agency FB" panose="020B0503020202020204" pitchFamily="34" charset="0"/>
-                </a:rPr>
-                <a:t>1</a:t>
-              </a:r>
-              <a:r>
-                <a:rPr lang="en-US" sz="1600" dirty="0">
-                  <a:latin typeface="Agency FB" panose="020B0503020202020204" pitchFamily="34" charset="0"/>
-                </a:rPr>
-                <a:t>.v</a:t>
-              </a:r>
-              <a:r>
-                <a:rPr lang="en-US" sz="1600" baseline="-25000" dirty="0">
-                  <a:latin typeface="Agency FB" panose="020B0503020202020204" pitchFamily="34" charset="0"/>
-                </a:rPr>
-                <a:t>2</a:t>
-              </a:r>
-              <a:r>
-                <a:rPr lang="en-US" sz="1600" dirty="0">
-                  <a:latin typeface="Agency FB" panose="020B0503020202020204" pitchFamily="34" charset="0"/>
-                </a:rPr>
-                <a:t>.v</a:t>
-              </a:r>
-              <a:r>
-                <a:rPr lang="en-US" sz="1600" baseline="-25000" dirty="0">
-                  <a:latin typeface="Agency FB" panose="020B0503020202020204" pitchFamily="34" charset="0"/>
-                </a:rPr>
-                <a:t>3</a:t>
-              </a:r>
-              <a:r>
-                <a:rPr lang="en-US" sz="1600" dirty="0">
-                  <a:latin typeface="Agency FB" panose="020B0503020202020204" pitchFamily="34" charset="0"/>
-                </a:rPr>
-                <a:t>…</a:t>
-              </a:r>
-            </a:p>
-            <a:p>
-              <a:pPr algn="r"/>
-              <a:r>
-                <a:rPr lang="en-US" sz="1600" dirty="0">
-                  <a:latin typeface="Agency FB" panose="020B0503020202020204" pitchFamily="34" charset="0"/>
-                </a:rPr>
-                <a:t>into a stream of</a:t>
-              </a:r>
-            </a:p>
-            <a:p>
-              <a:pPr algn="r"/>
-              <a:r>
-                <a:rPr lang="en-US" sz="1600" dirty="0">
-                  <a:latin typeface="Agency FB" panose="020B0503020202020204" pitchFamily="34" charset="0"/>
-                </a:rPr>
-                <a:t>(v</a:t>
-              </a:r>
-              <a:r>
-                <a:rPr lang="en-US" sz="1600" baseline="-25000" dirty="0">
-                  <a:latin typeface="Agency FB" panose="020B0503020202020204" pitchFamily="34" charset="0"/>
-                </a:rPr>
-                <a:t>1</a:t>
-              </a:r>
-              <a:r>
-                <a:rPr lang="en-US" sz="1600" dirty="0">
-                  <a:latin typeface="Agency FB" panose="020B0503020202020204" pitchFamily="34" charset="0"/>
-                </a:rPr>
-                <a:t>,t</a:t>
-              </a:r>
-              <a:r>
-                <a:rPr lang="en-US" sz="1600" baseline="-25000" dirty="0">
-                  <a:latin typeface="Agency FB" panose="020B0503020202020204" pitchFamily="34" charset="0"/>
-                </a:rPr>
-                <a:t>1</a:t>
-              </a:r>
-              <a:r>
-                <a:rPr lang="en-US" sz="1600" dirty="0">
-                  <a:latin typeface="Agency FB" panose="020B0503020202020204" pitchFamily="34" charset="0"/>
-                </a:rPr>
-                <a:t>).(v</a:t>
-              </a:r>
-              <a:r>
-                <a:rPr lang="en-US" sz="1600" baseline="-25000" dirty="0">
-                  <a:latin typeface="Agency FB" panose="020B0503020202020204" pitchFamily="34" charset="0"/>
-                </a:rPr>
-                <a:t>2</a:t>
-              </a:r>
-              <a:r>
-                <a:rPr lang="en-US" sz="1600" dirty="0">
-                  <a:latin typeface="Agency FB" panose="020B0503020202020204" pitchFamily="34" charset="0"/>
-                </a:rPr>
-                <a:t>,t</a:t>
-              </a:r>
-              <a:r>
-                <a:rPr lang="en-US" sz="1600" baseline="-25000" dirty="0">
-                  <a:latin typeface="Agency FB" panose="020B0503020202020204" pitchFamily="34" charset="0"/>
-                </a:rPr>
-                <a:t>2</a:t>
-              </a:r>
-              <a:r>
-                <a:rPr lang="en-US" sz="1600" dirty="0">
-                  <a:latin typeface="Agency FB" panose="020B0503020202020204" pitchFamily="34" charset="0"/>
-                </a:rPr>
-                <a:t>).(v</a:t>
-              </a:r>
-              <a:r>
-                <a:rPr lang="en-US" sz="1600" baseline="-25000" dirty="0">
-                  <a:latin typeface="Agency FB" panose="020B0503020202020204" pitchFamily="34" charset="0"/>
-                </a:rPr>
-                <a:t>3</a:t>
-              </a:r>
-              <a:r>
-                <a:rPr lang="en-US" sz="1600" dirty="0">
-                  <a:latin typeface="Agency FB" panose="020B0503020202020204" pitchFamily="34" charset="0"/>
-                </a:rPr>
-                <a:t>,t</a:t>
-              </a:r>
-              <a:r>
-                <a:rPr lang="en-US" sz="1600" baseline="-25000" dirty="0">
-                  <a:latin typeface="Agency FB" panose="020B0503020202020204" pitchFamily="34" charset="0"/>
-                </a:rPr>
-                <a:t>3</a:t>
-              </a:r>
-              <a:r>
-                <a:rPr lang="en-US" sz="1600" dirty="0">
-                  <a:latin typeface="Agency FB" panose="020B0503020202020204" pitchFamily="34" charset="0"/>
-                </a:rPr>
-                <a:t>)…</a:t>
-              </a:r>
-            </a:p>
-            <a:p>
-              <a:pPr algn="r"/>
-              <a:r>
-                <a:rPr lang="en-US" sz="1600" dirty="0">
-                  <a:latin typeface="Agency FB" panose="020B0503020202020204" pitchFamily="34" charset="0"/>
-                </a:rPr>
-                <a:t>where </a:t>
-              </a:r>
-              <a:r>
-                <a:rPr lang="en-US" sz="1600" dirty="0" err="1">
-                  <a:latin typeface="Agency FB" panose="020B0503020202020204" pitchFamily="34" charset="0"/>
-                </a:rPr>
-                <a:t>t</a:t>
-              </a:r>
-              <a:r>
-                <a:rPr lang="en-US" sz="1600" baseline="-25000" dirty="0" err="1">
-                  <a:latin typeface="Agency FB" panose="020B0503020202020204" pitchFamily="34" charset="0"/>
-                </a:rPr>
-                <a:t>i</a:t>
-              </a:r>
-              <a:r>
-                <a:rPr lang="en-US" sz="1600" dirty="0">
-                  <a:latin typeface="Agency FB" panose="020B0503020202020204" pitchFamily="34" charset="0"/>
-                </a:rPr>
-                <a:t> is a timestamp of when</a:t>
-              </a:r>
-            </a:p>
-            <a:p>
-              <a:pPr algn="r"/>
-              <a:r>
-                <a:rPr lang="en-US" sz="1600" dirty="0">
-                  <a:latin typeface="Agency FB" panose="020B0503020202020204" pitchFamily="34" charset="0"/>
-                </a:rPr>
-                <a:t>v</a:t>
-              </a:r>
-              <a:r>
-                <a:rPr lang="en-US" sz="1600" baseline="-25000" dirty="0">
-                  <a:latin typeface="Agency FB" panose="020B0503020202020204" pitchFamily="34" charset="0"/>
-                </a:rPr>
-                <a:t>i</a:t>
-              </a:r>
-              <a:r>
-                <a:rPr lang="en-US" sz="1600" dirty="0">
-                  <a:latin typeface="Agency FB" panose="020B0503020202020204" pitchFamily="34" charset="0"/>
-                </a:rPr>
-                <a:t> was received</a:t>
-              </a:r>
-              <a:endParaRPr lang="en-US" sz="1600" baseline="-25000" dirty="0">
-                <a:latin typeface="Agency FB" panose="020B0503020202020204" pitchFamily="34" charset="0"/>
-              </a:endParaRPr>
-            </a:p>
-          </p:txBody>
-        </p:sp>
-        <p:sp>
-          <p:nvSpPr>
-            <p:cNvPr id="23" name="Rectangle 22"/>
-            <p:cNvSpPr/>
-            <p:nvPr/>
-          </p:nvSpPr>
-          <p:spPr>
-            <a:xfrm>
-              <a:off x="1295400" y="3118300"/>
-              <a:ext cx="1361014" cy="369332"/>
-            </a:xfrm>
-            <a:prstGeom prst="rect">
-              <a:avLst/>
-            </a:prstGeom>
-          </p:spPr>
-          <p:txBody>
-            <a:bodyPr wrap="none">
-              <a:spAutoFit/>
-            </a:bodyPr>
-            <a:lstStyle/>
-            <a:p>
-              <a:r>
-                <a:rPr lang="it-IT" dirty="0">
-                  <a:solidFill>
-                    <a:schemeClr val="tx2"/>
-                  </a:solidFill>
-                  <a:effectLst>
-                    <a:outerShdw blurRad="38100" dist="38100" dir="2700000" algn="tl">
-                      <a:srgbClr val="000000">
-                        <a:alpha val="43137"/>
-                      </a:srgbClr>
-                    </a:outerShdw>
-                  </a:effectLst>
-                </a:rPr>
-                <a:t>Transformer</a:t>
-              </a:r>
-              <a:endParaRPr lang="en-US" dirty="0"/>
-            </a:p>
-          </p:txBody>
-        </p:sp>
-      </p:grpSp>
-      <p:grpSp>
-        <p:nvGrpSpPr>
-          <p:cNvPr id="13" name="Group 12"/>
-          <p:cNvGrpSpPr/>
-          <p:nvPr/>
-        </p:nvGrpSpPr>
-        <p:grpSpPr>
-          <a:xfrm>
-            <a:off x="1812664" y="4744162"/>
-            <a:ext cx="7636136" cy="1600438"/>
-            <a:chOff x="288664" y="4921501"/>
-            <a:chExt cx="7636136" cy="1600438"/>
-          </a:xfrm>
-        </p:grpSpPr>
-        <p:sp>
-          <p:nvSpPr>
-            <p:cNvPr id="18" name="Rectangle 17"/>
-            <p:cNvSpPr/>
-            <p:nvPr/>
-          </p:nvSpPr>
-          <p:spPr>
-            <a:xfrm>
-              <a:off x="2743200" y="4921501"/>
-              <a:ext cx="5181600" cy="1600438"/>
-            </a:xfrm>
-            <a:prstGeom prst="rect">
-              <a:avLst/>
-            </a:prstGeom>
-            <a:effectLst>
-              <a:glow rad="63500">
-                <a:schemeClr val="accent1">
-                  <a:satMod val="175000"/>
-                  <a:alpha val="40000"/>
-                </a:schemeClr>
-              </a:glow>
-              <a:outerShdw blurRad="50800" dist="38100" dir="2700000" algn="tl" rotWithShape="0">
-                <a:prstClr val="black">
-                  <a:alpha val="40000"/>
-                </a:prstClr>
-              </a:outerShdw>
-            </a:effectLst>
-          </p:spPr>
-          <p:style>
-            <a:lnRef idx="2">
-              <a:schemeClr val="accent1"/>
-            </a:lnRef>
-            <a:fillRef idx="1">
-              <a:schemeClr val="lt1"/>
-            </a:fillRef>
-            <a:effectRef idx="0">
-              <a:schemeClr val="accent1"/>
-            </a:effectRef>
-            <a:fontRef idx="minor">
-              <a:schemeClr val="dk1"/>
-            </a:fontRef>
-          </p:style>
-          <p:txBody>
-            <a:bodyPr wrap="square">
-              <a:spAutoFit/>
-            </a:bodyPr>
-            <a:lstStyle/>
-            <a:p>
-              <a:r>
-                <a:rPr lang="en-US" sz="1400" dirty="0">
-                  <a:solidFill>
-                    <a:srgbClr val="216F85"/>
-                  </a:solidFill>
-                  <a:highlight>
-                    <a:srgbClr val="FFFFFF"/>
-                  </a:highlight>
-                  <a:latin typeface="Consolas" panose="020B0609020204030204" pitchFamily="49" charset="0"/>
-                  <a:ea typeface="Calibri" panose="020F0502020204030204" pitchFamily="34" charset="0"/>
-                </a:rPr>
-                <a:t>future</a:t>
-              </a:r>
-              <a:r>
-                <a:rPr lang="en-US" sz="1400" dirty="0">
-                  <a:solidFill>
-                    <a:srgbClr val="000000"/>
-                  </a:solidFill>
-                  <a:highlight>
-                    <a:srgbClr val="FFFFFF"/>
-                  </a:highlight>
-                  <a:latin typeface="Consolas" panose="020B0609020204030204" pitchFamily="49" charset="0"/>
-                </a:rPr>
-                <a:t>&lt;</a:t>
-              </a:r>
-              <a:r>
-                <a:rPr lang="en-US" sz="1400" dirty="0">
-                  <a:solidFill>
-                    <a:srgbClr val="0000FF"/>
-                  </a:solidFill>
-                  <a:highlight>
-                    <a:srgbClr val="FFFFFF"/>
-                  </a:highlight>
-                  <a:latin typeface="Consolas" panose="020B0609020204030204" pitchFamily="49" charset="0"/>
-                </a:rPr>
-                <a:t>int</a:t>
-              </a:r>
-              <a:r>
-                <a:rPr lang="en-US" sz="1400" dirty="0">
-                  <a:solidFill>
-                    <a:srgbClr val="000000"/>
-                  </a:solidFill>
-                  <a:highlight>
-                    <a:srgbClr val="FFFFFF"/>
-                  </a:highlight>
-                  <a:latin typeface="Consolas" panose="020B0609020204030204" pitchFamily="49" charset="0"/>
-                </a:rPr>
-                <a:t>&gt; </a:t>
-              </a:r>
-              <a:r>
-                <a:rPr lang="en-US" sz="1400" dirty="0">
-                  <a:solidFill>
-                    <a:srgbClr val="880000"/>
-                  </a:solidFill>
-                  <a:highlight>
-                    <a:srgbClr val="FFFFFF"/>
-                  </a:highlight>
-                  <a:latin typeface="Consolas" panose="020B0609020204030204" pitchFamily="49" charset="0"/>
-                </a:rPr>
-                <a:t>Sum</a:t>
-              </a:r>
-              <a:r>
-                <a:rPr lang="en-US" sz="1400" dirty="0">
-                  <a:solidFill>
-                    <a:srgbClr val="000000"/>
-                  </a:solidFill>
-                  <a:highlight>
-                    <a:srgbClr val="FFFFFF"/>
-                  </a:highlight>
-                  <a:latin typeface="Consolas" panose="020B0609020204030204" pitchFamily="49" charset="0"/>
-                </a:rPr>
-                <a:t>(</a:t>
-              </a:r>
-              <a:r>
-                <a:rPr lang="en-US" sz="1400" dirty="0" err="1">
-                  <a:solidFill>
-                    <a:srgbClr val="216F85"/>
-                  </a:solidFill>
-                  <a:highlight>
-                    <a:srgbClr val="FFFFFF"/>
-                  </a:highlight>
-                  <a:latin typeface="Consolas" panose="020B0609020204030204" pitchFamily="49" charset="0"/>
-                  <a:ea typeface="Calibri" panose="020F0502020204030204" pitchFamily="34" charset="0"/>
-                </a:rPr>
-                <a:t>AsyncStream</a:t>
-              </a:r>
-              <a:r>
-                <a:rPr lang="en-US" sz="1400" dirty="0">
-                  <a:solidFill>
-                    <a:srgbClr val="000000"/>
-                  </a:solidFill>
-                  <a:highlight>
-                    <a:srgbClr val="FFFFFF"/>
-                  </a:highlight>
-                  <a:latin typeface="Consolas" panose="020B0609020204030204" pitchFamily="49" charset="0"/>
-                </a:rPr>
-                <a:t>&lt;</a:t>
-              </a:r>
-              <a:r>
-                <a:rPr lang="en-US" sz="1400" dirty="0">
-                  <a:solidFill>
-                    <a:srgbClr val="0000FF"/>
-                  </a:solidFill>
-                  <a:highlight>
-                    <a:srgbClr val="FFFFFF"/>
-                  </a:highlight>
-                  <a:latin typeface="Consolas" panose="020B0609020204030204" pitchFamily="49" charset="0"/>
-                </a:rPr>
-                <a:t>int</a:t>
-              </a:r>
-              <a:r>
-                <a:rPr lang="en-US" sz="1400" dirty="0">
-                  <a:solidFill>
-                    <a:srgbClr val="000000"/>
-                  </a:solidFill>
-                  <a:highlight>
-                    <a:srgbClr val="FFFFFF"/>
-                  </a:highlight>
-                  <a:latin typeface="Consolas" panose="020B0609020204030204" pitchFamily="49" charset="0"/>
-                </a:rPr>
-                <a:t>&gt;&amp; </a:t>
-              </a:r>
-              <a:r>
-                <a:rPr lang="en-US" sz="1400" dirty="0">
-                  <a:solidFill>
-                    <a:srgbClr val="000080"/>
-                  </a:solidFill>
-                  <a:highlight>
-                    <a:srgbClr val="FFFFFF"/>
-                  </a:highlight>
-                  <a:latin typeface="Consolas" panose="020B0609020204030204" pitchFamily="49" charset="0"/>
-                </a:rPr>
-                <a:t>input</a:t>
-              </a:r>
-              <a:r>
-                <a:rPr lang="en-US" sz="1400" dirty="0">
-                  <a:solidFill>
-                    <a:srgbClr val="000000"/>
-                  </a:solidFill>
-                  <a:highlight>
-                    <a:srgbClr val="FFFFFF"/>
-                  </a:highlight>
-                  <a:latin typeface="Consolas" panose="020B0609020204030204" pitchFamily="49" charset="0"/>
-                </a:rPr>
-                <a:t>)</a:t>
-              </a:r>
-            </a:p>
-            <a:p>
-              <a:r>
-                <a:rPr lang="en-US" sz="1400" dirty="0">
-                  <a:solidFill>
-                    <a:srgbClr val="000000"/>
-                  </a:solidFill>
-                  <a:highlight>
-                    <a:srgbClr val="FFFFFF"/>
-                  </a:highlight>
-                  <a:latin typeface="Consolas" panose="020B0609020204030204" pitchFamily="49" charset="0"/>
-                </a:rPr>
-                <a:t>{</a:t>
-              </a:r>
-            </a:p>
-            <a:p>
-              <a:r>
-                <a:rPr lang="en-US" sz="1400" dirty="0">
-                  <a:solidFill>
-                    <a:srgbClr val="000000"/>
-                  </a:solidFill>
-                  <a:highlight>
-                    <a:srgbClr val="FFFFFF"/>
-                  </a:highlight>
-                  <a:latin typeface="Consolas" panose="020B0609020204030204" pitchFamily="49" charset="0"/>
-                </a:rPr>
-                <a:t>    </a:t>
-              </a:r>
-              <a:r>
-                <a:rPr lang="en-US" sz="1400" dirty="0">
-                  <a:solidFill>
-                    <a:srgbClr val="0000FF"/>
-                  </a:solidFill>
-                  <a:highlight>
-                    <a:srgbClr val="FFFFFF"/>
-                  </a:highlight>
-                  <a:latin typeface="Consolas" panose="020B0609020204030204" pitchFamily="49" charset="0"/>
-                </a:rPr>
-                <a:t>int</a:t>
-              </a:r>
-              <a:r>
-                <a:rPr lang="en-US" sz="1400" dirty="0">
-                  <a:solidFill>
-                    <a:srgbClr val="000000"/>
-                  </a:solidFill>
-                  <a:highlight>
-                    <a:srgbClr val="FFFFFF"/>
-                  </a:highlight>
-                  <a:latin typeface="Consolas" panose="020B0609020204030204" pitchFamily="49" charset="0"/>
-                </a:rPr>
-                <a:t> sum = 0;</a:t>
-              </a:r>
-            </a:p>
-            <a:p>
-              <a:r>
-                <a:rPr lang="en-US" sz="1400" dirty="0">
-                  <a:solidFill>
-                    <a:srgbClr val="000000"/>
-                  </a:solidFill>
-                  <a:highlight>
-                    <a:srgbClr val="FFFFFF"/>
-                  </a:highlight>
-                  <a:latin typeface="Consolas" panose="020B0609020204030204" pitchFamily="49" charset="0"/>
-                </a:rPr>
-                <a:t>    </a:t>
-              </a:r>
-              <a:r>
-                <a:rPr lang="en-US" sz="1400" dirty="0">
-                  <a:solidFill>
-                    <a:srgbClr val="0000FF"/>
-                  </a:solidFill>
-                  <a:highlight>
-                    <a:srgbClr val="FFFFFF"/>
-                  </a:highlight>
-                  <a:latin typeface="Consolas" panose="020B0609020204030204" pitchFamily="49" charset="0"/>
-                </a:rPr>
-                <a:t>for</a:t>
-              </a:r>
-              <a:r>
-                <a:rPr lang="en-US" sz="1400" dirty="0">
-                  <a:solidFill>
-                    <a:srgbClr val="000000"/>
-                  </a:solidFill>
-                  <a:highlight>
-                    <a:srgbClr val="FFFFFF"/>
-                  </a:highlight>
-                  <a:latin typeface="Consolas" panose="020B0609020204030204" pitchFamily="49" charset="0"/>
-                </a:rPr>
-                <a:t> </a:t>
-              </a:r>
-              <a:r>
-                <a:rPr lang="en-US" sz="1400" dirty="0" err="1">
-                  <a:solidFill>
-                    <a:srgbClr val="0000FF"/>
-                  </a:solidFill>
-                  <a:highlight>
-                    <a:srgbClr val="FFFFFF"/>
-                  </a:highlight>
-                  <a:latin typeface="Consolas" panose="020B0609020204030204" pitchFamily="49" charset="0"/>
-                </a:rPr>
-                <a:t>co_await</a:t>
-              </a:r>
-              <a:r>
-                <a:rPr lang="en-US" sz="1400" dirty="0">
-                  <a:solidFill>
-                    <a:srgbClr val="000000"/>
-                  </a:solidFill>
-                  <a:highlight>
-                    <a:srgbClr val="FFFFFF"/>
-                  </a:highlight>
-                  <a:latin typeface="Consolas" panose="020B0609020204030204" pitchFamily="49" charset="0"/>
-                </a:rPr>
-                <a:t>(</a:t>
-              </a:r>
-              <a:r>
-                <a:rPr lang="en-US" sz="1400" dirty="0">
-                  <a:solidFill>
-                    <a:srgbClr val="000080"/>
-                  </a:solidFill>
-                  <a:highlight>
-                    <a:srgbClr val="FFFFFF"/>
-                  </a:highlight>
-                  <a:latin typeface="Consolas" panose="020B0609020204030204" pitchFamily="49" charset="0"/>
-                </a:rPr>
-                <a:t>v</a:t>
-              </a:r>
-              <a:r>
-                <a:rPr lang="en-US" sz="1400" dirty="0">
-                  <a:solidFill>
-                    <a:srgbClr val="000000"/>
-                  </a:solidFill>
-                  <a:highlight>
-                    <a:srgbClr val="FFFFFF"/>
-                  </a:highlight>
-                  <a:latin typeface="Consolas" panose="020B0609020204030204" pitchFamily="49" charset="0"/>
-                </a:rPr>
-                <a:t>: </a:t>
-              </a:r>
-              <a:r>
-                <a:rPr lang="en-US" sz="1400" dirty="0">
-                  <a:solidFill>
-                    <a:srgbClr val="000080"/>
-                  </a:solidFill>
-                  <a:highlight>
-                    <a:srgbClr val="FFFFFF"/>
-                  </a:highlight>
-                  <a:latin typeface="Consolas" panose="020B0609020204030204" pitchFamily="49" charset="0"/>
-                </a:rPr>
-                <a:t>input</a:t>
-              </a:r>
-              <a:r>
-                <a:rPr lang="en-US" sz="1400" dirty="0">
-                  <a:solidFill>
-                    <a:srgbClr val="000000"/>
-                  </a:solidFill>
-                  <a:highlight>
-                    <a:srgbClr val="FFFFFF"/>
-                  </a:highlight>
-                  <a:latin typeface="Consolas" panose="020B0609020204030204" pitchFamily="49" charset="0"/>
-                </a:rPr>
-                <a:t>)</a:t>
-              </a:r>
-            </a:p>
-            <a:p>
-              <a:r>
-                <a:rPr lang="en-US" sz="1400" dirty="0">
-                  <a:solidFill>
-                    <a:srgbClr val="000000"/>
-                  </a:solidFill>
-                  <a:highlight>
-                    <a:srgbClr val="FFFFFF"/>
-                  </a:highlight>
-                  <a:latin typeface="Consolas" panose="020B0609020204030204" pitchFamily="49" charset="0"/>
-                </a:rPr>
-                <a:t>        sum += </a:t>
-              </a:r>
-              <a:r>
-                <a:rPr lang="en-US" sz="1400" dirty="0">
-                  <a:solidFill>
-                    <a:srgbClr val="000080"/>
-                  </a:solidFill>
-                  <a:highlight>
-                    <a:srgbClr val="FFFFFF"/>
-                  </a:highlight>
-                  <a:latin typeface="Consolas" panose="020B0609020204030204" pitchFamily="49" charset="0"/>
-                </a:rPr>
-                <a:t>v</a:t>
-              </a:r>
-              <a:r>
-                <a:rPr lang="en-US" sz="1400" dirty="0">
-                  <a:solidFill>
-                    <a:srgbClr val="000000"/>
-                  </a:solidFill>
-                  <a:highlight>
-                    <a:srgbClr val="FFFFFF"/>
-                  </a:highlight>
-                  <a:latin typeface="Consolas" panose="020B0609020204030204" pitchFamily="49" charset="0"/>
-                </a:rPr>
-                <a:t>;</a:t>
-              </a:r>
-            </a:p>
-            <a:p>
-              <a:r>
-                <a:rPr lang="en-US" sz="1400" dirty="0">
-                  <a:solidFill>
-                    <a:srgbClr val="000000"/>
-                  </a:solidFill>
-                  <a:highlight>
-                    <a:srgbClr val="FFFFFF"/>
-                  </a:highlight>
-                  <a:latin typeface="Consolas" panose="020B0609020204030204" pitchFamily="49" charset="0"/>
-                </a:rPr>
-                <a:t>    </a:t>
-              </a:r>
-              <a:r>
-                <a:rPr lang="en-US" sz="1400" dirty="0" err="1">
-                  <a:solidFill>
-                    <a:srgbClr val="0000FF"/>
-                  </a:solidFill>
-                  <a:highlight>
-                    <a:srgbClr val="FFFFFF"/>
-                  </a:highlight>
-                  <a:latin typeface="Consolas" panose="020B0609020204030204" pitchFamily="49" charset="0"/>
-                </a:rPr>
-                <a:t>co_return</a:t>
-              </a:r>
-              <a:r>
-                <a:rPr lang="en-US" sz="1400" dirty="0">
-                  <a:solidFill>
-                    <a:srgbClr val="000000"/>
-                  </a:solidFill>
-                  <a:highlight>
-                    <a:srgbClr val="FFFFFF"/>
-                  </a:highlight>
-                  <a:latin typeface="Consolas" panose="020B0609020204030204" pitchFamily="49" charset="0"/>
-                </a:rPr>
-                <a:t> sum;</a:t>
-              </a:r>
-            </a:p>
-            <a:p>
-              <a:r>
-                <a:rPr lang="en-US" sz="1400" dirty="0">
-                  <a:solidFill>
-                    <a:srgbClr val="000000"/>
-                  </a:solidFill>
-                  <a:highlight>
-                    <a:srgbClr val="FFFFFF"/>
-                  </a:highlight>
-                  <a:latin typeface="Consolas" panose="020B0609020204030204" pitchFamily="49" charset="0"/>
-                </a:rPr>
-                <a:t>}</a:t>
-              </a:r>
-            </a:p>
-          </p:txBody>
-        </p:sp>
-        <p:sp>
-          <p:nvSpPr>
-            <p:cNvPr id="21" name="Rectangle 20"/>
-            <p:cNvSpPr/>
-            <p:nvPr/>
-          </p:nvSpPr>
-          <p:spPr>
-            <a:xfrm>
-              <a:off x="288664" y="5765132"/>
-              <a:ext cx="2343374" cy="646331"/>
-            </a:xfrm>
-            <a:prstGeom prst="rect">
-              <a:avLst/>
-            </a:prstGeom>
-          </p:spPr>
-          <p:txBody>
-            <a:bodyPr wrap="square">
-              <a:spAutoFit/>
-            </a:bodyPr>
-            <a:lstStyle/>
-            <a:p>
-              <a:pPr algn="r"/>
-              <a:r>
-                <a:rPr lang="en-US" dirty="0">
-                  <a:latin typeface="Agency FB" panose="020B0503020202020204" pitchFamily="34" charset="0"/>
-                </a:rPr>
-                <a:t>Reduces an asynchronous stream to a sum of its values</a:t>
-              </a:r>
-              <a:endParaRPr lang="en-US" baseline="-25000" dirty="0">
-                <a:latin typeface="Agency FB" panose="020B0503020202020204" pitchFamily="34" charset="0"/>
-              </a:endParaRPr>
-            </a:p>
-          </p:txBody>
-        </p:sp>
-        <p:sp>
-          <p:nvSpPr>
-            <p:cNvPr id="24" name="Rectangle 23"/>
-            <p:cNvSpPr/>
-            <p:nvPr/>
-          </p:nvSpPr>
-          <p:spPr>
-            <a:xfrm>
-              <a:off x="2011385" y="5534300"/>
-              <a:ext cx="569387" cy="369332"/>
-            </a:xfrm>
-            <a:prstGeom prst="rect">
-              <a:avLst/>
-            </a:prstGeom>
-          </p:spPr>
-          <p:txBody>
-            <a:bodyPr wrap="none">
-              <a:spAutoFit/>
-            </a:bodyPr>
-            <a:lstStyle/>
-            <a:p>
-              <a:r>
-                <a:rPr lang="it-IT" dirty="0">
-                  <a:solidFill>
-                    <a:schemeClr val="tx2"/>
-                  </a:solidFill>
-                  <a:effectLst>
-                    <a:outerShdw blurRad="38100" dist="38100" dir="2700000" algn="tl">
-                      <a:srgbClr val="000000">
-                        <a:alpha val="43137"/>
-                      </a:srgbClr>
-                    </a:outerShdw>
-                  </a:effectLst>
-                </a:rPr>
-                <a:t>Sink</a:t>
-              </a:r>
-              <a:endParaRPr lang="en-US" dirty="0"/>
-            </a:p>
-          </p:txBody>
-        </p:sp>
-      </p:grpSp>
-      <p:sp>
-        <p:nvSpPr>
-          <p:cNvPr id="25" name="TextBox 24"/>
-          <p:cNvSpPr txBox="1"/>
-          <p:nvPr/>
-        </p:nvSpPr>
-        <p:spPr>
-          <a:xfrm rot="891792">
-            <a:off x="8889526" y="1029564"/>
-            <a:ext cx="2599264" cy="1569660"/>
-          </a:xfrm>
-          <a:prstGeom prst="rect">
-            <a:avLst/>
-          </a:prstGeom>
-          <a:solidFill>
-            <a:srgbClr val="FF0000"/>
-          </a:solidFill>
-        </p:spPr>
-        <p:txBody>
-          <a:bodyPr wrap="square" rtlCol="0">
-            <a:spAutoFit/>
-          </a:bodyPr>
-          <a:lstStyle/>
-          <a:p>
-            <a:pPr algn="ctr"/>
-            <a:r>
-              <a:rPr lang="en-US" sz="3200" dirty="0">
-                <a:ln w="0"/>
-                <a:solidFill>
-                  <a:srgbClr val="FFFF00"/>
-                </a:solidFill>
-                <a:effectLst>
-                  <a:outerShdw blurRad="38100" dist="19050" dir="2700000" algn="tl" rotWithShape="0">
-                    <a:schemeClr val="dk1">
-                      <a:alpha val="40000"/>
-                    </a:schemeClr>
-                  </a:outerShdw>
-                </a:effectLst>
-                <a:latin typeface="+mj-lt"/>
-              </a:rPr>
-              <a:t>SNEAK PEEK</a:t>
-            </a:r>
-          </a:p>
-          <a:p>
-            <a:pPr algn="ctr"/>
-            <a:r>
-              <a:rPr lang="en-US" sz="3200" dirty="0">
-                <a:ln w="0"/>
-                <a:solidFill>
-                  <a:srgbClr val="FFFF00"/>
-                </a:solidFill>
-                <a:effectLst>
-                  <a:outerShdw blurRad="38100" dist="19050" dir="2700000" algn="tl" rotWithShape="0">
-                    <a:schemeClr val="dk1">
-                      <a:alpha val="40000"/>
-                    </a:schemeClr>
-                  </a:outerShdw>
-                </a:effectLst>
-                <a:latin typeface="+mj-lt"/>
-              </a:rPr>
-              <a:t>at the bright future</a:t>
-            </a:r>
-          </a:p>
-        </p:txBody>
-      </p:sp>
-    </p:spTree>
-    <p:extLst>
-      <p:ext uri="{BB962C8B-B14F-4D97-AF65-F5344CB8AC3E}">
-        <p14:creationId xmlns:p14="http://schemas.microsoft.com/office/powerpoint/2010/main" val="2325302874"/>
-      </p:ext>
-    </p:extLst>
-  </p:cSld>
-  <p:clrMapOvr>
-    <a:masterClrMapping/>
-  </p:clrMapOvr>
-  <p:timing>
-    <p:tnLst>
-      <p:par>
-        <p:cTn id="1" dur="indefinite" restart="never" nodeType="tmRoot">
-          <p:childTnLst>
-            <p:seq concurrent="1" nextAc="seek">
-              <p:cTn id="2" dur="indefinite" nodeType="mainSeq">
-                <p:childTnLst>
-                  <p:par>
-                    <p:cTn id="3" fill="hold">
-                      <p:stCondLst>
-                        <p:cond delay="indefinite"/>
-                      </p:stCondLst>
-                      <p:childTnLst>
-                        <p:par>
-                          <p:cTn id="4" fill="hold">
-                            <p:stCondLst>
-                              <p:cond delay="0"/>
-                            </p:stCondLst>
-                            <p:childTnLst>
-                              <p:par>
-                                <p:cTn id="5" presetID="1" presetClass="entr" presetSubtype="0" fill="hold" nodeType="clickEffect">
-                                  <p:stCondLst>
-                                    <p:cond delay="0"/>
-                                  </p:stCondLst>
-                                  <p:childTnLst>
-                                    <p:set>
-                                      <p:cBhvr>
-                                        <p:cTn id="6" dur="1" fill="hold">
-                                          <p:stCondLst>
-                                            <p:cond delay="0"/>
-                                          </p:stCondLst>
-                                        </p:cTn>
-                                        <p:tgtEl>
-                                          <p:spTgt spid="12"/>
-                                        </p:tgtEl>
-                                        <p:attrNameLst>
-                                          <p:attrName>style.visibility</p:attrName>
-                                        </p:attrNameLst>
-                                      </p:cBhvr>
-                                      <p:to>
-                                        <p:strVal val="visible"/>
-                                      </p:to>
-                                    </p:set>
-                                  </p:childTnLst>
-                                </p:cTn>
-                              </p:par>
-                            </p:childTnLst>
-                          </p:cTn>
-                        </p:par>
-                      </p:childTnLst>
-                    </p:cTn>
-                  </p:par>
-                  <p:par>
-                    <p:cTn id="7" fill="hold">
-                      <p:stCondLst>
-                        <p:cond delay="indefinite"/>
-                      </p:stCondLst>
-                      <p:childTnLst>
-                        <p:par>
-                          <p:cTn id="8" fill="hold">
-                            <p:stCondLst>
-                              <p:cond delay="0"/>
-                            </p:stCondLst>
-                            <p:childTnLst>
-                              <p:par>
-                                <p:cTn id="9" presetID="1" presetClass="entr" presetSubtype="0" fill="hold" nodeType="clickEffect">
-                                  <p:stCondLst>
-                                    <p:cond delay="0"/>
-                                  </p:stCondLst>
-                                  <p:childTnLst>
-                                    <p:set>
-                                      <p:cBhvr>
-                                        <p:cTn id="10" dur="1" fill="hold">
-                                          <p:stCondLst>
-                                            <p:cond delay="0"/>
-                                          </p:stCondLst>
-                                        </p:cTn>
-                                        <p:tgtEl>
-                                          <p:spTgt spid="13"/>
-                                        </p:tgtEl>
-                                        <p:attrNameLst>
-                                          <p:attrName>style.visibility</p:attrName>
-                                        </p:attrNameLst>
-                                      </p:cBhvr>
-                                      <p:to>
-                                        <p:strVal val="visible"/>
-                                      </p:to>
-                                    </p:set>
-                                  </p:childTnLst>
-                                </p:cTn>
-                              </p:par>
-                            </p:childTnLst>
-                          </p:cTn>
-                        </p:par>
-                      </p:childTnLst>
-                    </p:cTn>
-                  </p:par>
-                </p:childTnLst>
-              </p:cTn>
-              <p:prevCondLst>
-                <p:cond evt="onPrev" delay="0">
-                  <p:tgtEl>
-                    <p:sldTgt/>
-                  </p:tgtEl>
-                </p:cond>
-              </p:prevCondLst>
-              <p:nextCondLst>
-                <p:cond evt="onNext" delay="0">
-                  <p:tgtEl>
-                    <p:sldTgt/>
-                  </p:tgtEl>
-                </p:cond>
-              </p:nextCondLst>
-            </p:seq>
-          </p:childTnLst>
-        </p:cTn>
-      </p:par>
-    </p:tnLst>
-  </p:timing>
-</p:sld>
-</file>
-
-<file path=ppt/slides/slide33.xml><?xml version="1.0" encoding="utf-8"?>
-<p:sld xmlns:a="http://schemas.openxmlformats.org/drawingml/2006/main" xmlns:r="http://schemas.openxmlformats.org/officeDocument/2006/relationships" xmlns:p="http://schemas.openxmlformats.org/presentationml/2006/main">
-  <p:cSld>
-    <p:spTree>
-      <p:nvGrpSpPr>
-        <p:cNvPr id="1" name=""/>
-        <p:cNvGrpSpPr/>
-        <p:nvPr/>
-      </p:nvGrpSpPr>
-      <p:grpSpPr>
-        <a:xfrm>
-          <a:off x="0" y="0"/>
-          <a:ext cx="0" cy="0"/>
-          <a:chOff x="0" y="0"/>
-          <a:chExt cx="0" cy="0"/>
-        </a:xfrm>
-      </p:grpSpPr>
-      <p:sp>
-        <p:nvSpPr>
-          <p:cNvPr id="6" name="Subtitle 3"/>
-          <p:cNvSpPr txBox="1">
-            <a:spLocks/>
-          </p:cNvSpPr>
-          <p:nvPr/>
-        </p:nvSpPr>
-        <p:spPr>
-          <a:xfrm>
-            <a:off x="1783080" y="176197"/>
-            <a:ext cx="8722590" cy="392668"/>
-          </a:xfrm>
-          <a:prstGeom prst="rect">
-            <a:avLst/>
-          </a:prstGeom>
-        </p:spPr>
-        <p:txBody>
-          <a:bodyPr vert="horz" lIns="91440" tIns="45720" rIns="91440" bIns="45720" rtlCol="0">
-            <a:noAutofit/>
-          </a:bodyPr>
-          <a:lstStyle>
-            <a:lvl1pPr marL="0" indent="0" algn="l" defTabSz="685983" rtl="0" eaLnBrk="1" latinLnBrk="0" hangingPunct="1">
-              <a:lnSpc>
-                <a:spcPct val="90000"/>
-              </a:lnSpc>
-              <a:spcBef>
-                <a:spcPts val="0"/>
-              </a:spcBef>
-              <a:buClr>
-                <a:schemeClr val="accent1"/>
-              </a:buClr>
-              <a:buSzPct val="100000"/>
-              <a:buFont typeface="Arial" pitchFamily="34" charset="0"/>
-              <a:buNone/>
-              <a:defRPr sz="1500" kern="1200" cap="all" spc="150" baseline="0">
-                <a:solidFill>
-                  <a:schemeClr val="accent1"/>
-                </a:solidFill>
-                <a:latin typeface="+mn-lt"/>
-                <a:ea typeface="+mn-ea"/>
-                <a:cs typeface="+mn-cs"/>
-              </a:defRPr>
-            </a:lvl1pPr>
-            <a:lvl2pPr marL="342991" indent="0" algn="ctr" defTabSz="685983" rtl="0" eaLnBrk="1" latinLnBrk="0" hangingPunct="1">
-              <a:lnSpc>
-                <a:spcPct val="90000"/>
-              </a:lnSpc>
-              <a:spcBef>
-                <a:spcPts val="900"/>
-              </a:spcBef>
-              <a:buClr>
-                <a:schemeClr val="accent1"/>
-              </a:buClr>
-              <a:buSzPct val="100000"/>
-              <a:buFont typeface="Arial" pitchFamily="34" charset="0"/>
-              <a:buNone/>
-              <a:defRPr sz="1500" kern="1200">
-                <a:solidFill>
-                  <a:schemeClr val="tx1">
-                    <a:tint val="75000"/>
-                  </a:schemeClr>
-                </a:solidFill>
-                <a:latin typeface="+mn-lt"/>
-                <a:ea typeface="+mn-ea"/>
-                <a:cs typeface="+mn-cs"/>
-              </a:defRPr>
-            </a:lvl2pPr>
-            <a:lvl3pPr marL="685983" indent="0" algn="ctr" defTabSz="685983" rtl="0" eaLnBrk="1" latinLnBrk="0" hangingPunct="1">
-              <a:lnSpc>
-                <a:spcPct val="90000"/>
-              </a:lnSpc>
-              <a:spcBef>
-                <a:spcPts val="450"/>
-              </a:spcBef>
-              <a:buClr>
-                <a:schemeClr val="accent1"/>
-              </a:buClr>
-              <a:buSzPct val="100000"/>
-              <a:buFont typeface="Arial" pitchFamily="34" charset="0"/>
-              <a:buNone/>
-              <a:defRPr sz="1350" kern="1200">
-                <a:solidFill>
-                  <a:schemeClr val="tx1">
-                    <a:tint val="75000"/>
-                  </a:schemeClr>
-                </a:solidFill>
-                <a:latin typeface="+mn-lt"/>
-                <a:ea typeface="+mn-ea"/>
-                <a:cs typeface="+mn-cs"/>
-              </a:defRPr>
-            </a:lvl3pPr>
-            <a:lvl4pPr marL="1028974" indent="0" algn="ctr" defTabSz="685983" rtl="0" eaLnBrk="1" latinLnBrk="0" hangingPunct="1">
-              <a:lnSpc>
-                <a:spcPct val="90000"/>
-              </a:lnSpc>
-              <a:spcBef>
-                <a:spcPts val="450"/>
-              </a:spcBef>
-              <a:buClr>
-                <a:schemeClr val="accent1"/>
-              </a:buClr>
-              <a:buSzPct val="100000"/>
-              <a:buFont typeface="Arial" pitchFamily="34" charset="0"/>
-              <a:buNone/>
-              <a:defRPr sz="1200" kern="1200">
-                <a:solidFill>
-                  <a:schemeClr val="tx1">
-                    <a:tint val="75000"/>
-                  </a:schemeClr>
-                </a:solidFill>
-                <a:latin typeface="+mn-lt"/>
-                <a:ea typeface="+mn-ea"/>
-                <a:cs typeface="+mn-cs"/>
-              </a:defRPr>
-            </a:lvl4pPr>
-            <a:lvl5pPr marL="1371966" indent="0" algn="ctr" defTabSz="685983" rtl="0" eaLnBrk="1" latinLnBrk="0" hangingPunct="1">
-              <a:lnSpc>
-                <a:spcPct val="90000"/>
-              </a:lnSpc>
-              <a:spcBef>
-                <a:spcPts val="450"/>
-              </a:spcBef>
-              <a:buClr>
-                <a:schemeClr val="accent1"/>
-              </a:buClr>
-              <a:buSzPct val="100000"/>
-              <a:buFont typeface="Arial" pitchFamily="34" charset="0"/>
-              <a:buNone/>
-              <a:defRPr sz="1200" kern="1200">
-                <a:solidFill>
-                  <a:schemeClr val="tx1">
-                    <a:tint val="75000"/>
-                  </a:schemeClr>
-                </a:solidFill>
-                <a:latin typeface="+mn-lt"/>
-                <a:ea typeface="+mn-ea"/>
-                <a:cs typeface="+mn-cs"/>
-              </a:defRPr>
-            </a:lvl5pPr>
-            <a:lvl6pPr marL="1714957" indent="0" algn="ctr" defTabSz="685983" rtl="0" eaLnBrk="1" latinLnBrk="0" hangingPunct="1">
-              <a:spcBef>
-                <a:spcPts val="450"/>
-              </a:spcBef>
-              <a:buClr>
-                <a:schemeClr val="accent1"/>
-              </a:buClr>
-              <a:buFont typeface="Arial" pitchFamily="34" charset="0"/>
-              <a:buNone/>
-              <a:defRPr sz="1200" kern="1200">
-                <a:solidFill>
-                  <a:schemeClr val="tx1">
-                    <a:tint val="75000"/>
-                  </a:schemeClr>
-                </a:solidFill>
-                <a:latin typeface="+mn-lt"/>
-                <a:ea typeface="+mn-ea"/>
-                <a:cs typeface="+mn-cs"/>
-              </a:defRPr>
-            </a:lvl6pPr>
-            <a:lvl7pPr marL="2057949" indent="0" algn="ctr" defTabSz="685983" rtl="0" eaLnBrk="1" latinLnBrk="0" hangingPunct="1">
-              <a:spcBef>
-                <a:spcPts val="450"/>
-              </a:spcBef>
-              <a:buClr>
-                <a:schemeClr val="accent1"/>
-              </a:buClr>
-              <a:buFont typeface="Arial" pitchFamily="34" charset="0"/>
-              <a:buNone/>
-              <a:defRPr sz="1200" kern="1200">
-                <a:solidFill>
-                  <a:schemeClr val="tx1">
-                    <a:tint val="75000"/>
-                  </a:schemeClr>
-                </a:solidFill>
-                <a:latin typeface="+mn-lt"/>
-                <a:ea typeface="+mn-ea"/>
-                <a:cs typeface="+mn-cs"/>
-              </a:defRPr>
-            </a:lvl7pPr>
-            <a:lvl8pPr marL="2400940" indent="0" algn="ctr" defTabSz="685983" rtl="0" eaLnBrk="1" latinLnBrk="0" hangingPunct="1">
-              <a:spcBef>
-                <a:spcPts val="450"/>
-              </a:spcBef>
-              <a:buClr>
-                <a:schemeClr val="accent1"/>
-              </a:buClr>
-              <a:buFont typeface="Arial" pitchFamily="34" charset="0"/>
-              <a:buNone/>
-              <a:defRPr sz="1200" kern="1200">
-                <a:solidFill>
-                  <a:schemeClr val="tx1">
-                    <a:tint val="75000"/>
-                  </a:schemeClr>
-                </a:solidFill>
-                <a:latin typeface="+mn-lt"/>
-                <a:ea typeface="+mn-ea"/>
-                <a:cs typeface="+mn-cs"/>
-              </a:defRPr>
-            </a:lvl8pPr>
-            <a:lvl9pPr marL="2743932" indent="0" algn="ctr" defTabSz="685983" rtl="0" eaLnBrk="1" latinLnBrk="0" hangingPunct="1">
-              <a:spcBef>
-                <a:spcPts val="450"/>
-              </a:spcBef>
-              <a:buClr>
-                <a:schemeClr val="accent1"/>
-              </a:buClr>
-              <a:buFont typeface="Arial" pitchFamily="34" charset="0"/>
-              <a:buNone/>
-              <a:defRPr sz="1200" kern="1200">
-                <a:solidFill>
-                  <a:schemeClr val="tx1">
-                    <a:tint val="75000"/>
-                  </a:schemeClr>
-                </a:solidFill>
-                <a:latin typeface="+mn-lt"/>
-                <a:ea typeface="+mn-ea"/>
-                <a:cs typeface="+mn-cs"/>
-              </a:defRPr>
-            </a:lvl9pPr>
-          </a:lstStyle>
-          <a:p>
-            <a:r>
-              <a:rPr lang="it-IT" sz="3600" dirty="0">
-                <a:solidFill>
-                  <a:schemeClr val="tx2"/>
-                </a:solidFill>
-                <a:effectLst>
-                  <a:outerShdw blurRad="38100" dist="38100" dir="2700000" algn="tl">
-                    <a:srgbClr val="000000">
-                      <a:alpha val="43137"/>
-                    </a:srgbClr>
-                  </a:outerShdw>
-                </a:effectLst>
-                <a:latin typeface="+mj-lt"/>
-              </a:rPr>
-              <a:t>N4134: resumable functions v2</a:t>
-            </a:r>
-          </a:p>
-        </p:txBody>
-      </p:sp>
-      <p:sp>
-        <p:nvSpPr>
-          <p:cNvPr id="15" name="Rectangle 14"/>
-          <p:cNvSpPr/>
-          <p:nvPr/>
-        </p:nvSpPr>
-        <p:spPr>
-          <a:xfrm>
-            <a:off x="3778652" y="9167625"/>
-            <a:ext cx="6248400" cy="253916"/>
-          </a:xfrm>
-          <a:prstGeom prst="rect">
-            <a:avLst/>
-          </a:prstGeom>
-        </p:spPr>
-        <p:txBody>
-          <a:bodyPr wrap="square">
-            <a:spAutoFit/>
-          </a:bodyPr>
-          <a:lstStyle/>
-          <a:p>
-            <a:pPr algn="ctr"/>
-            <a:r>
-              <a:rPr lang="en-US" sz="1050" dirty="0">
-                <a:solidFill>
-                  <a:schemeClr val="bg2">
-                    <a:lumMod val="25000"/>
-                    <a:lumOff val="75000"/>
-                  </a:schemeClr>
-                </a:solidFill>
-                <a:effectLst>
-                  <a:outerShdw blurRad="38100" dist="38100" dir="2700000" algn="tl">
-                    <a:srgbClr val="000000">
-                      <a:alpha val="43137"/>
-                    </a:srgbClr>
-                  </a:outerShdw>
-                </a:effectLst>
-              </a:rPr>
-              <a:t>e-mail: </a:t>
-            </a:r>
-            <a:r>
-              <a:rPr lang="en-US" sz="1050" dirty="0" err="1">
-                <a:solidFill>
-                  <a:schemeClr val="bg2">
-                    <a:lumMod val="25000"/>
-                    <a:lumOff val="75000"/>
-                  </a:schemeClr>
-                </a:solidFill>
-                <a:effectLst>
-                  <a:outerShdw blurRad="38100" dist="38100" dir="2700000" algn="tl">
-                    <a:srgbClr val="000000">
-                      <a:alpha val="43137"/>
-                    </a:srgbClr>
-                  </a:outerShdw>
-                </a:effectLst>
-              </a:rPr>
-              <a:t>gorn</a:t>
-            </a:r>
-            <a:r>
-              <a:rPr lang="en-US" sz="1050" dirty="0">
-                <a:solidFill>
-                  <a:schemeClr val="bg2">
-                    <a:lumMod val="25000"/>
-                    <a:lumOff val="75000"/>
-                  </a:schemeClr>
-                </a:solidFill>
-                <a:effectLst>
-                  <a:outerShdw blurRad="38100" dist="38100" dir="2700000" algn="tl">
-                    <a:srgbClr val="000000">
-                      <a:alpha val="43137"/>
-                    </a:srgbClr>
-                  </a:outerShdw>
-                </a:effectLst>
-              </a:rPr>
-              <a:t> with answers, complaints, corrections, suggestions and new material</a:t>
-            </a:r>
-          </a:p>
-        </p:txBody>
-      </p:sp>
-      <p:sp>
-        <p:nvSpPr>
-          <p:cNvPr id="17" name="Subtitle 3"/>
-          <p:cNvSpPr txBox="1">
-            <a:spLocks/>
-          </p:cNvSpPr>
-          <p:nvPr/>
-        </p:nvSpPr>
-        <p:spPr>
-          <a:xfrm>
-            <a:off x="1812664" y="675843"/>
-            <a:ext cx="7924800" cy="392668"/>
-          </a:xfrm>
-          <a:prstGeom prst="rect">
-            <a:avLst/>
-          </a:prstGeom>
-        </p:spPr>
-        <p:txBody>
-          <a:bodyPr vert="horz" lIns="91440" tIns="45720" rIns="91440" bIns="45720" rtlCol="0">
-            <a:noAutofit/>
-          </a:bodyPr>
-          <a:lstStyle>
-            <a:lvl1pPr marL="0" indent="0" algn="l" defTabSz="685983" rtl="0" eaLnBrk="1" latinLnBrk="0" hangingPunct="1">
-              <a:lnSpc>
-                <a:spcPct val="90000"/>
-              </a:lnSpc>
-              <a:spcBef>
-                <a:spcPts val="0"/>
-              </a:spcBef>
-              <a:buClr>
-                <a:schemeClr val="accent1"/>
-              </a:buClr>
-              <a:buSzPct val="100000"/>
-              <a:buFont typeface="Arial" pitchFamily="34" charset="0"/>
-              <a:buNone/>
-              <a:defRPr sz="1500" kern="1200" cap="all" spc="150" baseline="0">
-                <a:solidFill>
-                  <a:schemeClr val="accent1"/>
-                </a:solidFill>
-                <a:latin typeface="+mn-lt"/>
-                <a:ea typeface="+mn-ea"/>
-                <a:cs typeface="+mn-cs"/>
-              </a:defRPr>
-            </a:lvl1pPr>
-            <a:lvl2pPr marL="342991" indent="0" algn="ctr" defTabSz="685983" rtl="0" eaLnBrk="1" latinLnBrk="0" hangingPunct="1">
-              <a:lnSpc>
-                <a:spcPct val="90000"/>
-              </a:lnSpc>
-              <a:spcBef>
-                <a:spcPts val="900"/>
-              </a:spcBef>
-              <a:buClr>
-                <a:schemeClr val="accent1"/>
-              </a:buClr>
-              <a:buSzPct val="100000"/>
-              <a:buFont typeface="Arial" pitchFamily="34" charset="0"/>
-              <a:buNone/>
-              <a:defRPr sz="1500" kern="1200">
-                <a:solidFill>
-                  <a:schemeClr val="tx1">
-                    <a:tint val="75000"/>
-                  </a:schemeClr>
-                </a:solidFill>
-                <a:latin typeface="+mn-lt"/>
-                <a:ea typeface="+mn-ea"/>
-                <a:cs typeface="+mn-cs"/>
-              </a:defRPr>
-            </a:lvl2pPr>
-            <a:lvl3pPr marL="685983" indent="0" algn="ctr" defTabSz="685983" rtl="0" eaLnBrk="1" latinLnBrk="0" hangingPunct="1">
-              <a:lnSpc>
-                <a:spcPct val="90000"/>
-              </a:lnSpc>
-              <a:spcBef>
-                <a:spcPts val="450"/>
-              </a:spcBef>
-              <a:buClr>
-                <a:schemeClr val="accent1"/>
-              </a:buClr>
-              <a:buSzPct val="100000"/>
-              <a:buFont typeface="Arial" pitchFamily="34" charset="0"/>
-              <a:buNone/>
-              <a:defRPr sz="1350" kern="1200">
-                <a:solidFill>
-                  <a:schemeClr val="tx1">
-                    <a:tint val="75000"/>
-                  </a:schemeClr>
-                </a:solidFill>
-                <a:latin typeface="+mn-lt"/>
-                <a:ea typeface="+mn-ea"/>
-                <a:cs typeface="+mn-cs"/>
-              </a:defRPr>
-            </a:lvl3pPr>
-            <a:lvl4pPr marL="1028974" indent="0" algn="ctr" defTabSz="685983" rtl="0" eaLnBrk="1" latinLnBrk="0" hangingPunct="1">
-              <a:lnSpc>
-                <a:spcPct val="90000"/>
-              </a:lnSpc>
-              <a:spcBef>
-                <a:spcPts val="450"/>
-              </a:spcBef>
-              <a:buClr>
-                <a:schemeClr val="accent1"/>
-              </a:buClr>
-              <a:buSzPct val="100000"/>
-              <a:buFont typeface="Arial" pitchFamily="34" charset="0"/>
-              <a:buNone/>
-              <a:defRPr sz="1200" kern="1200">
-                <a:solidFill>
-                  <a:schemeClr val="tx1">
-                    <a:tint val="75000"/>
-                  </a:schemeClr>
-                </a:solidFill>
-                <a:latin typeface="+mn-lt"/>
-                <a:ea typeface="+mn-ea"/>
-                <a:cs typeface="+mn-cs"/>
-              </a:defRPr>
-            </a:lvl4pPr>
-            <a:lvl5pPr marL="1371966" indent="0" algn="ctr" defTabSz="685983" rtl="0" eaLnBrk="1" latinLnBrk="0" hangingPunct="1">
-              <a:lnSpc>
-                <a:spcPct val="90000"/>
-              </a:lnSpc>
-              <a:spcBef>
-                <a:spcPts val="450"/>
-              </a:spcBef>
-              <a:buClr>
-                <a:schemeClr val="accent1"/>
-              </a:buClr>
-              <a:buSzPct val="100000"/>
-              <a:buFont typeface="Arial" pitchFamily="34" charset="0"/>
-              <a:buNone/>
-              <a:defRPr sz="1200" kern="1200">
-                <a:solidFill>
-                  <a:schemeClr val="tx1">
-                    <a:tint val="75000"/>
-                  </a:schemeClr>
-                </a:solidFill>
-                <a:latin typeface="+mn-lt"/>
-                <a:ea typeface="+mn-ea"/>
-                <a:cs typeface="+mn-cs"/>
-              </a:defRPr>
-            </a:lvl5pPr>
-            <a:lvl6pPr marL="1714957" indent="0" algn="ctr" defTabSz="685983" rtl="0" eaLnBrk="1" latinLnBrk="0" hangingPunct="1">
-              <a:spcBef>
-                <a:spcPts val="450"/>
-              </a:spcBef>
-              <a:buClr>
-                <a:schemeClr val="accent1"/>
-              </a:buClr>
-              <a:buFont typeface="Arial" pitchFamily="34" charset="0"/>
-              <a:buNone/>
-              <a:defRPr sz="1200" kern="1200">
-                <a:solidFill>
-                  <a:schemeClr val="tx1">
-                    <a:tint val="75000"/>
-                  </a:schemeClr>
-                </a:solidFill>
-                <a:latin typeface="+mn-lt"/>
-                <a:ea typeface="+mn-ea"/>
-                <a:cs typeface="+mn-cs"/>
-              </a:defRPr>
-            </a:lvl6pPr>
-            <a:lvl7pPr marL="2057949" indent="0" algn="ctr" defTabSz="685983" rtl="0" eaLnBrk="1" latinLnBrk="0" hangingPunct="1">
-              <a:spcBef>
-                <a:spcPts val="450"/>
-              </a:spcBef>
-              <a:buClr>
-                <a:schemeClr val="accent1"/>
-              </a:buClr>
-              <a:buFont typeface="Arial" pitchFamily="34" charset="0"/>
-              <a:buNone/>
-              <a:defRPr sz="1200" kern="1200">
-                <a:solidFill>
-                  <a:schemeClr val="tx1">
-                    <a:tint val="75000"/>
-                  </a:schemeClr>
-                </a:solidFill>
-                <a:latin typeface="+mn-lt"/>
-                <a:ea typeface="+mn-ea"/>
-                <a:cs typeface="+mn-cs"/>
-              </a:defRPr>
-            </a:lvl7pPr>
-            <a:lvl8pPr marL="2400940" indent="0" algn="ctr" defTabSz="685983" rtl="0" eaLnBrk="1" latinLnBrk="0" hangingPunct="1">
-              <a:spcBef>
-                <a:spcPts val="450"/>
-              </a:spcBef>
-              <a:buClr>
-                <a:schemeClr val="accent1"/>
-              </a:buClr>
-              <a:buFont typeface="Arial" pitchFamily="34" charset="0"/>
-              <a:buNone/>
-              <a:defRPr sz="1200" kern="1200">
-                <a:solidFill>
-                  <a:schemeClr val="tx1">
-                    <a:tint val="75000"/>
-                  </a:schemeClr>
-                </a:solidFill>
-                <a:latin typeface="+mn-lt"/>
-                <a:ea typeface="+mn-ea"/>
-                <a:cs typeface="+mn-cs"/>
-              </a:defRPr>
-            </a:lvl8pPr>
-            <a:lvl9pPr marL="2743932" indent="0" algn="ctr" defTabSz="685983" rtl="0" eaLnBrk="1" latinLnBrk="0" hangingPunct="1">
-              <a:spcBef>
-                <a:spcPts val="450"/>
-              </a:spcBef>
-              <a:buClr>
-                <a:schemeClr val="accent1"/>
-              </a:buClr>
-              <a:buFont typeface="Arial" pitchFamily="34" charset="0"/>
-              <a:buNone/>
-              <a:defRPr sz="1200" kern="1200">
-                <a:solidFill>
-                  <a:schemeClr val="tx1">
-                    <a:tint val="75000"/>
-                  </a:schemeClr>
-                </a:solidFill>
-                <a:latin typeface="+mn-lt"/>
-                <a:ea typeface="+mn-ea"/>
-                <a:cs typeface="+mn-cs"/>
-              </a:defRPr>
-            </a:lvl9pPr>
-          </a:lstStyle>
-          <a:p>
-            <a:r>
-              <a:rPr lang="it-IT" sz="1400" dirty="0">
-                <a:solidFill>
-                  <a:schemeClr val="tx2"/>
-                </a:solidFill>
-                <a:effectLst>
-                  <a:outerShdw blurRad="38100" dist="38100" dir="2700000" algn="tl">
-                    <a:srgbClr val="000000">
-                      <a:alpha val="43137"/>
-                    </a:srgbClr>
-                  </a:outerShdw>
-                </a:effectLst>
-                <a:latin typeface="+mj-lt"/>
-              </a:rPr>
-              <a:t>Generators and iterables and aggregate initialization</a:t>
-            </a:r>
-          </a:p>
-        </p:txBody>
-      </p:sp>
-      <p:sp>
-        <p:nvSpPr>
-          <p:cNvPr id="25" name="TextBox 24"/>
-          <p:cNvSpPr txBox="1"/>
-          <p:nvPr/>
-        </p:nvSpPr>
-        <p:spPr>
-          <a:xfrm rot="891792">
-            <a:off x="8212183" y="1166713"/>
-            <a:ext cx="2191998" cy="1077218"/>
-          </a:xfrm>
-          <a:prstGeom prst="rect">
-            <a:avLst/>
-          </a:prstGeom>
-          <a:solidFill>
-            <a:srgbClr val="FF0000"/>
-          </a:solidFill>
-        </p:spPr>
-        <p:txBody>
-          <a:bodyPr wrap="square" rtlCol="0">
-            <a:spAutoFit/>
-          </a:bodyPr>
-          <a:lstStyle/>
-          <a:p>
-            <a:pPr algn="ctr"/>
-            <a:r>
-              <a:rPr lang="en-US" sz="3200" dirty="0">
-                <a:ln w="0"/>
-                <a:solidFill>
-                  <a:srgbClr val="FFFF00"/>
-                </a:solidFill>
-                <a:effectLst>
-                  <a:outerShdw blurRad="38100" dist="19050" dir="2700000" algn="tl" rotWithShape="0">
-                    <a:schemeClr val="dk1">
-                      <a:alpha val="40000"/>
-                    </a:schemeClr>
-                  </a:outerShdw>
-                </a:effectLst>
-                <a:latin typeface="+mj-lt"/>
-              </a:rPr>
-              <a:t>SNEAK PEEK</a:t>
-            </a:r>
-          </a:p>
-          <a:p>
-            <a:pPr algn="ctr"/>
-            <a:r>
-              <a:rPr lang="en-US" sz="3200" dirty="0">
-                <a:ln w="0"/>
-                <a:solidFill>
-                  <a:srgbClr val="FFFF00"/>
-                </a:solidFill>
-                <a:effectLst>
-                  <a:outerShdw blurRad="38100" dist="19050" dir="2700000" algn="tl" rotWithShape="0">
-                    <a:schemeClr val="dk1">
-                      <a:alpha val="40000"/>
-                    </a:schemeClr>
-                  </a:outerShdw>
-                </a:effectLst>
-                <a:latin typeface="+mj-lt"/>
-              </a:rPr>
-              <a:t>(more later)</a:t>
-            </a:r>
-          </a:p>
-        </p:txBody>
-      </p:sp>
-      <p:grpSp>
-        <p:nvGrpSpPr>
-          <p:cNvPr id="2" name="Group 1"/>
-          <p:cNvGrpSpPr/>
-          <p:nvPr/>
-        </p:nvGrpSpPr>
-        <p:grpSpPr>
-          <a:xfrm>
-            <a:off x="1894553" y="3611655"/>
-            <a:ext cx="7486595" cy="3162032"/>
-            <a:chOff x="367754" y="1122000"/>
-            <a:chExt cx="7486595" cy="3162032"/>
-          </a:xfrm>
-        </p:grpSpPr>
-        <p:sp>
-          <p:nvSpPr>
-            <p:cNvPr id="4" name="Rectangle 3"/>
-            <p:cNvSpPr/>
-            <p:nvPr/>
-          </p:nvSpPr>
-          <p:spPr>
-            <a:xfrm>
-              <a:off x="2017061" y="1175489"/>
-              <a:ext cx="5837288" cy="3108543"/>
-            </a:xfrm>
-            <a:prstGeom prst="rect">
-              <a:avLst/>
-            </a:prstGeom>
-            <a:effectLst>
-              <a:glow rad="63500">
-                <a:schemeClr val="accent1">
-                  <a:satMod val="175000"/>
-                  <a:alpha val="40000"/>
-                </a:schemeClr>
-              </a:glow>
-              <a:outerShdw blurRad="50800" dist="38100" dir="2700000" algn="tl" rotWithShape="0">
-                <a:prstClr val="black">
-                  <a:alpha val="40000"/>
-                </a:prstClr>
-              </a:outerShdw>
-            </a:effectLst>
-          </p:spPr>
-          <p:style>
-            <a:lnRef idx="2">
-              <a:schemeClr val="accent1"/>
-            </a:lnRef>
-            <a:fillRef idx="1">
-              <a:schemeClr val="lt1"/>
-            </a:fillRef>
-            <a:effectRef idx="0">
-              <a:schemeClr val="accent1"/>
-            </a:effectRef>
-            <a:fontRef idx="minor">
-              <a:schemeClr val="dk1"/>
-            </a:fontRef>
-          </p:style>
-          <p:txBody>
-            <a:bodyPr wrap="square">
-              <a:spAutoFit/>
-            </a:bodyPr>
-            <a:lstStyle/>
-            <a:p>
-              <a:r>
-                <a:rPr lang="en-US" sz="1400" dirty="0">
-                  <a:solidFill>
-                    <a:srgbClr val="0000FF"/>
-                  </a:solidFill>
-                  <a:highlight>
-                    <a:srgbClr val="FFFFFF"/>
-                  </a:highlight>
-                  <a:latin typeface="Consolas" panose="020B0609020204030204" pitchFamily="49" charset="0"/>
-                </a:rPr>
-                <a:t>auto </a:t>
-              </a:r>
-              <a:r>
-                <a:rPr lang="en-US" sz="1400" dirty="0">
-                  <a:solidFill>
-                    <a:srgbClr val="000000"/>
-                  </a:solidFill>
-                  <a:highlight>
-                    <a:srgbClr val="FFFFFF"/>
-                  </a:highlight>
-                  <a:latin typeface="Consolas" panose="020B0609020204030204" pitchFamily="49" charset="0"/>
-                </a:rPr>
-                <a:t>flatten(node* n) -&gt; generator&lt;</a:t>
-              </a:r>
-              <a:r>
-                <a:rPr lang="en-US" sz="1400" dirty="0">
-                  <a:solidFill>
-                    <a:srgbClr val="0000FF"/>
-                  </a:solidFill>
-                  <a:highlight>
-                    <a:srgbClr val="FFFFFF"/>
-                  </a:highlight>
-                  <a:latin typeface="Consolas" panose="020B0609020204030204" pitchFamily="49" charset="0"/>
-                </a:rPr>
-                <a:t>decltype</a:t>
-              </a:r>
-              <a:r>
-                <a:rPr lang="en-US" sz="1400" dirty="0">
-                  <a:solidFill>
-                    <a:srgbClr val="000000"/>
-                  </a:solidFill>
-                  <a:highlight>
-                    <a:srgbClr val="FFFFFF"/>
-                  </a:highlight>
-                  <a:latin typeface="Consolas" panose="020B0609020204030204" pitchFamily="49" charset="0"/>
-                </a:rPr>
-                <a:t>(n-&gt;value)&gt; {</a:t>
-              </a:r>
-            </a:p>
-            <a:p>
-              <a:r>
-                <a:rPr lang="en-US" sz="1400" dirty="0">
-                  <a:solidFill>
-                    <a:srgbClr val="0000FF"/>
-                  </a:solidFill>
-                  <a:highlight>
-                    <a:srgbClr val="FFFFFF"/>
-                  </a:highlight>
-                  <a:latin typeface="Consolas" panose="020B0609020204030204" pitchFamily="49" charset="0"/>
-                </a:rPr>
-                <a:t>    if </a:t>
-              </a:r>
-              <a:r>
-                <a:rPr lang="en-US" sz="1400" dirty="0">
-                  <a:solidFill>
-                    <a:srgbClr val="000000"/>
-                  </a:solidFill>
-                  <a:highlight>
-                    <a:srgbClr val="FFFFFF"/>
-                  </a:highlight>
-                  <a:latin typeface="Consolas" panose="020B0609020204030204" pitchFamily="49" charset="0"/>
-                </a:rPr>
-                <a:t>(n != </a:t>
-              </a:r>
-              <a:r>
-                <a:rPr lang="en-US" sz="1400" dirty="0">
-                  <a:solidFill>
-                    <a:srgbClr val="0000FF"/>
-                  </a:solidFill>
-                  <a:highlight>
-                    <a:srgbClr val="FFFFFF"/>
-                  </a:highlight>
-                  <a:latin typeface="Consolas" panose="020B0609020204030204" pitchFamily="49" charset="0"/>
-                </a:rPr>
-                <a:t>nullptr</a:t>
-              </a:r>
-              <a:r>
-                <a:rPr lang="en-US" sz="1400" dirty="0">
-                  <a:solidFill>
-                    <a:srgbClr val="000000"/>
-                  </a:solidFill>
-                  <a:highlight>
-                    <a:srgbClr val="FFFFFF"/>
-                  </a:highlight>
-                  <a:latin typeface="Consolas" panose="020B0609020204030204" pitchFamily="49" charset="0"/>
-                </a:rPr>
-                <a:t>) {</a:t>
-              </a:r>
-              <a:br>
-                <a:rPr lang="en-US" sz="1400" dirty="0">
-                  <a:solidFill>
-                    <a:srgbClr val="000000"/>
-                  </a:solidFill>
-                  <a:highlight>
-                    <a:srgbClr val="FFFFFF"/>
-                  </a:highlight>
-                  <a:latin typeface="Consolas" panose="020B0609020204030204" pitchFamily="49" charset="0"/>
-                </a:rPr>
-              </a:br>
-              <a:r>
-                <a:rPr lang="en-US" sz="1400" dirty="0">
-                  <a:solidFill>
-                    <a:srgbClr val="000000"/>
-                  </a:solidFill>
-                  <a:highlight>
-                    <a:srgbClr val="FFFFFF"/>
-                  </a:highlight>
-                  <a:latin typeface="Consolas" panose="020B0609020204030204" pitchFamily="49" charset="0"/>
-                </a:rPr>
-                <a:t>        </a:t>
-              </a:r>
-              <a:r>
-                <a:rPr lang="en-US" sz="1400" dirty="0">
-                  <a:solidFill>
-                    <a:srgbClr val="0000FF"/>
-                  </a:solidFill>
-                  <a:highlight>
-                    <a:srgbClr val="FFFFFF"/>
-                  </a:highlight>
-                  <a:latin typeface="Consolas" panose="020B0609020204030204" pitchFamily="49" charset="0"/>
-                </a:rPr>
-                <a:t>yield </a:t>
-              </a:r>
-              <a:r>
-                <a:rPr lang="en-US" sz="1400" dirty="0">
-                  <a:solidFill>
-                    <a:srgbClr val="000000"/>
-                  </a:solidFill>
-                  <a:highlight>
-                    <a:srgbClr val="FFFFFF"/>
-                  </a:highlight>
-                  <a:latin typeface="Consolas" panose="020B0609020204030204" pitchFamily="49" charset="0"/>
-                </a:rPr>
-                <a:t>flatten(n-&gt;left);</a:t>
-              </a:r>
-            </a:p>
-            <a:p>
-              <a:r>
-                <a:rPr lang="en-US" sz="1400" dirty="0">
-                  <a:solidFill>
-                    <a:srgbClr val="0000FF"/>
-                  </a:solidFill>
-                  <a:highlight>
-                    <a:srgbClr val="FFFFFF"/>
-                  </a:highlight>
-                  <a:latin typeface="Consolas" panose="020B0609020204030204" pitchFamily="49" charset="0"/>
-                </a:rPr>
-                <a:t>        yield </a:t>
-              </a:r>
-              <a:r>
-                <a:rPr lang="en-US" sz="1400" dirty="0">
-                  <a:solidFill>
-                    <a:srgbClr val="000000"/>
-                  </a:solidFill>
-                  <a:highlight>
-                    <a:srgbClr val="FFFFFF"/>
-                  </a:highlight>
-                  <a:latin typeface="Consolas" panose="020B0609020204030204" pitchFamily="49" charset="0"/>
-                </a:rPr>
-                <a:t>n-&gt;value;</a:t>
-              </a:r>
-              <a:endParaRPr lang="en-US" sz="1400" dirty="0">
-                <a:solidFill>
-                  <a:srgbClr val="0000FF"/>
-                </a:solidFill>
-                <a:highlight>
-                  <a:srgbClr val="FFFFFF"/>
-                </a:highlight>
-                <a:latin typeface="Consolas" panose="020B0609020204030204" pitchFamily="49" charset="0"/>
-              </a:endParaRPr>
-            </a:p>
-            <a:p>
-              <a:r>
-                <a:rPr lang="en-US" sz="1400" dirty="0">
-                  <a:solidFill>
-                    <a:srgbClr val="0000FF"/>
-                  </a:solidFill>
-                  <a:highlight>
-                    <a:srgbClr val="FFFFFF"/>
-                  </a:highlight>
-                  <a:latin typeface="Consolas" panose="020B0609020204030204" pitchFamily="49" charset="0"/>
-                </a:rPr>
-                <a:t>        yield </a:t>
-              </a:r>
-              <a:r>
-                <a:rPr lang="en-US" sz="1400" dirty="0">
-                  <a:solidFill>
-                    <a:srgbClr val="000000"/>
-                  </a:solidFill>
-                  <a:highlight>
-                    <a:srgbClr val="FFFFFF"/>
-                  </a:highlight>
-                  <a:latin typeface="Consolas" panose="020B0609020204030204" pitchFamily="49" charset="0"/>
-                </a:rPr>
-                <a:t>flatten(n-&gt;right);</a:t>
-              </a:r>
-            </a:p>
-            <a:p>
-              <a:r>
-                <a:rPr lang="en-US" sz="1400" dirty="0">
-                  <a:solidFill>
-                    <a:srgbClr val="000000"/>
-                  </a:solidFill>
-                  <a:highlight>
-                    <a:srgbClr val="FFFFFF"/>
-                  </a:highlight>
-                  <a:latin typeface="Consolas" panose="020B0609020204030204" pitchFamily="49" charset="0"/>
-                </a:rPr>
-                <a:t>    }</a:t>
-              </a:r>
-            </a:p>
-            <a:p>
-              <a:r>
-                <a:rPr lang="en-US" sz="1400" dirty="0">
-                  <a:solidFill>
-                    <a:srgbClr val="000000"/>
-                  </a:solidFill>
-                  <a:highlight>
-                    <a:srgbClr val="FFFFFF"/>
-                  </a:highlight>
-                  <a:latin typeface="Consolas" panose="020B0609020204030204" pitchFamily="49" charset="0"/>
-                </a:rPr>
-                <a:t>}</a:t>
-              </a:r>
-              <a:endParaRPr lang="en-US" sz="1400" dirty="0">
-                <a:solidFill>
-                  <a:srgbClr val="0000FF"/>
-                </a:solidFill>
-                <a:highlight>
-                  <a:srgbClr val="FFFFFF"/>
-                </a:highlight>
-                <a:latin typeface="Consolas" panose="020B0609020204030204" pitchFamily="49" charset="0"/>
-              </a:endParaRPr>
-            </a:p>
-            <a:p>
-              <a:r>
-                <a:rPr lang="en-US" sz="1400" dirty="0">
-                  <a:solidFill>
-                    <a:srgbClr val="0000FF"/>
-                  </a:solidFill>
-                  <a:highlight>
-                    <a:srgbClr val="FFFFFF"/>
-                  </a:highlight>
-                  <a:latin typeface="Consolas" panose="020B0609020204030204" pitchFamily="49" charset="0"/>
-                </a:rPr>
-                <a:t>bool</a:t>
-              </a:r>
-              <a:r>
-                <a:rPr lang="en-US" sz="1400" dirty="0">
-                  <a:solidFill>
-                    <a:srgbClr val="000000"/>
-                  </a:solidFill>
-                  <a:highlight>
-                    <a:srgbClr val="FFFFFF"/>
-                  </a:highlight>
-                  <a:latin typeface="Consolas" panose="020B0609020204030204" pitchFamily="49" charset="0"/>
-                </a:rPr>
-                <a:t> </a:t>
-              </a:r>
-              <a:r>
-                <a:rPr lang="en-US" sz="1400" dirty="0" err="1">
-                  <a:solidFill>
-                    <a:srgbClr val="000000"/>
-                  </a:solidFill>
-                  <a:highlight>
-                    <a:srgbClr val="FFFFFF"/>
-                  </a:highlight>
-                  <a:latin typeface="Consolas" panose="020B0609020204030204" pitchFamily="49" charset="0"/>
-                </a:rPr>
-                <a:t>same_fringe</a:t>
-              </a:r>
-              <a:r>
-                <a:rPr lang="en-US" sz="1400" dirty="0">
-                  <a:solidFill>
-                    <a:srgbClr val="000000"/>
-                  </a:solidFill>
-                  <a:highlight>
-                    <a:srgbClr val="FFFFFF"/>
-                  </a:highlight>
-                  <a:latin typeface="Consolas" panose="020B0609020204030204" pitchFamily="49" charset="0"/>
-                </a:rPr>
-                <a:t>(node* tree1, node* tree2)</a:t>
-              </a:r>
-            </a:p>
-            <a:p>
-              <a:r>
-                <a:rPr lang="en-US" sz="1400" dirty="0">
-                  <a:solidFill>
-                    <a:srgbClr val="000000"/>
-                  </a:solidFill>
-                  <a:highlight>
-                    <a:srgbClr val="FFFFFF"/>
-                  </a:highlight>
-                  <a:latin typeface="Consolas" panose="020B0609020204030204" pitchFamily="49" charset="0"/>
-                </a:rPr>
-                <a:t>{</a:t>
-              </a:r>
-            </a:p>
-            <a:p>
-              <a:r>
-                <a:rPr lang="en-US" sz="1400" dirty="0">
-                  <a:solidFill>
-                    <a:srgbClr val="0000FF"/>
-                  </a:solidFill>
-                  <a:highlight>
-                    <a:srgbClr val="FFFFFF"/>
-                  </a:highlight>
-                  <a:latin typeface="Consolas" panose="020B0609020204030204" pitchFamily="49" charset="0"/>
-                </a:rPr>
-                <a:t>    auto</a:t>
-              </a:r>
-              <a:r>
-                <a:rPr lang="en-US" sz="1400" dirty="0">
-                  <a:solidFill>
-                    <a:srgbClr val="000000"/>
-                  </a:solidFill>
-                  <a:highlight>
-                    <a:srgbClr val="FFFFFF"/>
-                  </a:highlight>
-                  <a:latin typeface="Consolas" panose="020B0609020204030204" pitchFamily="49" charset="0"/>
-                </a:rPr>
-                <a:t> seq1 = flatten(tree1);</a:t>
-              </a:r>
-            </a:p>
-            <a:p>
-              <a:r>
-                <a:rPr lang="en-US" sz="1400" dirty="0">
-                  <a:solidFill>
-                    <a:srgbClr val="0000FF"/>
-                  </a:solidFill>
-                  <a:highlight>
-                    <a:srgbClr val="FFFFFF"/>
-                  </a:highlight>
-                  <a:latin typeface="Consolas" panose="020B0609020204030204" pitchFamily="49" charset="0"/>
-                </a:rPr>
-                <a:t>    auto</a:t>
-              </a:r>
-              <a:r>
-                <a:rPr lang="en-US" sz="1400" dirty="0">
-                  <a:solidFill>
-                    <a:srgbClr val="000000"/>
-                  </a:solidFill>
-                  <a:highlight>
-                    <a:srgbClr val="FFFFFF"/>
-                  </a:highlight>
-                  <a:latin typeface="Consolas" panose="020B0609020204030204" pitchFamily="49" charset="0"/>
-                </a:rPr>
-                <a:t> seq2 = flatten(tree2);</a:t>
-              </a:r>
-            </a:p>
-            <a:p>
-              <a:r>
-                <a:rPr lang="en-US" sz="1400" dirty="0">
-                  <a:solidFill>
-                    <a:srgbClr val="0000FF"/>
-                  </a:solidFill>
-                  <a:highlight>
-                    <a:srgbClr val="FFFFFF"/>
-                  </a:highlight>
-                  <a:latin typeface="Consolas" panose="020B0609020204030204" pitchFamily="49" charset="0"/>
-                </a:rPr>
-                <a:t>    return</a:t>
-              </a:r>
-              <a:r>
-                <a:rPr lang="en-US" sz="1400" dirty="0">
-                  <a:solidFill>
-                    <a:srgbClr val="000000"/>
-                  </a:solidFill>
-                  <a:highlight>
-                    <a:srgbClr val="FFFFFF"/>
-                  </a:highlight>
-                  <a:latin typeface="Consolas" panose="020B0609020204030204" pitchFamily="49" charset="0"/>
-                </a:rPr>
-                <a:t> equal(begin(seq1), end(seq1),</a:t>
-              </a:r>
-            </a:p>
-            <a:p>
-              <a:r>
-                <a:rPr lang="en-US" sz="1400" dirty="0">
-                  <a:solidFill>
-                    <a:srgbClr val="000000"/>
-                  </a:solidFill>
-                  <a:highlight>
-                    <a:srgbClr val="FFFFFF"/>
-                  </a:highlight>
-                  <a:latin typeface="Consolas" panose="020B0609020204030204" pitchFamily="49" charset="0"/>
-                </a:rPr>
-                <a:t>                 begin(seq2), end(seq2));</a:t>
-              </a:r>
-            </a:p>
-            <a:p>
-              <a:r>
-                <a:rPr lang="en-US" sz="1400" dirty="0">
-                  <a:solidFill>
-                    <a:srgbClr val="000000"/>
-                  </a:solidFill>
-                  <a:highlight>
-                    <a:srgbClr val="FFFFFF"/>
-                  </a:highlight>
-                  <a:latin typeface="Consolas" panose="020B0609020204030204" pitchFamily="49" charset="0"/>
-                </a:rPr>
-                <a:t>}</a:t>
-              </a:r>
-            </a:p>
-          </p:txBody>
-        </p:sp>
-        <p:sp>
-          <p:nvSpPr>
-            <p:cNvPr id="10" name="TextBox 9"/>
-            <p:cNvSpPr txBox="1"/>
-            <p:nvPr/>
-          </p:nvSpPr>
-          <p:spPr>
-            <a:xfrm>
-              <a:off x="367754" y="1821820"/>
-              <a:ext cx="1601993" cy="1754326"/>
-            </a:xfrm>
-            <a:prstGeom prst="rect">
-              <a:avLst/>
-            </a:prstGeom>
-            <a:noFill/>
-          </p:spPr>
-          <p:txBody>
-            <a:bodyPr wrap="square" rtlCol="0">
-              <a:spAutoFit/>
-            </a:bodyPr>
-            <a:lstStyle/>
-            <a:p>
-              <a:pPr algn="r"/>
-              <a:r>
-                <a:rPr lang="en-US" dirty="0">
-                  <a:latin typeface="Agency FB" panose="020B0503020202020204" pitchFamily="34" charset="0"/>
-                </a:rPr>
-                <a:t>Checks if in-order depth first traversal of two trees yields the same sequence of values</a:t>
-              </a:r>
-            </a:p>
-          </p:txBody>
-        </p:sp>
-        <p:sp>
-          <p:nvSpPr>
-            <p:cNvPr id="11" name="Rectangle 10"/>
-            <p:cNvSpPr/>
-            <p:nvPr/>
-          </p:nvSpPr>
-          <p:spPr>
-            <a:xfrm>
-              <a:off x="740180" y="1122000"/>
-              <a:ext cx="1229567" cy="646331"/>
-            </a:xfrm>
-            <a:prstGeom prst="rect">
-              <a:avLst/>
-            </a:prstGeom>
-          </p:spPr>
-          <p:txBody>
-            <a:bodyPr wrap="none">
-              <a:spAutoFit/>
-            </a:bodyPr>
-            <a:lstStyle/>
-            <a:p>
-              <a:pPr algn="r"/>
-              <a:r>
-                <a:rPr lang="it-IT" dirty="0">
-                  <a:solidFill>
-                    <a:schemeClr val="tx2"/>
-                  </a:solidFill>
-                  <a:effectLst>
-                    <a:outerShdw blurRad="38100" dist="38100" dir="2700000" algn="tl">
-                      <a:srgbClr val="000000">
-                        <a:alpha val="43137"/>
-                      </a:srgbClr>
-                    </a:outerShdw>
-                  </a:effectLst>
-                </a:rPr>
-                <a:t>Recursive</a:t>
-              </a:r>
-            </a:p>
-            <a:p>
-              <a:pPr algn="r"/>
-              <a:r>
-                <a:rPr lang="it-IT" dirty="0">
-                  <a:solidFill>
-                    <a:schemeClr val="tx2"/>
-                  </a:solidFill>
-                  <a:effectLst>
-                    <a:outerShdw blurRad="38100" dist="38100" dir="2700000" algn="tl">
-                      <a:srgbClr val="000000">
-                        <a:alpha val="43137"/>
-                      </a:srgbClr>
-                    </a:outerShdw>
-                  </a:effectLst>
-                </a:rPr>
-                <a:t>Generators</a:t>
-              </a:r>
-              <a:endParaRPr lang="en-US" dirty="0"/>
-            </a:p>
-          </p:txBody>
-        </p:sp>
-      </p:grpSp>
-      <p:grpSp>
-        <p:nvGrpSpPr>
-          <p:cNvPr id="5" name="Group 4"/>
-          <p:cNvGrpSpPr/>
-          <p:nvPr/>
-        </p:nvGrpSpPr>
-        <p:grpSpPr>
-          <a:xfrm>
-            <a:off x="1901421" y="2534393"/>
-            <a:ext cx="8060724" cy="965117"/>
-            <a:chOff x="377422" y="2534392"/>
-            <a:chExt cx="7476926" cy="965117"/>
-          </a:xfrm>
-        </p:grpSpPr>
-        <p:sp>
-          <p:nvSpPr>
-            <p:cNvPr id="26" name="Rectangle 25"/>
-            <p:cNvSpPr/>
-            <p:nvPr/>
-          </p:nvSpPr>
-          <p:spPr>
-            <a:xfrm>
-              <a:off x="2017060" y="2772582"/>
-              <a:ext cx="5757928" cy="307777"/>
-            </a:xfrm>
-            <a:prstGeom prst="rect">
-              <a:avLst/>
-            </a:prstGeom>
-            <a:effectLst>
-              <a:glow rad="63500">
-                <a:schemeClr val="accent1">
-                  <a:satMod val="175000"/>
-                  <a:alpha val="40000"/>
-                </a:schemeClr>
-              </a:glow>
-              <a:outerShdw blurRad="50800" dist="38100" dir="2700000" algn="tl" rotWithShape="0">
-                <a:prstClr val="black">
-                  <a:alpha val="40000"/>
-                </a:prstClr>
-              </a:outerShdw>
-            </a:effectLst>
-          </p:spPr>
-          <p:style>
-            <a:lnRef idx="2">
-              <a:schemeClr val="accent1"/>
-            </a:lnRef>
-            <a:fillRef idx="1">
-              <a:schemeClr val="lt1"/>
-            </a:fillRef>
-            <a:effectRef idx="0">
-              <a:schemeClr val="accent1"/>
-            </a:effectRef>
-            <a:fontRef idx="minor">
-              <a:schemeClr val="dk1"/>
-            </a:fontRef>
-          </p:style>
-          <p:txBody>
-            <a:bodyPr wrap="square">
-              <a:spAutoFit/>
-            </a:bodyPr>
-            <a:lstStyle/>
-            <a:p>
-              <a:r>
-                <a:rPr lang="en-US" sz="1400" dirty="0">
-                  <a:solidFill>
-                    <a:srgbClr val="0000FF"/>
-                  </a:solidFill>
-                  <a:highlight>
-                    <a:srgbClr val="FFFFFF"/>
-                  </a:highlight>
-                  <a:latin typeface="Consolas" panose="020B0609020204030204" pitchFamily="49" charset="0"/>
-                </a:rPr>
-                <a:t>int </a:t>
-              </a:r>
-              <a:r>
-                <a:rPr lang="en-US" sz="1400" dirty="0">
-                  <a:solidFill>
-                    <a:srgbClr val="000000"/>
-                  </a:solidFill>
-                  <a:highlight>
-                    <a:srgbClr val="FFFFFF"/>
-                  </a:highlight>
-                  <a:latin typeface="Consolas" panose="020B0609020204030204" pitchFamily="49" charset="0"/>
-                </a:rPr>
-                <a:t>a[] = { []{ </a:t>
-              </a:r>
-              <a:r>
-                <a:rPr lang="en-US" sz="1400" dirty="0">
-                  <a:solidFill>
-                    <a:srgbClr val="0000FF"/>
-                  </a:solidFill>
-                  <a:highlight>
-                    <a:srgbClr val="FFFFFF"/>
-                  </a:highlight>
-                  <a:latin typeface="Consolas" panose="020B0609020204030204" pitchFamily="49" charset="0"/>
-                </a:rPr>
-                <a:t>for</a:t>
-              </a:r>
-              <a:r>
-                <a:rPr lang="en-US" sz="1400" dirty="0">
-                  <a:solidFill>
-                    <a:srgbClr val="000000"/>
-                  </a:solidFill>
-                  <a:highlight>
-                    <a:srgbClr val="FFFFFF"/>
-                  </a:highlight>
-                  <a:latin typeface="Consolas" panose="020B0609020204030204" pitchFamily="49" charset="0"/>
-                </a:rPr>
-                <a:t>(</a:t>
-              </a:r>
-              <a:r>
-                <a:rPr lang="en-US" sz="1400" dirty="0">
-                  <a:solidFill>
-                    <a:srgbClr val="0000FF"/>
-                  </a:solidFill>
-                  <a:highlight>
-                    <a:srgbClr val="FFFFFF"/>
-                  </a:highlight>
-                  <a:latin typeface="Consolas" panose="020B0609020204030204" pitchFamily="49" charset="0"/>
-                </a:rPr>
-                <a:t>int </a:t>
-              </a:r>
-              <a:r>
-                <a:rPr lang="en-US" sz="1400" dirty="0">
-                  <a:solidFill>
-                    <a:srgbClr val="000000"/>
-                  </a:solidFill>
-                  <a:highlight>
-                    <a:srgbClr val="FFFFFF"/>
-                  </a:highlight>
-                  <a:latin typeface="Consolas" panose="020B0609020204030204" pitchFamily="49" charset="0"/>
-                </a:rPr>
-                <a:t>x = 0; x &lt; 10; ++x) </a:t>
-              </a:r>
-              <a:r>
-                <a:rPr lang="en-US" sz="1400" dirty="0">
-                  <a:solidFill>
-                    <a:srgbClr val="0000FF"/>
-                  </a:solidFill>
-                  <a:highlight>
-                    <a:srgbClr val="FFFFFF"/>
-                  </a:highlight>
-                  <a:latin typeface="Consolas" panose="020B0609020204030204" pitchFamily="49" charset="0"/>
-                </a:rPr>
-                <a:t>yield </a:t>
-              </a:r>
-              <a:r>
-                <a:rPr lang="en-US" sz="1400" dirty="0">
-                  <a:solidFill>
-                    <a:srgbClr val="000000"/>
-                  </a:solidFill>
-                  <a:highlight>
-                    <a:srgbClr val="FFFFFF"/>
-                  </a:highlight>
-                  <a:latin typeface="Consolas" panose="020B0609020204030204" pitchFamily="49" charset="0"/>
-                </a:rPr>
-                <a:t>x*x; } };</a:t>
-              </a:r>
-            </a:p>
-          </p:txBody>
-        </p:sp>
-        <p:sp>
-          <p:nvSpPr>
-            <p:cNvPr id="12" name="Rectangle 11"/>
-            <p:cNvSpPr/>
-            <p:nvPr/>
-          </p:nvSpPr>
-          <p:spPr>
-            <a:xfrm>
-              <a:off x="869619" y="2534392"/>
-              <a:ext cx="1104533" cy="646331"/>
-            </a:xfrm>
-            <a:prstGeom prst="rect">
-              <a:avLst/>
-            </a:prstGeom>
-          </p:spPr>
-          <p:txBody>
-            <a:bodyPr wrap="none">
-              <a:spAutoFit/>
-            </a:bodyPr>
-            <a:lstStyle/>
-            <a:p>
-              <a:pPr algn="r"/>
-              <a:r>
-                <a:rPr lang="it-IT" dirty="0">
-                  <a:solidFill>
-                    <a:schemeClr val="tx2"/>
-                  </a:solidFill>
-                  <a:effectLst>
-                    <a:outerShdw blurRad="38100" dist="38100" dir="2700000" algn="tl">
-                      <a:srgbClr val="000000">
-                        <a:alpha val="43137"/>
-                      </a:srgbClr>
-                    </a:outerShdw>
-                  </a:effectLst>
-                </a:rPr>
-                <a:t>constexpr</a:t>
-              </a:r>
-            </a:p>
-            <a:p>
-              <a:pPr algn="r"/>
-              <a:r>
-                <a:rPr lang="it-IT" dirty="0">
-                  <a:solidFill>
-                    <a:schemeClr val="tx2"/>
-                  </a:solidFill>
-                  <a:effectLst>
-                    <a:outerShdw blurRad="38100" dist="38100" dir="2700000" algn="tl">
-                      <a:srgbClr val="000000">
-                        <a:alpha val="43137"/>
-                      </a:srgbClr>
-                    </a:outerShdw>
-                  </a:effectLst>
-                </a:rPr>
-                <a:t>generators</a:t>
-              </a:r>
-              <a:endParaRPr lang="en-US" dirty="0"/>
-            </a:p>
-          </p:txBody>
-        </p:sp>
-        <p:sp>
-          <p:nvSpPr>
-            <p:cNvPr id="13" name="TextBox 12"/>
-            <p:cNvSpPr txBox="1"/>
-            <p:nvPr/>
-          </p:nvSpPr>
-          <p:spPr>
-            <a:xfrm>
-              <a:off x="377422" y="3130177"/>
-              <a:ext cx="1601993" cy="369332"/>
-            </a:xfrm>
-            <a:prstGeom prst="rect">
-              <a:avLst/>
-            </a:prstGeom>
-            <a:noFill/>
-          </p:spPr>
-          <p:txBody>
-            <a:bodyPr wrap="square" rtlCol="0">
-              <a:spAutoFit/>
-            </a:bodyPr>
-            <a:lstStyle/>
-            <a:p>
-              <a:pPr algn="r"/>
-              <a:r>
-                <a:rPr lang="en-US" dirty="0">
-                  <a:latin typeface="Agency FB" panose="020B0503020202020204" pitchFamily="34" charset="0"/>
-                </a:rPr>
-                <a:t>Equivalent to</a:t>
-              </a:r>
-            </a:p>
-          </p:txBody>
-        </p:sp>
-        <p:sp>
-          <p:nvSpPr>
-            <p:cNvPr id="14" name="Rectangle 13"/>
-            <p:cNvSpPr/>
-            <p:nvPr/>
-          </p:nvSpPr>
-          <p:spPr>
-            <a:xfrm>
-              <a:off x="2017059" y="3183358"/>
-              <a:ext cx="5837289" cy="307777"/>
-            </a:xfrm>
-            <a:prstGeom prst="rect">
-              <a:avLst/>
-            </a:prstGeom>
-            <a:ln>
-              <a:noFill/>
-            </a:ln>
-            <a:effectLst/>
-          </p:spPr>
-          <p:style>
-            <a:lnRef idx="2">
-              <a:schemeClr val="accent1"/>
-            </a:lnRef>
-            <a:fillRef idx="1">
-              <a:schemeClr val="lt1"/>
-            </a:fillRef>
-            <a:effectRef idx="0">
-              <a:schemeClr val="accent1"/>
-            </a:effectRef>
-            <a:fontRef idx="minor">
-              <a:schemeClr val="dk1"/>
-            </a:fontRef>
-          </p:style>
-          <p:txBody>
-            <a:bodyPr wrap="square">
-              <a:spAutoFit/>
-            </a:bodyPr>
-            <a:lstStyle/>
-            <a:p>
-              <a:r>
-                <a:rPr lang="en-US" sz="1400" dirty="0">
-                  <a:solidFill>
-                    <a:srgbClr val="0000FF"/>
-                  </a:solidFill>
-                  <a:highlight>
-                    <a:srgbClr val="FFFFFF"/>
-                  </a:highlight>
-                  <a:latin typeface="Consolas" panose="020B0609020204030204" pitchFamily="49" charset="0"/>
-                </a:rPr>
-                <a:t>int </a:t>
-              </a:r>
-              <a:r>
-                <a:rPr lang="en-US" sz="1400" dirty="0">
-                  <a:solidFill>
-                    <a:srgbClr val="000000"/>
-                  </a:solidFill>
-                  <a:highlight>
-                    <a:srgbClr val="FFFFFF"/>
-                  </a:highlight>
-                  <a:latin typeface="Consolas" panose="020B0609020204030204" pitchFamily="49" charset="0"/>
-                </a:rPr>
-                <a:t>a[] = { 0,1,4,9,16,25,36,49,64,81 };</a:t>
-              </a:r>
-            </a:p>
-          </p:txBody>
-        </p:sp>
-      </p:grpSp>
-      <p:grpSp>
-        <p:nvGrpSpPr>
-          <p:cNvPr id="3" name="Group 2"/>
-          <p:cNvGrpSpPr/>
-          <p:nvPr/>
-        </p:nvGrpSpPr>
-        <p:grpSpPr>
-          <a:xfrm>
-            <a:off x="2313976" y="897738"/>
-            <a:ext cx="5739159" cy="1551072"/>
-            <a:chOff x="789975" y="897738"/>
-            <a:chExt cx="5739159" cy="1551072"/>
-          </a:xfrm>
-        </p:grpSpPr>
-        <p:sp>
-          <p:nvSpPr>
-            <p:cNvPr id="16" name="Rectangle 15"/>
-            <p:cNvSpPr/>
-            <p:nvPr/>
-          </p:nvSpPr>
-          <p:spPr>
-            <a:xfrm>
-              <a:off x="789975" y="897738"/>
-              <a:ext cx="1190774" cy="369332"/>
-            </a:xfrm>
-            <a:prstGeom prst="rect">
-              <a:avLst/>
-            </a:prstGeom>
-          </p:spPr>
-          <p:txBody>
-            <a:bodyPr wrap="none">
-              <a:spAutoFit/>
-            </a:bodyPr>
-            <a:lstStyle/>
-            <a:p>
-              <a:pPr algn="r"/>
-              <a:r>
-                <a:rPr lang="it-IT" dirty="0">
-                  <a:solidFill>
-                    <a:schemeClr val="tx2"/>
-                  </a:solidFill>
-                  <a:effectLst>
-                    <a:outerShdw blurRad="38100" dist="38100" dir="2700000" algn="tl">
-                      <a:srgbClr val="000000">
-                        <a:alpha val="43137"/>
-                      </a:srgbClr>
-                    </a:outerShdw>
-                  </a:effectLst>
-                </a:rPr>
-                <a:t>generators</a:t>
-              </a:r>
-              <a:endParaRPr lang="en-US" dirty="0"/>
-            </a:p>
-          </p:txBody>
-        </p:sp>
-        <p:sp>
-          <p:nvSpPr>
-            <p:cNvPr id="18" name="Rectangle 17"/>
-            <p:cNvSpPr/>
-            <p:nvPr/>
-          </p:nvSpPr>
-          <p:spPr>
-            <a:xfrm>
-              <a:off x="2015074" y="1063815"/>
-              <a:ext cx="4514060" cy="1384995"/>
-            </a:xfrm>
-            <a:prstGeom prst="rect">
-              <a:avLst/>
-            </a:prstGeom>
-            <a:effectLst>
-              <a:glow rad="63500">
-                <a:schemeClr val="accent1">
-                  <a:satMod val="175000"/>
-                  <a:alpha val="40000"/>
-                </a:schemeClr>
-              </a:glow>
-              <a:outerShdw blurRad="50800" dist="38100" dir="2700000" algn="tl" rotWithShape="0">
-                <a:prstClr val="black">
-                  <a:alpha val="40000"/>
-                </a:prstClr>
-              </a:outerShdw>
-            </a:effectLst>
-          </p:spPr>
-          <p:style>
-            <a:lnRef idx="2">
-              <a:schemeClr val="accent1"/>
-            </a:lnRef>
-            <a:fillRef idx="1">
-              <a:schemeClr val="lt1"/>
-            </a:fillRef>
-            <a:effectRef idx="0">
-              <a:schemeClr val="accent1"/>
-            </a:effectRef>
-            <a:fontRef idx="minor">
-              <a:schemeClr val="dk1"/>
-            </a:fontRef>
-          </p:style>
-          <p:txBody>
-            <a:bodyPr wrap="square">
-              <a:spAutoFit/>
-            </a:bodyPr>
-            <a:lstStyle/>
-            <a:p>
-              <a:r>
-                <a:rPr lang="en-US" sz="1400" dirty="0">
-                  <a:solidFill>
-                    <a:srgbClr val="000000"/>
-                  </a:solidFill>
-                  <a:highlight>
-                    <a:srgbClr val="FFFFFF"/>
-                  </a:highlight>
-                  <a:latin typeface="Consolas" panose="020B0609020204030204" pitchFamily="49" charset="0"/>
-                </a:rPr>
-                <a:t>generator&lt;</a:t>
-              </a:r>
-              <a:r>
-                <a:rPr lang="en-US" sz="1400" dirty="0">
-                  <a:solidFill>
-                    <a:srgbClr val="0000FF"/>
-                  </a:solidFill>
-                  <a:highlight>
-                    <a:srgbClr val="FFFFFF"/>
-                  </a:highlight>
-                  <a:latin typeface="Consolas" panose="020B0609020204030204" pitchFamily="49" charset="0"/>
-                </a:rPr>
-                <a:t>char</a:t>
-              </a:r>
-              <a:r>
-                <a:rPr lang="en-US" sz="1400" dirty="0">
-                  <a:solidFill>
-                    <a:srgbClr val="000000"/>
-                  </a:solidFill>
-                  <a:highlight>
-                    <a:srgbClr val="FFFFFF"/>
-                  </a:highlight>
-                  <a:latin typeface="Consolas" panose="020B0609020204030204" pitchFamily="49" charset="0"/>
-                </a:rPr>
-                <a:t>&gt; hello() {</a:t>
-              </a:r>
-            </a:p>
-            <a:p>
-              <a:r>
-                <a:rPr lang="en-US" sz="1400" dirty="0">
-                  <a:solidFill>
-                    <a:srgbClr val="000000"/>
-                  </a:solidFill>
-                  <a:highlight>
-                    <a:srgbClr val="FFFFFF"/>
-                  </a:highlight>
-                  <a:latin typeface="Consolas" panose="020B0609020204030204" pitchFamily="49" charset="0"/>
-                </a:rPr>
-                <a:t>   </a:t>
-              </a:r>
-              <a:r>
-                <a:rPr lang="en-US" sz="1400" dirty="0">
-                  <a:solidFill>
-                    <a:srgbClr val="0000FF"/>
-                  </a:solidFill>
-                  <a:highlight>
-                    <a:srgbClr val="FFFFFF"/>
-                  </a:highlight>
-                  <a:latin typeface="Consolas" panose="020B0609020204030204" pitchFamily="49" charset="0"/>
-                </a:rPr>
-                <a:t>for</a:t>
-              </a:r>
-              <a:r>
-                <a:rPr lang="en-US" sz="1400" dirty="0">
-                  <a:solidFill>
-                    <a:srgbClr val="000000"/>
-                  </a:solidFill>
-                  <a:highlight>
-                    <a:srgbClr val="FFFFFF"/>
-                  </a:highlight>
-                  <a:latin typeface="Consolas" panose="020B0609020204030204" pitchFamily="49" charset="0"/>
-                </a:rPr>
-                <a:t> (</a:t>
-              </a:r>
-              <a:r>
-                <a:rPr lang="en-US" sz="1400" dirty="0" err="1">
-                  <a:solidFill>
-                    <a:srgbClr val="000000"/>
-                  </a:solidFill>
-                  <a:highlight>
-                    <a:srgbClr val="FFFFFF"/>
-                  </a:highlight>
-                  <a:latin typeface="Consolas" panose="020B0609020204030204" pitchFamily="49" charset="0"/>
-                </a:rPr>
-                <a:t>ch</a:t>
-              </a:r>
-              <a:r>
-                <a:rPr lang="en-US" sz="1400" dirty="0">
-                  <a:solidFill>
-                    <a:srgbClr val="000000"/>
-                  </a:solidFill>
-                  <a:highlight>
-                    <a:srgbClr val="FFFFFF"/>
-                  </a:highlight>
-                  <a:latin typeface="Consolas" panose="020B0609020204030204" pitchFamily="49" charset="0"/>
-                </a:rPr>
-                <a:t>: </a:t>
-              </a:r>
-              <a:r>
-                <a:rPr lang="en-US" sz="1400" dirty="0">
-                  <a:solidFill>
-                    <a:srgbClr val="A31515"/>
-                  </a:solidFill>
-                  <a:highlight>
-                    <a:srgbClr val="FFFFFF"/>
-                  </a:highlight>
-                  <a:latin typeface="Consolas" panose="020B0609020204030204" pitchFamily="49" charset="0"/>
-                </a:rPr>
-                <a:t>"Hello, world\n"</a:t>
-              </a:r>
-              <a:r>
-                <a:rPr lang="en-US" sz="1400" dirty="0">
-                  <a:solidFill>
-                    <a:srgbClr val="000000"/>
-                  </a:solidFill>
-                  <a:highlight>
-                    <a:srgbClr val="FFFFFF"/>
-                  </a:highlight>
-                  <a:latin typeface="Consolas" panose="020B0609020204030204" pitchFamily="49" charset="0"/>
-                </a:rPr>
-                <a:t>) </a:t>
-              </a:r>
-              <a:r>
-                <a:rPr lang="en-US" sz="1400" dirty="0">
-                  <a:solidFill>
-                    <a:srgbClr val="0000FF"/>
-                  </a:solidFill>
-                  <a:highlight>
-                    <a:srgbClr val="FFFFFF"/>
-                  </a:highlight>
-                  <a:latin typeface="Consolas" panose="020B0609020204030204" pitchFamily="49" charset="0"/>
-                </a:rPr>
-                <a:t>yield</a:t>
-              </a:r>
-              <a:r>
-                <a:rPr lang="en-US" sz="1400" dirty="0">
-                  <a:solidFill>
-                    <a:srgbClr val="000000"/>
-                  </a:solidFill>
-                  <a:highlight>
-                    <a:srgbClr val="FFFFFF"/>
-                  </a:highlight>
-                  <a:latin typeface="Consolas" panose="020B0609020204030204" pitchFamily="49" charset="0"/>
-                </a:rPr>
-                <a:t> </a:t>
-              </a:r>
-              <a:r>
-                <a:rPr lang="en-US" sz="1400" dirty="0" err="1">
-                  <a:solidFill>
-                    <a:srgbClr val="000000"/>
-                  </a:solidFill>
-                  <a:highlight>
-                    <a:srgbClr val="FFFFFF"/>
-                  </a:highlight>
-                  <a:latin typeface="Consolas" panose="020B0609020204030204" pitchFamily="49" charset="0"/>
-                </a:rPr>
-                <a:t>ch</a:t>
-              </a:r>
-              <a:r>
-                <a:rPr lang="en-US" sz="1400" dirty="0">
-                  <a:solidFill>
-                    <a:srgbClr val="000000"/>
-                  </a:solidFill>
-                  <a:highlight>
-                    <a:srgbClr val="FFFFFF"/>
-                  </a:highlight>
-                  <a:latin typeface="Consolas" panose="020B0609020204030204" pitchFamily="49" charset="0"/>
-                </a:rPr>
-                <a:t>;</a:t>
-              </a:r>
-            </a:p>
-            <a:p>
-              <a:r>
-                <a:rPr lang="en-US" sz="1400" dirty="0">
-                  <a:solidFill>
-                    <a:srgbClr val="000000"/>
-                  </a:solidFill>
-                  <a:highlight>
-                    <a:srgbClr val="FFFFFF"/>
-                  </a:highlight>
-                  <a:latin typeface="Consolas" panose="020B0609020204030204" pitchFamily="49" charset="0"/>
-                </a:rPr>
-                <a:t>}</a:t>
-              </a:r>
-            </a:p>
-            <a:p>
-              <a:r>
-                <a:rPr lang="en-US" sz="1400" dirty="0">
-                  <a:solidFill>
-                    <a:srgbClr val="0000FF"/>
-                  </a:solidFill>
-                  <a:highlight>
-                    <a:srgbClr val="FFFFFF"/>
-                  </a:highlight>
-                  <a:latin typeface="Consolas" panose="020B0609020204030204" pitchFamily="49" charset="0"/>
-                </a:rPr>
-                <a:t>int</a:t>
-              </a:r>
-              <a:r>
-                <a:rPr lang="en-US" sz="1400" dirty="0">
-                  <a:solidFill>
-                    <a:srgbClr val="000000"/>
-                  </a:solidFill>
-                  <a:highlight>
-                    <a:srgbClr val="FFFFFF"/>
-                  </a:highlight>
-                  <a:latin typeface="Consolas" panose="020B0609020204030204" pitchFamily="49" charset="0"/>
-                </a:rPr>
-                <a:t> main() { </a:t>
-              </a:r>
-              <a:br>
-                <a:rPr lang="en-US" sz="1400" dirty="0">
-                  <a:solidFill>
-                    <a:srgbClr val="000000"/>
-                  </a:solidFill>
-                  <a:highlight>
-                    <a:srgbClr val="FFFFFF"/>
-                  </a:highlight>
-                  <a:latin typeface="Consolas" panose="020B0609020204030204" pitchFamily="49" charset="0"/>
-                </a:rPr>
-              </a:br>
-              <a:r>
-                <a:rPr lang="en-US" sz="1400" dirty="0">
-                  <a:solidFill>
-                    <a:srgbClr val="000000"/>
-                  </a:solidFill>
-                  <a:highlight>
-                    <a:srgbClr val="FFFFFF"/>
-                  </a:highlight>
-                  <a:latin typeface="Consolas" panose="020B0609020204030204" pitchFamily="49" charset="0"/>
-                </a:rPr>
-                <a:t>   </a:t>
-              </a:r>
-              <a:r>
-                <a:rPr lang="en-US" sz="1400" dirty="0">
-                  <a:solidFill>
-                    <a:srgbClr val="0000FF"/>
-                  </a:solidFill>
-                  <a:highlight>
-                    <a:srgbClr val="FFFFFF"/>
-                  </a:highlight>
-                  <a:latin typeface="Consolas" panose="020B0609020204030204" pitchFamily="49" charset="0"/>
-                </a:rPr>
-                <a:t>for</a:t>
-              </a:r>
-              <a:r>
-                <a:rPr lang="en-US" sz="1400" dirty="0">
-                  <a:solidFill>
-                    <a:srgbClr val="000000"/>
-                  </a:solidFill>
-                  <a:highlight>
-                    <a:srgbClr val="FFFFFF"/>
-                  </a:highlight>
-                  <a:latin typeface="Consolas" panose="020B0609020204030204" pitchFamily="49" charset="0"/>
-                </a:rPr>
-                <a:t> (</a:t>
-              </a:r>
-              <a:r>
-                <a:rPr lang="en-US" sz="1400" dirty="0" err="1">
-                  <a:solidFill>
-                    <a:srgbClr val="000000"/>
-                  </a:solidFill>
-                  <a:highlight>
-                    <a:srgbClr val="FFFFFF"/>
-                  </a:highlight>
-                  <a:latin typeface="Consolas" panose="020B0609020204030204" pitchFamily="49" charset="0"/>
-                </a:rPr>
-                <a:t>ch</a:t>
-              </a:r>
-              <a:r>
-                <a:rPr lang="en-US" sz="1400" dirty="0">
-                  <a:solidFill>
-                    <a:srgbClr val="000000"/>
-                  </a:solidFill>
-                  <a:highlight>
-                    <a:srgbClr val="FFFFFF"/>
-                  </a:highlight>
-                  <a:latin typeface="Consolas" panose="020B0609020204030204" pitchFamily="49" charset="0"/>
-                </a:rPr>
-                <a:t> : hello()) cout &lt;&lt; </a:t>
-              </a:r>
-              <a:r>
-                <a:rPr lang="en-US" sz="1400" dirty="0" err="1">
-                  <a:solidFill>
-                    <a:srgbClr val="000000"/>
-                  </a:solidFill>
-                  <a:highlight>
-                    <a:srgbClr val="FFFFFF"/>
-                  </a:highlight>
-                  <a:latin typeface="Consolas" panose="020B0609020204030204" pitchFamily="49" charset="0"/>
-                </a:rPr>
-                <a:t>ch</a:t>
-              </a:r>
-              <a:r>
-                <a:rPr lang="en-US" sz="1400" dirty="0">
-                  <a:solidFill>
-                    <a:srgbClr val="000000"/>
-                  </a:solidFill>
-                  <a:highlight>
-                    <a:srgbClr val="FFFFFF"/>
-                  </a:highlight>
-                  <a:latin typeface="Consolas" panose="020B0609020204030204" pitchFamily="49" charset="0"/>
-                </a:rPr>
-                <a:t>;</a:t>
-              </a:r>
-            </a:p>
-            <a:p>
-              <a:r>
-                <a:rPr lang="en-US" sz="1400" dirty="0">
-                  <a:solidFill>
-                    <a:srgbClr val="000000"/>
-                  </a:solidFill>
-                  <a:highlight>
-                    <a:srgbClr val="FFFFFF"/>
-                  </a:highlight>
-                  <a:latin typeface="Consolas" panose="020B0609020204030204" pitchFamily="49" charset="0"/>
-                </a:rPr>
-                <a:t>}</a:t>
-              </a:r>
-            </a:p>
-          </p:txBody>
-        </p:sp>
-      </p:grpSp>
-      <p:sp>
-        <p:nvSpPr>
-          <p:cNvPr id="21" name="Rectangle 20"/>
-          <p:cNvSpPr/>
-          <p:nvPr/>
-        </p:nvSpPr>
-        <p:spPr>
-          <a:xfrm rot="19630043">
-            <a:off x="1674286" y="2618083"/>
-            <a:ext cx="1185387" cy="268920"/>
-          </a:xfrm>
-          <a:prstGeom prst="rect">
-            <a:avLst/>
-          </a:prstGeom>
-        </p:spPr>
-        <p:style>
-          <a:lnRef idx="2">
-            <a:schemeClr val="accent1">
-              <a:shade val="50000"/>
-            </a:schemeClr>
-          </a:lnRef>
-          <a:fillRef idx="1">
-            <a:schemeClr val="accent1"/>
-          </a:fillRef>
-          <a:effectRef idx="0">
-            <a:schemeClr val="accent1"/>
-          </a:effectRef>
-          <a:fontRef idx="minor">
-            <a:schemeClr val="lt1"/>
-          </a:fontRef>
-        </p:style>
-        <p:txBody>
-          <a:bodyPr rtlCol="0" anchor="ctr"/>
-          <a:lstStyle/>
-          <a:p>
-            <a:pPr algn="ctr"/>
-            <a:r>
-              <a:rPr lang="en-US" sz="1400" dirty="0"/>
-              <a:t>Not in N4134</a:t>
-            </a:r>
-          </a:p>
-        </p:txBody>
-      </p:sp>
-    </p:spTree>
-    <p:extLst>
-      <p:ext uri="{BB962C8B-B14F-4D97-AF65-F5344CB8AC3E}">
-        <p14:creationId xmlns:p14="http://schemas.microsoft.com/office/powerpoint/2010/main" val="3220683687"/>
-      </p:ext>
-    </p:extLst>
-  </p:cSld>
-  <p:clrMapOvr>
-    <a:masterClrMapping/>
-  </p:clrMapOvr>
-  <p:timing>
-    <p:tnLst>
-      <p:par>
-        <p:cTn id="1" dur="indefinite" restart="never" nodeType="tmRoot">
-          <p:childTnLst>
-            <p:seq concurrent="1" nextAc="seek">
-              <p:cTn id="2" dur="indefinite" nodeType="mainSeq">
-                <p:childTnLst>
-                  <p:par>
-                    <p:cTn id="3" fill="hold">
-                      <p:stCondLst>
-                        <p:cond delay="indefinite"/>
-                      </p:stCondLst>
-                      <p:childTnLst>
-                        <p:par>
-                          <p:cTn id="4" fill="hold">
-                            <p:stCondLst>
-                              <p:cond delay="0"/>
-                            </p:stCondLst>
-                            <p:childTnLst>
-                              <p:par>
-                                <p:cTn id="5" presetID="1" presetClass="entr" presetSubtype="0" fill="hold" nodeType="clickEffect">
-                                  <p:stCondLst>
-                                    <p:cond delay="0"/>
-                                  </p:stCondLst>
-                                  <p:childTnLst>
-                                    <p:set>
-                                      <p:cBhvr>
-                                        <p:cTn id="6" dur="1" fill="hold">
-                                          <p:stCondLst>
-                                            <p:cond delay="0"/>
-                                          </p:stCondLst>
-                                        </p:cTn>
-                                        <p:tgtEl>
-                                          <p:spTgt spid="5"/>
-                                        </p:tgtEl>
-                                        <p:attrNameLst>
-                                          <p:attrName>style.visibility</p:attrName>
-                                        </p:attrNameLst>
-                                      </p:cBhvr>
-                                      <p:to>
-                                        <p:strVal val="visible"/>
-                                      </p:to>
-                                    </p:set>
-                                  </p:childTnLst>
-                                </p:cTn>
-                              </p:par>
-                            </p:childTnLst>
-                          </p:cTn>
-                        </p:par>
-                      </p:childTnLst>
-                    </p:cTn>
-                  </p:par>
-                  <p:par>
-                    <p:cTn id="7" fill="hold">
-                      <p:stCondLst>
-                        <p:cond delay="indefinite"/>
-                      </p:stCondLst>
-                      <p:childTnLst>
-                        <p:par>
-                          <p:cTn id="8" fill="hold">
-                            <p:stCondLst>
-                              <p:cond delay="0"/>
-                            </p:stCondLst>
-                            <p:childTnLst>
-                              <p:par>
-                                <p:cTn id="9" presetID="1" presetClass="entr" presetSubtype="0" fill="hold" grpId="0" nodeType="clickEffect">
-                                  <p:stCondLst>
-                                    <p:cond delay="0"/>
-                                  </p:stCondLst>
-                                  <p:childTnLst>
-                                    <p:set>
-                                      <p:cBhvr>
-                                        <p:cTn id="10" dur="1" fill="hold">
-                                          <p:stCondLst>
-                                            <p:cond delay="0"/>
-                                          </p:stCondLst>
-                                        </p:cTn>
-                                        <p:tgtEl>
-                                          <p:spTgt spid="21"/>
-                                        </p:tgtEl>
-                                        <p:attrNameLst>
-                                          <p:attrName>style.visibility</p:attrName>
-                                        </p:attrNameLst>
-                                      </p:cBhvr>
-                                      <p:to>
-                                        <p:strVal val="visible"/>
-                                      </p:to>
-                                    </p:set>
-                                  </p:childTnLst>
-                                </p:cTn>
-                              </p:par>
-                            </p:childTnLst>
-                          </p:cTn>
-                        </p:par>
-                      </p:childTnLst>
-                    </p:cTn>
-                  </p:par>
-                  <p:par>
-                    <p:cTn id="11" fill="hold">
-                      <p:stCondLst>
-                        <p:cond delay="indefinite"/>
-                      </p:stCondLst>
-                      <p:childTnLst>
-                        <p:par>
-                          <p:cTn id="12" fill="hold">
-                            <p:stCondLst>
-                              <p:cond delay="0"/>
-                            </p:stCondLst>
-                            <p:childTnLst>
-                              <p:par>
-                                <p:cTn id="13" presetID="1" presetClass="entr" presetSubtype="0" fill="hold" nodeType="clickEffect">
-                                  <p:stCondLst>
-                                    <p:cond delay="0"/>
-                                  </p:stCondLst>
-                                  <p:childTnLst>
-                                    <p:set>
-                                      <p:cBhvr>
-                                        <p:cTn id="14" dur="1" fill="hold">
-                                          <p:stCondLst>
-                                            <p:cond delay="0"/>
-                                          </p:stCondLst>
-                                        </p:cTn>
-                                        <p:tgtEl>
-                                          <p:spTgt spid="2"/>
-                                        </p:tgtEl>
-                                        <p:attrNameLst>
-                                          <p:attrName>style.visibility</p:attrName>
-                                        </p:attrNameLst>
-                                      </p:cBhvr>
-                                      <p:to>
-                                        <p:strVal val="visible"/>
-                                      </p:to>
-                                    </p:set>
-                                  </p:childTnLst>
-                                </p:cTn>
-                              </p:par>
-                            </p:childTnLst>
-                          </p:cTn>
-                        </p:par>
-                      </p:childTnLst>
-                    </p:cTn>
-                  </p:par>
-                </p:childTnLst>
-              </p:cTn>
-              <p:prevCondLst>
-                <p:cond evt="onPrev" delay="0">
-                  <p:tgtEl>
-                    <p:sldTgt/>
-                  </p:tgtEl>
-                </p:cond>
-              </p:prevCondLst>
-              <p:nextCondLst>
-                <p:cond evt="onNext" delay="0">
-                  <p:tgtEl>
-                    <p:sldTgt/>
-                  </p:tgtEl>
-                </p:cond>
-              </p:nextCondLst>
-            </p:seq>
-          </p:childTnLst>
-        </p:cTn>
-      </p:par>
-    </p:tnLst>
-    <p:bldLst>
-      <p:bldP spid="21" grpId="0" animBg="1"/>
-    </p:bldLst>
-  </p:timing>
-</p:sld>
-</file>
-
-<file path=ppt/slides/slide34.xml><?xml version="1.0" encoding="utf-8"?>
-<p:sld xmlns:a="http://schemas.openxmlformats.org/drawingml/2006/main" xmlns:r="http://schemas.openxmlformats.org/officeDocument/2006/relationships" xmlns:p="http://schemas.openxmlformats.org/presentationml/2006/main">
-  <p:cSld>
-    <p:spTree>
-      <p:nvGrpSpPr>
-        <p:cNvPr id="1" name=""/>
-        <p:cNvGrpSpPr/>
-        <p:nvPr/>
-      </p:nvGrpSpPr>
-      <p:grpSpPr>
-        <a:xfrm>
-          <a:off x="0" y="0"/>
-          <a:ext cx="0" cy="0"/>
-          <a:chOff x="0" y="0"/>
-          <a:chExt cx="0" cy="0"/>
-        </a:xfrm>
-      </p:grpSpPr>
-      <p:sp>
-        <p:nvSpPr>
-          <p:cNvPr id="2" name="Title 1">
-            <a:extLst>
-              <a:ext uri="{FF2B5EF4-FFF2-40B4-BE49-F238E27FC236}">
-                <a16:creationId xmlns:a16="http://schemas.microsoft.com/office/drawing/2014/main" id="{A987A71B-EDE0-4FFF-8C09-5DE09ECBCA40}"/>
-              </a:ext>
-            </a:extLst>
-          </p:cNvPr>
-          <p:cNvSpPr>
-            <a:spLocks noGrp="1"/>
-          </p:cNvSpPr>
-          <p:nvPr>
-            <p:ph type="title"/>
-          </p:nvPr>
-        </p:nvSpPr>
-        <p:spPr/>
-        <p:txBody>
-          <a:bodyPr anchor="t"/>
-          <a:lstStyle/>
-          <a:p>
-            <a:pPr algn="ctr"/>
-            <a:r>
-              <a:rPr lang="en-US" b="1" dirty="0">
-                <a:solidFill>
-                  <a:srgbClr val="FF0000"/>
-                </a:solidFill>
-              </a:rPr>
-              <a:t>WARNING: Do not do this!</a:t>
-            </a:r>
-          </a:p>
-        </p:txBody>
-      </p:sp>
-      <p:sp>
-        <p:nvSpPr>
-          <p:cNvPr id="4" name="Date Placeholder 3">
-            <a:extLst>
-              <a:ext uri="{FF2B5EF4-FFF2-40B4-BE49-F238E27FC236}">
-                <a16:creationId xmlns:a16="http://schemas.microsoft.com/office/drawing/2014/main" id="{CADDEFA0-4275-4362-8E03-78776307B8CE}"/>
-              </a:ext>
-            </a:extLst>
-          </p:cNvPr>
-          <p:cNvSpPr>
-            <a:spLocks noGrp="1"/>
-          </p:cNvSpPr>
-          <p:nvPr>
-            <p:ph type="dt" sz="half" idx="10"/>
-          </p:nvPr>
-        </p:nvSpPr>
-        <p:spPr/>
-        <p:txBody>
-          <a:bodyPr/>
-          <a:lstStyle/>
-          <a:p>
-            <a:fld id="{01213699-9732-4197-8D9D-93D4D26F4E26}" type="datetime1">
-              <a:rPr lang="en-US" smtClean="0"/>
-              <a:t>9/28/2017</a:t>
-            </a:fld>
-            <a:endParaRPr lang="en-US"/>
-          </a:p>
-        </p:txBody>
-      </p:sp>
-      <p:sp>
-        <p:nvSpPr>
-          <p:cNvPr id="5" name="Footer Placeholder 4">
-            <a:extLst>
-              <a:ext uri="{FF2B5EF4-FFF2-40B4-BE49-F238E27FC236}">
-                <a16:creationId xmlns:a16="http://schemas.microsoft.com/office/drawing/2014/main" id="{B23AC212-C831-4CAB-8905-187425B4D2A7}"/>
-              </a:ext>
-            </a:extLst>
-          </p:cNvPr>
-          <p:cNvSpPr>
-            <a:spLocks noGrp="1"/>
-          </p:cNvSpPr>
-          <p:nvPr>
-            <p:ph type="ftr" sz="quarter" idx="11"/>
-          </p:nvPr>
-        </p:nvSpPr>
-        <p:spPr/>
-        <p:txBody>
-          <a:bodyPr/>
-          <a:lstStyle/>
-          <a:p>
-            <a:r>
-              <a:rPr lang="en-US"/>
-              <a:t>CppCon 2017 • Naked Coroutines Live with Networking</a:t>
-            </a:r>
-          </a:p>
-        </p:txBody>
-      </p:sp>
-      <p:sp>
-        <p:nvSpPr>
-          <p:cNvPr id="6" name="Slide Number Placeholder 5">
-            <a:extLst>
-              <a:ext uri="{FF2B5EF4-FFF2-40B4-BE49-F238E27FC236}">
-                <a16:creationId xmlns:a16="http://schemas.microsoft.com/office/drawing/2014/main" id="{52893F54-1F98-4DD5-8FFA-316EE57E1697}"/>
-              </a:ext>
-            </a:extLst>
-          </p:cNvPr>
-          <p:cNvSpPr>
-            <a:spLocks noGrp="1"/>
-          </p:cNvSpPr>
-          <p:nvPr>
-            <p:ph type="sldNum" sz="quarter" idx="12"/>
-          </p:nvPr>
-        </p:nvSpPr>
-        <p:spPr/>
-        <p:txBody>
-          <a:bodyPr/>
-          <a:lstStyle/>
-          <a:p>
-            <a:fld id="{45F851AC-A5FA-498F-BA1A-FB50941B218C}" type="slidenum">
-              <a:rPr lang="en-US" smtClean="0"/>
-              <a:t>34</a:t>
-            </a:fld>
-            <a:endParaRPr lang="en-US"/>
-          </a:p>
-        </p:txBody>
-      </p:sp>
-      <p:sp>
-        <p:nvSpPr>
-          <p:cNvPr id="7" name="Rectangle 6">
-            <a:extLst>
-              <a:ext uri="{FF2B5EF4-FFF2-40B4-BE49-F238E27FC236}">
-                <a16:creationId xmlns:a16="http://schemas.microsoft.com/office/drawing/2014/main" id="{BE271AE2-80B8-4FD9-871C-ACA6F348AB8B}"/>
-              </a:ext>
-            </a:extLst>
-          </p:cNvPr>
-          <p:cNvSpPr/>
-          <p:nvPr/>
-        </p:nvSpPr>
-        <p:spPr>
-          <a:xfrm>
-            <a:off x="406400" y="1093371"/>
-            <a:ext cx="11671300" cy="5262979"/>
-          </a:xfrm>
-          <a:prstGeom prst="rect">
-            <a:avLst/>
-          </a:prstGeom>
-        </p:spPr>
-        <p:txBody>
-          <a:bodyPr wrap="square">
-            <a:spAutoFit/>
-          </a:bodyPr>
-          <a:lstStyle/>
-          <a:p>
-            <a:r>
-              <a:rPr lang="en-US" sz="2400" dirty="0">
-                <a:solidFill>
-                  <a:srgbClr val="0000FF"/>
-                </a:solidFill>
-                <a:latin typeface="Consolas" panose="020B0609020204030204" pitchFamily="49" charset="0"/>
-              </a:rPr>
-              <a:t>template</a:t>
-            </a:r>
-            <a:r>
-              <a:rPr lang="en-US" sz="2400" dirty="0">
-                <a:solidFill>
-                  <a:srgbClr val="000000"/>
-                </a:solidFill>
-                <a:latin typeface="Consolas" panose="020B0609020204030204" pitchFamily="49" charset="0"/>
-              </a:rPr>
-              <a:t> &lt;</a:t>
-            </a:r>
-            <a:r>
-              <a:rPr lang="en-US" sz="2400" dirty="0" err="1">
-                <a:solidFill>
-                  <a:srgbClr val="0000FF"/>
-                </a:solidFill>
-                <a:latin typeface="Consolas" panose="020B0609020204030204" pitchFamily="49" charset="0"/>
-              </a:rPr>
-              <a:t>typename</a:t>
-            </a:r>
-            <a:r>
-              <a:rPr lang="en-US" sz="2400" dirty="0">
-                <a:solidFill>
-                  <a:srgbClr val="000000"/>
-                </a:solidFill>
-                <a:latin typeface="Consolas" panose="020B0609020204030204" pitchFamily="49" charset="0"/>
-              </a:rPr>
-              <a:t> </a:t>
-            </a:r>
-            <a:r>
-              <a:rPr lang="en-US" sz="2400" dirty="0">
-                <a:solidFill>
-                  <a:srgbClr val="2B91AF"/>
-                </a:solidFill>
-                <a:latin typeface="Consolas" panose="020B0609020204030204" pitchFamily="49" charset="0"/>
-              </a:rPr>
-              <a:t>R</a:t>
-            </a:r>
-            <a:r>
-              <a:rPr lang="en-US" sz="2400" dirty="0">
-                <a:solidFill>
-                  <a:srgbClr val="000000"/>
-                </a:solidFill>
-                <a:latin typeface="Consolas" panose="020B0609020204030204" pitchFamily="49" charset="0"/>
-              </a:rPr>
-              <a:t>&gt;</a:t>
-            </a:r>
-          </a:p>
-          <a:p>
-            <a:r>
-              <a:rPr lang="en-US" sz="2400" dirty="0">
-                <a:solidFill>
-                  <a:srgbClr val="0000FF"/>
-                </a:solidFill>
-                <a:latin typeface="Consolas" panose="020B0609020204030204" pitchFamily="49" charset="0"/>
-              </a:rPr>
-              <a:t>auto</a:t>
-            </a:r>
-            <a:r>
-              <a:rPr lang="en-US" sz="2400" dirty="0">
-                <a:solidFill>
-                  <a:srgbClr val="000000"/>
-                </a:solidFill>
-                <a:latin typeface="Consolas" panose="020B0609020204030204" pitchFamily="49" charset="0"/>
-              </a:rPr>
-              <a:t> </a:t>
-            </a:r>
-            <a:r>
-              <a:rPr lang="en-US" sz="2400" dirty="0">
-                <a:solidFill>
-                  <a:srgbClr val="0000FF"/>
-                </a:solidFill>
-                <a:latin typeface="Consolas" panose="020B0609020204030204" pitchFamily="49" charset="0"/>
-              </a:rPr>
-              <a:t>operator</a:t>
-            </a:r>
-            <a:r>
-              <a:rPr lang="en-US" sz="2400" dirty="0">
-                <a:solidFill>
-                  <a:srgbClr val="000000"/>
-                </a:solidFill>
-                <a:latin typeface="Consolas" panose="020B0609020204030204" pitchFamily="49" charset="0"/>
-              </a:rPr>
-              <a:t> </a:t>
-            </a:r>
-            <a:r>
-              <a:rPr lang="en-US" sz="2400" dirty="0" err="1">
-                <a:solidFill>
-                  <a:srgbClr val="0000FF"/>
-                </a:solidFill>
-                <a:latin typeface="Consolas" panose="020B0609020204030204" pitchFamily="49" charset="0"/>
-              </a:rPr>
-              <a:t>co_await</a:t>
-            </a:r>
-            <a:r>
-              <a:rPr lang="en-US" sz="2400" dirty="0">
-                <a:solidFill>
-                  <a:srgbClr val="000000"/>
-                </a:solidFill>
-                <a:latin typeface="Consolas" panose="020B0609020204030204" pitchFamily="49" charset="0"/>
-              </a:rPr>
-              <a:t>(std::future&lt;R&gt;&amp;&amp; f) {</a:t>
-            </a:r>
-          </a:p>
-          <a:p>
-            <a:r>
-              <a:rPr lang="en-US" sz="2400" dirty="0">
-                <a:solidFill>
-                  <a:srgbClr val="0000FF"/>
-                </a:solidFill>
-                <a:latin typeface="Consolas" panose="020B0609020204030204" pitchFamily="49" charset="0"/>
-              </a:rPr>
-              <a:t>  struct</a:t>
-            </a:r>
-            <a:r>
-              <a:rPr lang="en-US" sz="2400" dirty="0">
-                <a:solidFill>
-                  <a:srgbClr val="000000"/>
-                </a:solidFill>
-                <a:latin typeface="Consolas" panose="020B0609020204030204" pitchFamily="49" charset="0"/>
-              </a:rPr>
-              <a:t> Awaiter {</a:t>
-            </a:r>
-          </a:p>
-          <a:p>
-            <a:r>
-              <a:rPr lang="en-US" sz="2400" dirty="0">
-                <a:solidFill>
-                  <a:srgbClr val="000000"/>
-                </a:solidFill>
-                <a:latin typeface="Consolas" panose="020B0609020204030204" pitchFamily="49" charset="0"/>
-              </a:rPr>
-              <a:t>    std::future&lt;R&gt;&amp;&amp; f;</a:t>
-            </a:r>
-          </a:p>
-          <a:p>
-            <a:r>
-              <a:rPr lang="en-US" sz="2400" dirty="0">
-                <a:solidFill>
-                  <a:srgbClr val="0000FF"/>
-                </a:solidFill>
-                <a:latin typeface="Consolas" panose="020B0609020204030204" pitchFamily="49" charset="0"/>
-              </a:rPr>
-              <a:t>    bool</a:t>
-            </a:r>
-            <a:r>
-              <a:rPr lang="en-US" sz="2400" dirty="0">
-                <a:solidFill>
-                  <a:srgbClr val="000000"/>
-                </a:solidFill>
-                <a:latin typeface="Consolas" panose="020B0609020204030204" pitchFamily="49" charset="0"/>
-              </a:rPr>
-              <a:t> await_ready() {</a:t>
-            </a:r>
-          </a:p>
-          <a:p>
-            <a:r>
-              <a:rPr lang="en-US" sz="2400" dirty="0">
-                <a:solidFill>
-                  <a:srgbClr val="000000"/>
-                </a:solidFill>
-                <a:latin typeface="Consolas" panose="020B0609020204030204" pitchFamily="49" charset="0"/>
-              </a:rPr>
-              <a:t>      </a:t>
-            </a:r>
-            <a:r>
-              <a:rPr lang="en-US" sz="2400" dirty="0">
-                <a:solidFill>
-                  <a:srgbClr val="0000FF"/>
-                </a:solidFill>
-                <a:latin typeface="Consolas" panose="020B0609020204030204" pitchFamily="49" charset="0"/>
-              </a:rPr>
-              <a:t>return </a:t>
-            </a:r>
-            <a:r>
-              <a:rPr lang="en-US" sz="2400" dirty="0" err="1">
-                <a:solidFill>
-                  <a:srgbClr val="000000"/>
-                </a:solidFill>
-                <a:latin typeface="Consolas" panose="020B0609020204030204" pitchFamily="49" charset="0"/>
-              </a:rPr>
-              <a:t>f.wait_for</a:t>
-            </a:r>
-            <a:r>
-              <a:rPr lang="en-US" sz="2400" dirty="0">
-                <a:solidFill>
-                  <a:srgbClr val="000000"/>
-                </a:solidFill>
-                <a:latin typeface="Consolas" panose="020B0609020204030204" pitchFamily="49" charset="0"/>
-              </a:rPr>
-              <a:t>(0s) != </a:t>
-            </a:r>
-            <a:r>
-              <a:rPr lang="en-US" sz="2400" dirty="0" err="1">
-                <a:solidFill>
-                  <a:srgbClr val="000000"/>
-                </a:solidFill>
-                <a:latin typeface="Consolas" panose="020B0609020204030204" pitchFamily="49" charset="0"/>
-              </a:rPr>
-              <a:t>future_status</a:t>
-            </a:r>
-            <a:r>
-              <a:rPr lang="en-US" sz="2400" dirty="0">
-                <a:solidFill>
-                  <a:srgbClr val="000000"/>
-                </a:solidFill>
-                <a:latin typeface="Consolas" panose="020B0609020204030204" pitchFamily="49" charset="0"/>
-              </a:rPr>
-              <a:t>::ready(); </a:t>
-            </a:r>
-          </a:p>
-          <a:p>
-            <a:r>
-              <a:rPr lang="en-US" sz="2400" dirty="0">
-                <a:solidFill>
-                  <a:srgbClr val="000000"/>
-                </a:solidFill>
-                <a:latin typeface="Consolas" panose="020B0609020204030204" pitchFamily="49" charset="0"/>
-              </a:rPr>
-              <a:t>    }</a:t>
-            </a:r>
-            <a:br>
-              <a:rPr lang="en-US" sz="2400" dirty="0">
-                <a:solidFill>
-                  <a:srgbClr val="000000"/>
-                </a:solidFill>
-                <a:latin typeface="Consolas" panose="020B0609020204030204" pitchFamily="49" charset="0"/>
-              </a:rPr>
-            </a:br>
-            <a:r>
-              <a:rPr lang="en-US" sz="2400" dirty="0">
-                <a:solidFill>
-                  <a:srgbClr val="000000"/>
-                </a:solidFill>
-                <a:latin typeface="Consolas" panose="020B0609020204030204" pitchFamily="49" charset="0"/>
-              </a:rPr>
-              <a:t>    </a:t>
-            </a:r>
-            <a:r>
-              <a:rPr lang="en-US" sz="2400" dirty="0">
-                <a:solidFill>
-                  <a:srgbClr val="0000FF"/>
-                </a:solidFill>
-                <a:latin typeface="Consolas" panose="020B0609020204030204" pitchFamily="49" charset="0"/>
-              </a:rPr>
-              <a:t>void</a:t>
-            </a:r>
-            <a:r>
-              <a:rPr lang="en-US" sz="2400" dirty="0">
-                <a:solidFill>
-                  <a:srgbClr val="000000"/>
-                </a:solidFill>
-                <a:latin typeface="Consolas" panose="020B0609020204030204" pitchFamily="49" charset="0"/>
-              </a:rPr>
-              <a:t> await_suspend(std::experimental::</a:t>
-            </a:r>
-            <a:r>
-              <a:rPr lang="en-US" sz="2400" dirty="0" err="1">
-                <a:solidFill>
-                  <a:srgbClr val="000000"/>
-                </a:solidFill>
-                <a:latin typeface="Consolas" panose="020B0609020204030204" pitchFamily="49" charset="0"/>
-              </a:rPr>
-              <a:t>coroutine_handle</a:t>
-            </a:r>
-            <a:r>
-              <a:rPr lang="en-US" sz="2400" dirty="0">
-                <a:solidFill>
-                  <a:srgbClr val="000000"/>
-                </a:solidFill>
-                <a:latin typeface="Consolas" panose="020B0609020204030204" pitchFamily="49" charset="0"/>
-              </a:rPr>
-              <a:t>&lt;&gt; h) {</a:t>
-            </a:r>
-          </a:p>
-          <a:p>
-            <a:r>
-              <a:rPr lang="en-US" sz="2400" dirty="0">
-                <a:solidFill>
-                  <a:srgbClr val="000000"/>
-                </a:solidFill>
-                <a:latin typeface="Consolas" panose="020B0609020204030204" pitchFamily="49" charset="0"/>
-              </a:rPr>
-              <a:t>       std::thread([&amp;]() </a:t>
-            </a:r>
-            <a:r>
-              <a:rPr lang="en-US" sz="2400" dirty="0">
-                <a:solidFill>
-                  <a:srgbClr val="0000FF"/>
-                </a:solidFill>
-                <a:latin typeface="Consolas" panose="020B0609020204030204" pitchFamily="49" charset="0"/>
-              </a:rPr>
-              <a:t>mutable </a:t>
-            </a:r>
-            <a:r>
-              <a:rPr lang="en-US" sz="2400" dirty="0">
-                <a:solidFill>
-                  <a:srgbClr val="000000"/>
-                </a:solidFill>
-                <a:latin typeface="Consolas" panose="020B0609020204030204" pitchFamily="49" charset="0"/>
-              </a:rPr>
-              <a:t>{</a:t>
-            </a:r>
-            <a:r>
-              <a:rPr lang="en-US" sz="2400" dirty="0" err="1">
-                <a:solidFill>
-                  <a:srgbClr val="000000"/>
-                </a:solidFill>
-                <a:latin typeface="Consolas" panose="020B0609020204030204" pitchFamily="49" charset="0"/>
-              </a:rPr>
-              <a:t>f.wait</a:t>
-            </a:r>
-            <a:r>
-              <a:rPr lang="en-US" sz="2400" dirty="0">
-                <a:solidFill>
-                  <a:srgbClr val="000000"/>
-                </a:solidFill>
-                <a:latin typeface="Consolas" panose="020B0609020204030204" pitchFamily="49" charset="0"/>
-              </a:rPr>
-              <a:t>(); </a:t>
-            </a:r>
-            <a:r>
-              <a:rPr lang="en-US" sz="2400" dirty="0" err="1">
-                <a:solidFill>
-                  <a:srgbClr val="000000"/>
-                </a:solidFill>
-                <a:latin typeface="Consolas" panose="020B0609020204030204" pitchFamily="49" charset="0"/>
-              </a:rPr>
-              <a:t>h.resume</a:t>
-            </a:r>
-            <a:r>
-              <a:rPr lang="en-US" sz="2400" dirty="0">
-                <a:solidFill>
-                  <a:srgbClr val="000000"/>
-                </a:solidFill>
-                <a:latin typeface="Consolas" panose="020B0609020204030204" pitchFamily="49" charset="0"/>
-              </a:rPr>
-              <a:t>();}).detach();</a:t>
-            </a:r>
-          </a:p>
-          <a:p>
-            <a:r>
-              <a:rPr lang="en-US" sz="2400" dirty="0">
-                <a:solidFill>
-                  <a:srgbClr val="000000"/>
-                </a:solidFill>
-                <a:latin typeface="Consolas" panose="020B0609020204030204" pitchFamily="49" charset="0"/>
-              </a:rPr>
-              <a:t>    }</a:t>
-            </a:r>
-          </a:p>
-          <a:p>
-            <a:r>
-              <a:rPr lang="en-US" sz="2400" dirty="0">
-                <a:solidFill>
-                  <a:srgbClr val="0000FF"/>
-                </a:solidFill>
-                <a:latin typeface="Consolas" panose="020B0609020204030204" pitchFamily="49" charset="0"/>
-              </a:rPr>
-              <a:t>    auto</a:t>
-            </a:r>
-            <a:r>
-              <a:rPr lang="en-US" sz="2400" dirty="0">
-                <a:solidFill>
-                  <a:srgbClr val="000000"/>
-                </a:solidFill>
-                <a:latin typeface="Consolas" panose="020B0609020204030204" pitchFamily="49" charset="0"/>
-              </a:rPr>
-              <a:t> await_resume() { </a:t>
-            </a:r>
-            <a:r>
-              <a:rPr lang="en-US" sz="2400" dirty="0">
-                <a:solidFill>
-                  <a:srgbClr val="0000FF"/>
-                </a:solidFill>
-                <a:latin typeface="Consolas" panose="020B0609020204030204" pitchFamily="49" charset="0"/>
-              </a:rPr>
-              <a:t>return</a:t>
-            </a:r>
-            <a:r>
-              <a:rPr lang="en-US" sz="2400" dirty="0">
-                <a:solidFill>
-                  <a:srgbClr val="000000"/>
-                </a:solidFill>
-                <a:latin typeface="Consolas" panose="020B0609020204030204" pitchFamily="49" charset="0"/>
-              </a:rPr>
-              <a:t> </a:t>
-            </a:r>
-            <a:r>
-              <a:rPr lang="en-US" sz="2400" dirty="0" err="1">
-                <a:solidFill>
-                  <a:srgbClr val="000000"/>
-                </a:solidFill>
-                <a:latin typeface="Consolas" panose="020B0609020204030204" pitchFamily="49" charset="0"/>
-              </a:rPr>
-              <a:t>f.get</a:t>
-            </a:r>
-            <a:r>
-              <a:rPr lang="en-US" sz="2400" dirty="0">
-                <a:solidFill>
-                  <a:srgbClr val="000000"/>
-                </a:solidFill>
-                <a:latin typeface="Consolas" panose="020B0609020204030204" pitchFamily="49" charset="0"/>
-              </a:rPr>
-              <a:t>(); }</a:t>
-            </a:r>
-          </a:p>
-          <a:p>
-            <a:r>
-              <a:rPr lang="en-US" sz="2400" dirty="0">
-                <a:solidFill>
-                  <a:srgbClr val="000000"/>
-                </a:solidFill>
-                <a:latin typeface="Consolas" panose="020B0609020204030204" pitchFamily="49" charset="0"/>
-              </a:rPr>
-              <a:t>  };</a:t>
-            </a:r>
-          </a:p>
-          <a:p>
-            <a:r>
-              <a:rPr lang="en-US" sz="2400" dirty="0">
-                <a:solidFill>
-                  <a:srgbClr val="0000FF"/>
-                </a:solidFill>
-                <a:latin typeface="Consolas" panose="020B0609020204030204" pitchFamily="49" charset="0"/>
-              </a:rPr>
-              <a:t>  return</a:t>
-            </a:r>
-            <a:r>
-              <a:rPr lang="en-US" sz="2400" dirty="0">
-                <a:solidFill>
-                  <a:srgbClr val="000000"/>
-                </a:solidFill>
-                <a:latin typeface="Consolas" panose="020B0609020204030204" pitchFamily="49" charset="0"/>
-              </a:rPr>
-              <a:t> Awaiter{ std::forward&lt;std::future&lt;R&gt;&gt;(f) };</a:t>
-            </a:r>
-          </a:p>
-          <a:p>
-            <a:r>
-              <a:rPr lang="en-US" sz="2400" dirty="0">
-                <a:solidFill>
-                  <a:srgbClr val="000000"/>
-                </a:solidFill>
-                <a:latin typeface="Consolas" panose="020B0609020204030204" pitchFamily="49" charset="0"/>
-              </a:rPr>
-              <a:t>}</a:t>
-            </a:r>
-            <a:endParaRPr lang="en-US" sz="2400" dirty="0"/>
-          </a:p>
-        </p:txBody>
-      </p:sp>
-    </p:spTree>
-    <p:extLst>
-      <p:ext uri="{BB962C8B-B14F-4D97-AF65-F5344CB8AC3E}">
-        <p14:creationId xmlns:p14="http://schemas.microsoft.com/office/powerpoint/2010/main" val="1730826167"/>
-      </p:ext>
-    </p:extLst>
-  </p:cSld>
-  <p:clrMapOvr>
-    <a:masterClrMapping/>
-  </p:clrMapOvr>
-</p:sld>
-</file>
-
-<file path=ppt/slides/slide35.xml><?xml version="1.0" encoding="utf-8"?>
-<p:sld xmlns:a="http://schemas.openxmlformats.org/drawingml/2006/main" xmlns:r="http://schemas.openxmlformats.org/officeDocument/2006/relationships" xmlns:p="http://schemas.openxmlformats.org/presentationml/2006/main">
-  <p:cSld>
-    <p:spTree>
-      <p:nvGrpSpPr>
-        <p:cNvPr id="1" name=""/>
-        <p:cNvGrpSpPr/>
-        <p:nvPr/>
-      </p:nvGrpSpPr>
-      <p:grpSpPr>
-        <a:xfrm>
-          <a:off x="0" y="0"/>
-          <a:ext cx="0" cy="0"/>
-          <a:chOff x="0" y="0"/>
-          <a:chExt cx="0" cy="0"/>
-        </a:xfrm>
-      </p:grpSpPr>
-      <p:sp>
-        <p:nvSpPr>
-          <p:cNvPr id="7" name="Title 6">
-            <a:extLst>
-              <a:ext uri="{FF2B5EF4-FFF2-40B4-BE49-F238E27FC236}">
-                <a16:creationId xmlns:a16="http://schemas.microsoft.com/office/drawing/2014/main" id="{B116CC0A-B3CE-4758-A322-0D46F005A9C2}"/>
-              </a:ext>
-            </a:extLst>
-          </p:cNvPr>
-          <p:cNvSpPr>
-            <a:spLocks noGrp="1"/>
-          </p:cNvSpPr>
-          <p:nvPr>
-            <p:ph type="title"/>
-          </p:nvPr>
-        </p:nvSpPr>
-        <p:spPr>
-          <a:xfrm>
-            <a:off x="758833" y="98684"/>
-            <a:ext cx="10552295" cy="1609344"/>
-          </a:xfrm>
-        </p:spPr>
-        <p:txBody>
-          <a:bodyPr anchor="t">
-            <a:normAutofit/>
-          </a:bodyPr>
-          <a:lstStyle/>
-          <a:p>
-            <a:pPr algn="ctr"/>
-            <a:r>
-              <a:rPr lang="en-US" dirty="0"/>
-              <a:t>With </a:t>
-            </a:r>
-            <a:r>
-              <a:rPr lang="en-US" dirty="0" err="1"/>
-              <a:t>use_future</a:t>
-            </a:r>
-            <a:r>
-              <a:rPr lang="en-US" dirty="0"/>
-              <a:t>, behaves as if it were</a:t>
-            </a:r>
-          </a:p>
-        </p:txBody>
-      </p:sp>
-      <p:sp>
-        <p:nvSpPr>
-          <p:cNvPr id="13" name="Content Placeholder 12">
-            <a:extLst>
-              <a:ext uri="{FF2B5EF4-FFF2-40B4-BE49-F238E27FC236}">
-                <a16:creationId xmlns:a16="http://schemas.microsoft.com/office/drawing/2014/main" id="{E48642B4-341E-4139-9E76-57D1C6C7891B}"/>
-              </a:ext>
-            </a:extLst>
-          </p:cNvPr>
-          <p:cNvSpPr>
-            <a:spLocks noGrp="1"/>
-          </p:cNvSpPr>
-          <p:nvPr>
-            <p:ph idx="1"/>
-          </p:nvPr>
-        </p:nvSpPr>
-        <p:spPr>
-          <a:xfrm>
-            <a:off x="381000" y="5421086"/>
-            <a:ext cx="11149940" cy="935264"/>
-          </a:xfrm>
-        </p:spPr>
-        <p:txBody>
-          <a:bodyPr>
-            <a:normAutofit/>
-          </a:bodyPr>
-          <a:lstStyle/>
-          <a:p>
-            <a:pPr marL="0" indent="0">
-              <a:buNone/>
-            </a:pPr>
-            <a:r>
-              <a:rPr lang="en-US" sz="1600" dirty="0">
-                <a:solidFill>
-                  <a:srgbClr val="000000"/>
-                </a:solidFill>
-                <a:latin typeface="Consolas" panose="020B0609020204030204" pitchFamily="49" charset="0"/>
-              </a:rPr>
-              <a:t>Implementation:</a:t>
-            </a:r>
-            <a:endParaRPr lang="en-US" sz="1600" dirty="0">
-              <a:hlinkClick r:id="rId2"/>
-            </a:endParaRPr>
-          </a:p>
-          <a:p>
-            <a:pPr marL="0" indent="0">
-              <a:buNone/>
-            </a:pPr>
-            <a:r>
-              <a:rPr lang="en-US" sz="1400" dirty="0">
-                <a:hlinkClick r:id="rId2"/>
-              </a:rPr>
-              <a:t>https://github.com/chriskohlhoff/networking-ts-impl/blob/master/include/experimental/__net_ts/impl/use_future.hpp</a:t>
-            </a:r>
-            <a:endParaRPr lang="en-US" sz="1400" dirty="0"/>
-          </a:p>
-          <a:p>
-            <a:endParaRPr lang="en-US" sz="1600" dirty="0"/>
-          </a:p>
-        </p:txBody>
-      </p:sp>
-      <p:sp>
-        <p:nvSpPr>
-          <p:cNvPr id="2" name="Date Placeholder 1">
-            <a:extLst>
-              <a:ext uri="{FF2B5EF4-FFF2-40B4-BE49-F238E27FC236}">
-                <a16:creationId xmlns:a16="http://schemas.microsoft.com/office/drawing/2014/main" id="{442E923D-0CC6-4ECD-8F66-5E5F2CF3EAFD}"/>
-              </a:ext>
-            </a:extLst>
-          </p:cNvPr>
-          <p:cNvSpPr>
-            <a:spLocks noGrp="1"/>
-          </p:cNvSpPr>
-          <p:nvPr>
-            <p:ph type="dt" sz="half" idx="10"/>
-          </p:nvPr>
-        </p:nvSpPr>
-        <p:spPr/>
-        <p:txBody>
-          <a:bodyPr/>
-          <a:lstStyle/>
-          <a:p>
-            <a:fld id="{B24402B6-8028-43C4-9819-16CDDA8239EA}" type="datetime1">
-              <a:rPr lang="en-US" smtClean="0"/>
-              <a:t>9/28/2017</a:t>
-            </a:fld>
-            <a:endParaRPr lang="en-US"/>
-          </a:p>
-        </p:txBody>
-      </p:sp>
-      <p:sp>
-        <p:nvSpPr>
-          <p:cNvPr id="3" name="Footer Placeholder 2">
-            <a:extLst>
-              <a:ext uri="{FF2B5EF4-FFF2-40B4-BE49-F238E27FC236}">
-                <a16:creationId xmlns:a16="http://schemas.microsoft.com/office/drawing/2014/main" id="{716CD9E7-36AC-4CE5-95E9-8A706DF5325C}"/>
-              </a:ext>
-            </a:extLst>
-          </p:cNvPr>
-          <p:cNvSpPr>
-            <a:spLocks noGrp="1"/>
-          </p:cNvSpPr>
-          <p:nvPr>
-            <p:ph type="ftr" sz="quarter" idx="11"/>
-          </p:nvPr>
-        </p:nvSpPr>
-        <p:spPr/>
-        <p:txBody>
-          <a:bodyPr/>
-          <a:lstStyle/>
-          <a:p>
-            <a:r>
-              <a:rPr lang="en-US"/>
-              <a:t>CppCon 2017 • Naked Coroutines Live with Networking</a:t>
-            </a:r>
-          </a:p>
-        </p:txBody>
-      </p:sp>
-      <p:sp>
-        <p:nvSpPr>
-          <p:cNvPr id="4" name="Slide Number Placeholder 3">
-            <a:extLst>
-              <a:ext uri="{FF2B5EF4-FFF2-40B4-BE49-F238E27FC236}">
-                <a16:creationId xmlns:a16="http://schemas.microsoft.com/office/drawing/2014/main" id="{2B2E45F5-74A1-4B03-9618-27B5D43C0291}"/>
-              </a:ext>
-            </a:extLst>
-          </p:cNvPr>
-          <p:cNvSpPr>
-            <a:spLocks noGrp="1"/>
-          </p:cNvSpPr>
-          <p:nvPr>
-            <p:ph type="sldNum" sz="quarter" idx="12"/>
-          </p:nvPr>
-        </p:nvSpPr>
-        <p:spPr/>
-        <p:txBody>
-          <a:bodyPr>
-            <a:normAutofit/>
-          </a:bodyPr>
-          <a:lstStyle/>
-          <a:p>
-            <a:fld id="{45F851AC-A5FA-498F-BA1A-FB50941B218C}" type="slidenum">
-              <a:rPr lang="en-US" smtClean="0"/>
-              <a:t>35</a:t>
-            </a:fld>
-            <a:endParaRPr lang="en-US"/>
-          </a:p>
-        </p:txBody>
-      </p:sp>
-      <p:sp>
-        <p:nvSpPr>
-          <p:cNvPr id="8" name="Rectangle 7">
-            <a:extLst>
-              <a:ext uri="{FF2B5EF4-FFF2-40B4-BE49-F238E27FC236}">
-                <a16:creationId xmlns:a16="http://schemas.microsoft.com/office/drawing/2014/main" id="{E56C1CA5-916D-4359-BA74-B78B60361F94}"/>
-              </a:ext>
-            </a:extLst>
-          </p:cNvPr>
-          <p:cNvSpPr/>
-          <p:nvPr/>
-        </p:nvSpPr>
-        <p:spPr>
-          <a:xfrm>
-            <a:off x="1683136" y="1485540"/>
-            <a:ext cx="9689336" cy="3416320"/>
-          </a:xfrm>
-          <a:prstGeom prst="rect">
-            <a:avLst/>
-          </a:prstGeom>
-        </p:spPr>
-        <p:txBody>
-          <a:bodyPr wrap="square">
-            <a:spAutoFit/>
-          </a:bodyPr>
-          <a:lstStyle/>
-          <a:p>
-            <a:r>
-              <a:rPr lang="en-US" dirty="0">
-                <a:solidFill>
-                  <a:srgbClr val="0000FF"/>
-                </a:solidFill>
-                <a:latin typeface="Consolas" panose="020B0609020204030204" pitchFamily="49" charset="0"/>
-              </a:rPr>
-              <a:t>template </a:t>
-            </a:r>
-            <a:r>
-              <a:rPr lang="en-US" dirty="0">
-                <a:solidFill>
-                  <a:srgbClr val="000000"/>
-                </a:solidFill>
-                <a:latin typeface="Consolas" panose="020B0609020204030204" pitchFamily="49" charset="0"/>
-              </a:rPr>
-              <a:t>&lt;</a:t>
-            </a:r>
-            <a:r>
-              <a:rPr lang="en-US" dirty="0" err="1">
-                <a:solidFill>
-                  <a:srgbClr val="0000FF"/>
-                </a:solidFill>
-                <a:latin typeface="Consolas" panose="020B0609020204030204" pitchFamily="49" charset="0"/>
-              </a:rPr>
-              <a:t>typename</a:t>
-            </a:r>
-            <a:r>
-              <a:rPr lang="en-US" dirty="0">
-                <a:solidFill>
-                  <a:srgbClr val="000000"/>
-                </a:solidFill>
-                <a:latin typeface="Consolas" panose="020B0609020204030204" pitchFamily="49" charset="0"/>
-              </a:rPr>
-              <a:t> </a:t>
-            </a:r>
-            <a:r>
-              <a:rPr lang="en-US" dirty="0" err="1">
-                <a:solidFill>
-                  <a:srgbClr val="000000"/>
-                </a:solidFill>
-                <a:latin typeface="Consolas" panose="020B0609020204030204" pitchFamily="49" charset="0"/>
-              </a:rPr>
-              <a:t>BufferSequence</a:t>
-            </a:r>
-            <a:r>
-              <a:rPr lang="en-US" dirty="0">
-                <a:solidFill>
-                  <a:srgbClr val="000000"/>
-                </a:solidFill>
-                <a:latin typeface="Consolas" panose="020B0609020204030204" pitchFamily="49" charset="0"/>
-              </a:rPr>
-              <a:t>&gt;</a:t>
-            </a:r>
-          </a:p>
-          <a:p>
-            <a:r>
-              <a:rPr lang="en-US" dirty="0">
-                <a:solidFill>
-                  <a:srgbClr val="0000FF"/>
-                </a:solidFill>
-                <a:latin typeface="Consolas" panose="020B0609020204030204" pitchFamily="49" charset="0"/>
-              </a:rPr>
-              <a:t>auto</a:t>
-            </a:r>
-            <a:r>
-              <a:rPr lang="en-US" dirty="0">
-                <a:solidFill>
-                  <a:srgbClr val="000000"/>
-                </a:solidFill>
-                <a:latin typeface="Consolas" panose="020B0609020204030204" pitchFamily="49" charset="0"/>
-              </a:rPr>
-              <a:t> </a:t>
-            </a:r>
-            <a:r>
-              <a:rPr lang="en-US" dirty="0" err="1">
-                <a:solidFill>
-                  <a:srgbClr val="000000"/>
-                </a:solidFill>
-                <a:latin typeface="Consolas" panose="020B0609020204030204" pitchFamily="49" charset="0"/>
-              </a:rPr>
-              <a:t>async_xyz</a:t>
-            </a:r>
-            <a:r>
-              <a:rPr lang="en-US" dirty="0">
-                <a:solidFill>
-                  <a:srgbClr val="000000"/>
-                </a:solidFill>
-                <a:latin typeface="Consolas" panose="020B0609020204030204" pitchFamily="49" charset="0"/>
-              </a:rPr>
-              <a:t>(</a:t>
-            </a:r>
-            <a:r>
-              <a:rPr lang="en-US" dirty="0" err="1">
-                <a:solidFill>
-                  <a:srgbClr val="000000"/>
-                </a:solidFill>
-                <a:latin typeface="Consolas" panose="020B0609020204030204" pitchFamily="49" charset="0"/>
-              </a:rPr>
-              <a:t>BufferSequence</a:t>
-            </a:r>
-            <a:r>
-              <a:rPr lang="en-US" dirty="0">
-                <a:solidFill>
-                  <a:srgbClr val="000000"/>
-                </a:solidFill>
-                <a:latin typeface="Consolas" panose="020B0609020204030204" pitchFamily="49" charset="0"/>
-              </a:rPr>
-              <a:t> </a:t>
-            </a:r>
-            <a:r>
-              <a:rPr lang="en-US" dirty="0">
-                <a:solidFill>
-                  <a:srgbClr val="0000FF"/>
-                </a:solidFill>
-                <a:latin typeface="Consolas" panose="020B0609020204030204" pitchFamily="49" charset="0"/>
-              </a:rPr>
-              <a:t>const</a:t>
-            </a:r>
-            <a:r>
-              <a:rPr lang="en-US" dirty="0">
-                <a:solidFill>
-                  <a:srgbClr val="000000"/>
-                </a:solidFill>
-                <a:latin typeface="Consolas" panose="020B0609020204030204" pitchFamily="49" charset="0"/>
-              </a:rPr>
-              <a:t>&amp; buffers, </a:t>
-            </a:r>
-            <a:r>
-              <a:rPr lang="en-US" dirty="0" err="1">
-                <a:solidFill>
-                  <a:srgbClr val="000000"/>
-                </a:solidFill>
-                <a:latin typeface="Consolas" panose="020B0609020204030204" pitchFamily="49" charset="0"/>
-              </a:rPr>
-              <a:t>use_future_t</a:t>
-            </a:r>
-            <a:r>
-              <a:rPr lang="en-US" dirty="0">
-                <a:solidFill>
-                  <a:srgbClr val="000000"/>
-                </a:solidFill>
-                <a:latin typeface="Consolas" panose="020B0609020204030204" pitchFamily="49" charset="0"/>
-              </a:rPr>
-              <a:t>)</a:t>
-            </a:r>
-          </a:p>
-          <a:p>
-            <a:r>
-              <a:rPr lang="en-US" dirty="0">
-                <a:solidFill>
-                  <a:srgbClr val="000000"/>
-                </a:solidFill>
-                <a:latin typeface="Consolas" panose="020B0609020204030204" pitchFamily="49" charset="0"/>
-              </a:rPr>
-              <a:t>{</a:t>
-            </a:r>
-          </a:p>
-          <a:p>
-            <a:r>
-              <a:rPr lang="en-US" dirty="0">
-                <a:solidFill>
-                  <a:srgbClr val="000000"/>
-                </a:solidFill>
-                <a:latin typeface="Consolas" panose="020B0609020204030204" pitchFamily="49" charset="0"/>
-              </a:rPr>
-              <a:t>  std::promise&lt;</a:t>
-            </a:r>
-            <a:r>
-              <a:rPr lang="en-US" dirty="0" err="1">
-                <a:solidFill>
-                  <a:srgbClr val="000000"/>
-                </a:solidFill>
-                <a:latin typeface="Consolas" panose="020B0609020204030204" pitchFamily="49" charset="0"/>
-              </a:rPr>
-              <a:t>size_t</a:t>
-            </a:r>
-            <a:r>
-              <a:rPr lang="en-US" dirty="0">
-                <a:solidFill>
-                  <a:srgbClr val="000000"/>
-                </a:solidFill>
-                <a:latin typeface="Consolas" panose="020B0609020204030204" pitchFamily="49" charset="0"/>
-              </a:rPr>
-              <a:t>&gt; p;</a:t>
-            </a:r>
-          </a:p>
-          <a:p>
-            <a:r>
-              <a:rPr lang="en-US" dirty="0">
-                <a:solidFill>
-                  <a:srgbClr val="000000"/>
-                </a:solidFill>
-                <a:latin typeface="Consolas" panose="020B0609020204030204" pitchFamily="49" charset="0"/>
-              </a:rPr>
-              <a:t>  </a:t>
-            </a:r>
-            <a:r>
-              <a:rPr lang="en-US" dirty="0">
-                <a:solidFill>
-                  <a:srgbClr val="0000FF"/>
-                </a:solidFill>
-                <a:latin typeface="Consolas" panose="020B0609020204030204" pitchFamily="49" charset="0"/>
-              </a:rPr>
-              <a:t>auto </a:t>
-            </a:r>
-            <a:r>
-              <a:rPr lang="en-US" dirty="0">
-                <a:solidFill>
-                  <a:srgbClr val="000000"/>
-                </a:solidFill>
-                <a:latin typeface="Consolas" panose="020B0609020204030204" pitchFamily="49" charset="0"/>
-              </a:rPr>
-              <a:t>result = </a:t>
-            </a:r>
-            <a:r>
-              <a:rPr lang="en-US" dirty="0" err="1">
-                <a:solidFill>
-                  <a:srgbClr val="000000"/>
-                </a:solidFill>
-                <a:latin typeface="Consolas" panose="020B0609020204030204" pitchFamily="49" charset="0"/>
-              </a:rPr>
-              <a:t>p.get_future</a:t>
-            </a:r>
-            <a:r>
-              <a:rPr lang="en-US" dirty="0">
-                <a:solidFill>
-                  <a:srgbClr val="000000"/>
-                </a:solidFill>
-                <a:latin typeface="Consolas" panose="020B0609020204030204" pitchFamily="49" charset="0"/>
-              </a:rPr>
-              <a:t>();</a:t>
-            </a:r>
-          </a:p>
-          <a:p>
-            <a:br>
-              <a:rPr lang="en-US" dirty="0">
-                <a:solidFill>
-                  <a:srgbClr val="000000"/>
-                </a:solidFill>
-                <a:latin typeface="Consolas" panose="020B0609020204030204" pitchFamily="49" charset="0"/>
-              </a:rPr>
-            </a:br>
-            <a:r>
-              <a:rPr lang="en-US" dirty="0">
-                <a:solidFill>
-                  <a:srgbClr val="000000"/>
-                </a:solidFill>
-                <a:latin typeface="Consolas" panose="020B0609020204030204" pitchFamily="49" charset="0"/>
-              </a:rPr>
-              <a:t>  </a:t>
-            </a:r>
-            <a:r>
-              <a:rPr lang="en-US" dirty="0" err="1">
-                <a:solidFill>
-                  <a:srgbClr val="000000"/>
-                </a:solidFill>
-                <a:latin typeface="Consolas" panose="020B0609020204030204" pitchFamily="49" charset="0"/>
-              </a:rPr>
-              <a:t>impl.real_async_xyz</a:t>
-            </a:r>
-            <a:r>
-              <a:rPr lang="en-US" dirty="0">
-                <a:solidFill>
-                  <a:srgbClr val="000000"/>
-                </a:solidFill>
-                <a:latin typeface="Consolas" panose="020B0609020204030204" pitchFamily="49" charset="0"/>
-              </a:rPr>
-              <a:t>(buffers, [p = std::move(p)](</a:t>
-            </a:r>
-            <a:r>
-              <a:rPr lang="en-US" dirty="0">
-                <a:solidFill>
-                  <a:srgbClr val="0000FF"/>
-                </a:solidFill>
-                <a:latin typeface="Consolas" panose="020B0609020204030204" pitchFamily="49" charset="0"/>
-              </a:rPr>
-              <a:t>auto </a:t>
-            </a:r>
-            <a:r>
-              <a:rPr lang="en-US" dirty="0" err="1">
-                <a:solidFill>
-                  <a:srgbClr val="000000"/>
-                </a:solidFill>
-                <a:latin typeface="Consolas" panose="020B0609020204030204" pitchFamily="49" charset="0"/>
-              </a:rPr>
-              <a:t>ec</a:t>
-            </a:r>
-            <a:r>
-              <a:rPr lang="en-US" dirty="0">
-                <a:solidFill>
-                  <a:srgbClr val="000000"/>
-                </a:solidFill>
-                <a:latin typeface="Consolas" panose="020B0609020204030204" pitchFamily="49" charset="0"/>
-              </a:rPr>
-              <a:t>, </a:t>
-            </a:r>
-            <a:r>
-              <a:rPr lang="en-US" dirty="0">
-                <a:solidFill>
-                  <a:srgbClr val="0000FF"/>
-                </a:solidFill>
-                <a:latin typeface="Consolas" panose="020B0609020204030204" pitchFamily="49" charset="0"/>
-              </a:rPr>
-              <a:t>auto </a:t>
-            </a:r>
-            <a:r>
-              <a:rPr lang="en-US" dirty="0">
-                <a:solidFill>
-                  <a:srgbClr val="000000"/>
-                </a:solidFill>
-                <a:latin typeface="Consolas" panose="020B0609020204030204" pitchFamily="49" charset="0"/>
-              </a:rPr>
-              <a:t>n) {</a:t>
-            </a:r>
-          </a:p>
-          <a:p>
-            <a:r>
-              <a:rPr lang="en-US" dirty="0">
-                <a:solidFill>
-                  <a:srgbClr val="000000"/>
-                </a:solidFill>
-                <a:latin typeface="Consolas" panose="020B0609020204030204" pitchFamily="49" charset="0"/>
-              </a:rPr>
-              <a:t>    </a:t>
-            </a:r>
-            <a:r>
-              <a:rPr lang="en-US" dirty="0">
-                <a:solidFill>
-                  <a:srgbClr val="0000FF"/>
-                </a:solidFill>
-                <a:latin typeface="Consolas" panose="020B0609020204030204" pitchFamily="49" charset="0"/>
-              </a:rPr>
-              <a:t>if </a:t>
-            </a:r>
-            <a:r>
-              <a:rPr lang="en-US" dirty="0">
-                <a:solidFill>
-                  <a:srgbClr val="000000"/>
-                </a:solidFill>
-                <a:latin typeface="Consolas" panose="020B0609020204030204" pitchFamily="49" charset="0"/>
-              </a:rPr>
-              <a:t>(</a:t>
-            </a:r>
-            <a:r>
-              <a:rPr lang="en-US" dirty="0" err="1">
-                <a:solidFill>
-                  <a:srgbClr val="000000"/>
-                </a:solidFill>
-                <a:latin typeface="Consolas" panose="020B0609020204030204" pitchFamily="49" charset="0"/>
-              </a:rPr>
-              <a:t>ec</a:t>
-            </a:r>
-            <a:r>
-              <a:rPr lang="en-US" dirty="0">
-                <a:solidFill>
-                  <a:srgbClr val="000000"/>
-                </a:solidFill>
-                <a:latin typeface="Consolas" panose="020B0609020204030204" pitchFamily="49" charset="0"/>
-              </a:rPr>
-              <a:t>) </a:t>
-            </a:r>
-            <a:r>
-              <a:rPr lang="en-US" dirty="0" err="1">
-                <a:solidFill>
-                  <a:srgbClr val="000000"/>
-                </a:solidFill>
-                <a:latin typeface="Consolas" panose="020B0609020204030204" pitchFamily="49" charset="0"/>
-              </a:rPr>
-              <a:t>p.set_exception</a:t>
-            </a:r>
-            <a:r>
-              <a:rPr lang="en-US" dirty="0">
-                <a:solidFill>
-                  <a:srgbClr val="000000"/>
-                </a:solidFill>
-                <a:latin typeface="Consolas" panose="020B0609020204030204" pitchFamily="49" charset="0"/>
-              </a:rPr>
-              <a:t>(std::</a:t>
-            </a:r>
-            <a:r>
-              <a:rPr lang="en-US" dirty="0" err="1">
-                <a:solidFill>
-                  <a:srgbClr val="000000"/>
-                </a:solidFill>
-                <a:latin typeface="Consolas" panose="020B0609020204030204" pitchFamily="49" charset="0"/>
-              </a:rPr>
-              <a:t>system_error</a:t>
-            </a:r>
-            <a:r>
-              <a:rPr lang="en-US" dirty="0">
-                <a:solidFill>
-                  <a:srgbClr val="000000"/>
-                </a:solidFill>
-                <a:latin typeface="Consolas" panose="020B0609020204030204" pitchFamily="49" charset="0"/>
-              </a:rPr>
-              <a:t>(</a:t>
-            </a:r>
-            <a:r>
-              <a:rPr lang="en-US" dirty="0" err="1">
-                <a:solidFill>
-                  <a:srgbClr val="000000"/>
-                </a:solidFill>
-                <a:latin typeface="Consolas" panose="020B0609020204030204" pitchFamily="49" charset="0"/>
-              </a:rPr>
-              <a:t>ec</a:t>
-            </a:r>
-            <a:r>
-              <a:rPr lang="en-US" dirty="0">
-                <a:solidFill>
-                  <a:srgbClr val="000000"/>
-                </a:solidFill>
-                <a:latin typeface="Consolas" panose="020B0609020204030204" pitchFamily="49" charset="0"/>
-              </a:rPr>
-              <a:t>));</a:t>
-            </a:r>
-          </a:p>
-          <a:p>
-            <a:r>
-              <a:rPr lang="en-US" dirty="0">
-                <a:solidFill>
-                  <a:srgbClr val="000000"/>
-                </a:solidFill>
-                <a:latin typeface="Consolas" panose="020B0609020204030204" pitchFamily="49" charset="0"/>
-              </a:rPr>
-              <a:t>    </a:t>
-            </a:r>
-            <a:r>
-              <a:rPr lang="en-US" dirty="0">
-                <a:solidFill>
-                  <a:srgbClr val="0000FF"/>
-                </a:solidFill>
-                <a:latin typeface="Consolas" panose="020B0609020204030204" pitchFamily="49" charset="0"/>
-              </a:rPr>
-              <a:t>else </a:t>
-            </a:r>
-            <a:r>
-              <a:rPr lang="en-US" dirty="0">
-                <a:solidFill>
-                  <a:srgbClr val="000000"/>
-                </a:solidFill>
-                <a:latin typeface="Consolas" panose="020B0609020204030204" pitchFamily="49" charset="0"/>
-              </a:rPr>
-              <a:t>(p.</a:t>
-            </a:r>
-          </a:p>
-          <a:p>
-            <a:r>
-              <a:rPr lang="en-US" dirty="0">
-                <a:solidFill>
-                  <a:srgbClr val="000000"/>
-                </a:solidFill>
-                <a:latin typeface="Consolas" panose="020B0609020204030204" pitchFamily="49" charset="0"/>
-              </a:rPr>
-              <a:t>  });</a:t>
-            </a:r>
-            <a:br>
-              <a:rPr lang="en-US" dirty="0">
-                <a:solidFill>
-                  <a:srgbClr val="000000"/>
-                </a:solidFill>
-                <a:latin typeface="Consolas" panose="020B0609020204030204" pitchFamily="49" charset="0"/>
-              </a:rPr>
-            </a:br>
-            <a:r>
-              <a:rPr lang="en-US" dirty="0">
-                <a:solidFill>
-                  <a:srgbClr val="000000"/>
-                </a:solidFill>
-                <a:latin typeface="Consolas" panose="020B0609020204030204" pitchFamily="49" charset="0"/>
-              </a:rPr>
-              <a:t>  </a:t>
-            </a:r>
-            <a:r>
-              <a:rPr lang="en-US" dirty="0">
-                <a:solidFill>
-                  <a:srgbClr val="0000FF"/>
-                </a:solidFill>
-                <a:latin typeface="Consolas" panose="020B0609020204030204" pitchFamily="49" charset="0"/>
-              </a:rPr>
-              <a:t>return</a:t>
-            </a:r>
-            <a:r>
-              <a:rPr lang="en-US" dirty="0">
-                <a:solidFill>
-                  <a:srgbClr val="000000"/>
-                </a:solidFill>
-                <a:latin typeface="Consolas" panose="020B0609020204030204" pitchFamily="49" charset="0"/>
-              </a:rPr>
-              <a:t> result;</a:t>
-            </a:r>
-          </a:p>
-          <a:p>
-            <a:r>
-              <a:rPr lang="en-US" dirty="0">
-                <a:solidFill>
-                  <a:srgbClr val="000000"/>
-                </a:solidFill>
-                <a:latin typeface="Consolas" panose="020B0609020204030204" pitchFamily="49" charset="0"/>
-              </a:rPr>
-              <a:t>}</a:t>
-            </a:r>
-            <a:endParaRPr lang="en-US" b="0" dirty="0">
-              <a:solidFill>
-                <a:srgbClr val="000000"/>
-              </a:solidFill>
-              <a:effectLst/>
-              <a:latin typeface="Consolas" panose="020B0609020204030204" pitchFamily="49" charset="0"/>
-            </a:endParaRPr>
-          </a:p>
-        </p:txBody>
-      </p:sp>
-    </p:spTree>
-    <p:extLst>
-      <p:ext uri="{BB962C8B-B14F-4D97-AF65-F5344CB8AC3E}">
-        <p14:creationId xmlns:p14="http://schemas.microsoft.com/office/powerpoint/2010/main" val="3394915162"/>
-      </p:ext>
-    </p:extLst>
-  </p:cSld>
-  <p:clrMapOvr>
-    <a:masterClrMapping/>
-  </p:clrMapOvr>
-</p:sld>
-</file>
-
 <file path=ppt/slides/slide4.xml><?xml version="1.0" encoding="utf-8"?>
 <p:sld xmlns:a="http://schemas.openxmlformats.org/drawingml/2006/main" xmlns:r="http://schemas.openxmlformats.org/officeDocument/2006/relationships" xmlns:p="http://schemas.openxmlformats.org/presentationml/2006/main">
   <p:cSld>
@@ -33380,7 +24859,7 @@
           <a:p>
             <a:fld id="{A45FEA09-1DDB-4D82-B184-9838C5339803}" type="datetime1">
               <a:rPr lang="en-US" smtClean="0"/>
-              <a:t>9/28/2017</a:t>
+              <a:t>10/20/2017</a:t>
             </a:fld>
             <a:endParaRPr lang="en-US"/>
           </a:p>
@@ -33622,7 +25101,7 @@
           <a:p>
             <a:fld id="{CC054CAF-CE04-4F3F-9EC9-F03CB5165261}" type="datetime1">
               <a:rPr lang="en-US" smtClean="0"/>
-              <a:t>9/28/2017</a:t>
+              <a:t>10/20/2017</a:t>
             </a:fld>
             <a:endParaRPr lang="en-US"/>
           </a:p>
@@ -33841,7 +25320,7 @@
           <a:p>
             <a:fld id="{E9BD1EA1-E0DF-4CE7-8588-8A7C95083958}" type="datetime1">
               <a:rPr lang="en-US" smtClean="0"/>
-              <a:t>9/28/2017</a:t>
+              <a:t>10/20/2017</a:t>
             </a:fld>
             <a:endParaRPr lang="en-US"/>
           </a:p>
@@ -34225,7 +25704,7 @@
           <a:p>
             <a:fld id="{C526997B-81AA-4CAB-8348-CCB587FD2D4F}" type="datetime1">
               <a:rPr lang="en-US" smtClean="0"/>
-              <a:t>9/28/2017</a:t>
+              <a:t>10/20/2017</a:t>
             </a:fld>
             <a:endParaRPr lang="en-US"/>
           </a:p>
@@ -36167,7 +27646,7 @@
           <a:p>
             <a:fld id="{8A70C14E-0C10-407B-98C0-DD6B0460D488}" type="datetime1">
               <a:rPr lang="en-US" smtClean="0"/>
-              <a:t>9/28/2017</a:t>
+              <a:t>10/20/2017</a:t>
             </a:fld>
             <a:endParaRPr lang="en-US"/>
           </a:p>
@@ -36962,7 +28441,7 @@
           <a:p>
             <a:fld id="{D60A068D-0C4B-4BBE-854C-4BFC4F5702BD}" type="datetime1">
               <a:rPr lang="en-US" smtClean="0"/>
-              <a:t>9/28/2017</a:t>
+              <a:t>10/20/2017</a:t>
             </a:fld>
             <a:endParaRPr lang="en-US"/>
           </a:p>
